--- a/CodeReviewTool/doc/CodeReview_점검_Tool_개발계획서_rev06.pptx
+++ b/CodeReviewTool/doc/CodeReview_점검_Tool_개발계획서_rev06.pptx
@@ -5,10 +5,10 @@
     <p:sldMasterId id="2147483660" r:id="rId1"/>
   </p:sldMasterIdLst>
   <p:notesMasterIdLst>
-    <p:notesMasterId r:id="rId24"/>
+    <p:notesMasterId r:id="rId23"/>
   </p:notesMasterIdLst>
   <p:handoutMasterIdLst>
-    <p:handoutMasterId r:id="rId25"/>
+    <p:handoutMasterId r:id="rId24"/>
   </p:handoutMasterIdLst>
   <p:sldIdLst>
     <p:sldId id="257" r:id="rId2"/>
@@ -16,50 +16,49 @@
     <p:sldId id="341" r:id="rId4"/>
     <p:sldId id="342" r:id="rId5"/>
     <p:sldId id="356" r:id="rId6"/>
-    <p:sldId id="357" r:id="rId7"/>
-    <p:sldId id="358" r:id="rId8"/>
-    <p:sldId id="359" r:id="rId9"/>
-    <p:sldId id="360" r:id="rId10"/>
-    <p:sldId id="361" r:id="rId11"/>
-    <p:sldId id="362" r:id="rId12"/>
-    <p:sldId id="343" r:id="rId13"/>
-    <p:sldId id="348" r:id="rId14"/>
-    <p:sldId id="350" r:id="rId15"/>
-    <p:sldId id="349" r:id="rId16"/>
-    <p:sldId id="351" r:id="rId17"/>
-    <p:sldId id="352" r:id="rId18"/>
-    <p:sldId id="354" r:id="rId19"/>
-    <p:sldId id="353" r:id="rId20"/>
-    <p:sldId id="347" r:id="rId21"/>
-    <p:sldId id="335" r:id="rId22"/>
-    <p:sldId id="355" r:id="rId23"/>
+    <p:sldId id="358" r:id="rId7"/>
+    <p:sldId id="359" r:id="rId8"/>
+    <p:sldId id="360" r:id="rId9"/>
+    <p:sldId id="361" r:id="rId10"/>
+    <p:sldId id="362" r:id="rId11"/>
+    <p:sldId id="343" r:id="rId12"/>
+    <p:sldId id="348" r:id="rId13"/>
+    <p:sldId id="350" r:id="rId14"/>
+    <p:sldId id="349" r:id="rId15"/>
+    <p:sldId id="351" r:id="rId16"/>
+    <p:sldId id="352" r:id="rId17"/>
+    <p:sldId id="354" r:id="rId18"/>
+    <p:sldId id="353" r:id="rId19"/>
+    <p:sldId id="347" r:id="rId20"/>
+    <p:sldId id="335" r:id="rId21"/>
+    <p:sldId id="355" r:id="rId22"/>
   </p:sldIdLst>
   <p:sldSz cx="9906000" cy="6858000" type="A4"/>
   <p:notesSz cx="6858000" cy="9144000"/>
   <p:embeddedFontLst>
     <p:embeddedFont>
       <p:font typeface="Consolas" panose="020B0609020204030204" pitchFamily="49" charset="0"/>
-      <p:regular r:id="rId26"/>
-      <p:bold r:id="rId27"/>
-      <p:italic r:id="rId28"/>
-      <p:boldItalic r:id="rId29"/>
+      <p:regular r:id="rId25"/>
+      <p:bold r:id="rId26"/>
+      <p:italic r:id="rId27"/>
+      <p:boldItalic r:id="rId28"/>
     </p:embeddedFont>
     <p:embeddedFont>
       <p:font typeface="맑은 고딕" panose="020B0503020000020004" pitchFamily="50" charset="-127"/>
-      <p:regular r:id="rId30"/>
-      <p:bold r:id="rId31"/>
+      <p:regular r:id="rId29"/>
+      <p:bold r:id="rId30"/>
     </p:embeddedFont>
     <p:embeddedFont>
       <p:font typeface="Calibri Light" panose="020F0302020204030204" pitchFamily="34" charset="0"/>
-      <p:regular r:id="rId32"/>
-      <p:italic r:id="rId33"/>
+      <p:regular r:id="rId31"/>
+      <p:italic r:id="rId32"/>
     </p:embeddedFont>
     <p:embeddedFont>
       <p:font typeface="Calibri" panose="020F0502020204030204" pitchFamily="34" charset="0"/>
-      <p:regular r:id="rId34"/>
-      <p:bold r:id="rId35"/>
-      <p:italic r:id="rId36"/>
-      <p:boldItalic r:id="rId37"/>
+      <p:regular r:id="rId33"/>
+      <p:bold r:id="rId34"/>
+      <p:italic r:id="rId35"/>
+      <p:boldItalic r:id="rId36"/>
     </p:embeddedFont>
   </p:embeddedFontLst>
   <p:defaultTextStyle>
@@ -167,7 +166,6 @@
             <p14:sldId id="341"/>
             <p14:sldId id="342"/>
             <p14:sldId id="356"/>
-            <p14:sldId id="357"/>
             <p14:sldId id="358"/>
             <p14:sldId id="359"/>
             <p14:sldId id="360"/>
@@ -291,7 +289,7 @@
           <a:p>
             <a:fld id="{036B6B10-1B09-480E-9EAC-7453F6B2BC47}" type="datetimeFigureOut">
               <a:rPr lang="ko-KR" altLang="en-US" smtClean="0"/>
-              <a:t>2024-09-01</a:t>
+              <a:t>2024-09-02</a:t>
             </a:fld>
             <a:endParaRPr lang="ko-KR" altLang="en-US"/>
           </a:p>
@@ -456,7 +454,7 @@
           <a:p>
             <a:fld id="{FE749B7C-4794-4872-A925-753F194DD9F3}" type="datetimeFigureOut">
               <a:rPr lang="ko-KR" altLang="en-US" smtClean="0"/>
-              <a:t>2024-09-01</a:t>
+              <a:t>2024-09-02</a:t>
             </a:fld>
             <a:endParaRPr lang="ko-KR" altLang="en-US"/>
           </a:p>
@@ -1797,7 +1795,7 @@
           <a:p>
             <a:fld id="{805658A3-C337-411C-A39B-D6A40476A7DB}" type="datetimeFigureOut">
               <a:rPr lang="ko-KR" altLang="en-US" smtClean="0"/>
-              <a:t>2024-09-01</a:t>
+              <a:t>2024-09-02</a:t>
             </a:fld>
             <a:endParaRPr lang="ko-KR" altLang="en-US"/>
           </a:p>
@@ -2743,39 +2741,8 @@
                   <a:srgbClr val="E9520B"/>
                 </a:solidFill>
               </a:rPr>
-              <a:t>– DP </a:t>
-            </a:r>
-            <a:r>
-              <a:rPr lang="ko-KR" altLang="en-US" b="1" dirty="0" smtClean="0">
-                <a:ln>
-                  <a:solidFill>
-                    <a:schemeClr val="tx1">
-                      <a:lumMod val="50000"/>
-                      <a:lumOff val="50000"/>
-                      <a:alpha val="0"/>
-                    </a:schemeClr>
-                  </a:solidFill>
-                </a:ln>
-                <a:solidFill>
-                  <a:srgbClr val="E9520B"/>
-                </a:solidFill>
-              </a:rPr>
-              <a:t>함수 예외 처리</a:t>
-            </a:r>
-            <a:endParaRPr lang="en-US" altLang="ko-KR" b="1" dirty="0" smtClean="0">
-              <a:ln>
-                <a:solidFill>
-                  <a:schemeClr val="tx1">
-                    <a:lumMod val="50000"/>
-                    <a:lumOff val="50000"/>
-                    <a:alpha val="0"/>
-                  </a:schemeClr>
-                </a:solidFill>
-              </a:ln>
-              <a:solidFill>
-                <a:srgbClr val="E9520B"/>
-              </a:solidFill>
-            </a:endParaRPr>
+              <a:t>- Server</a:t>
+            </a:r>
           </a:p>
         </p:txBody>
       </p:sp>
@@ -2830,278 +2797,6 @@
           </a:p>
         </p:txBody>
       </p:sp>
-      <p:pic>
-        <p:nvPicPr>
-          <p:cNvPr id="3" name="그림 2"/>
-          <p:cNvPicPr>
-            <a:picLocks noChangeAspect="1"/>
-          </p:cNvPicPr>
-          <p:nvPr/>
-        </p:nvPicPr>
-        <p:blipFill>
-          <a:blip r:embed="rId2"/>
-          <a:stretch>
-            <a:fillRect/>
-          </a:stretch>
-        </p:blipFill>
-        <p:spPr>
-          <a:xfrm>
-            <a:off x="668524" y="1488559"/>
-            <a:ext cx="7223950" cy="4644516"/>
-          </a:xfrm>
-          <a:prstGeom prst="rect">
-            <a:avLst/>
-          </a:prstGeom>
-          <a:ln>
-            <a:solidFill>
-              <a:schemeClr val="bg1">
-                <a:lumMod val="85000"/>
-              </a:schemeClr>
-            </a:solidFill>
-          </a:ln>
-        </p:spPr>
-      </p:pic>
-      <p:sp>
-        <p:nvSpPr>
-          <p:cNvPr id="10" name="순서도: 처리 9"/>
-          <p:cNvSpPr/>
-          <p:nvPr/>
-        </p:nvSpPr>
-        <p:spPr>
-          <a:xfrm>
-            <a:off x="1488560" y="4440887"/>
-            <a:ext cx="2644404" cy="376992"/>
-          </a:xfrm>
-          <a:prstGeom prst="flowChartProcess">
-            <a:avLst/>
-          </a:prstGeom>
-          <a:ln>
-            <a:solidFill>
-              <a:schemeClr val="tx1"/>
-            </a:solidFill>
-          </a:ln>
-        </p:spPr>
-        <p:style>
-          <a:lnRef idx="2">
-            <a:schemeClr val="accent2"/>
-          </a:lnRef>
-          <a:fillRef idx="1">
-            <a:schemeClr val="lt1"/>
-          </a:fillRef>
-          <a:effectRef idx="0">
-            <a:schemeClr val="accent2"/>
-          </a:effectRef>
-          <a:fontRef idx="minor">
-            <a:schemeClr val="dk1"/>
-          </a:fontRef>
-        </p:style>
-        <p:txBody>
-          <a:bodyPr rtlCol="0" anchor="ctr"/>
-          <a:lstStyle/>
-          <a:p>
-            <a:pPr algn="ctr"/>
-            <a:r>
-              <a:rPr lang="ko-KR" altLang="en-US" sz="1100" dirty="0" smtClean="0"/>
-              <a:t>① </a:t>
-            </a:r>
-            <a:r>
-              <a:rPr lang="en-US" altLang="ko-KR" sz="1100" dirty="0" smtClean="0"/>
-              <a:t>Callback </a:t>
-            </a:r>
-            <a:r>
-              <a:rPr lang="ko-KR" altLang="en-US" sz="1100" dirty="0" smtClean="0"/>
-              <a:t>함수 호출 코드 확인</a:t>
-            </a:r>
-            <a:endParaRPr lang="en-US" altLang="ko-KR" sz="1100" dirty="0" smtClean="0"/>
-          </a:p>
-        </p:txBody>
-      </p:sp>
-    </p:spTree>
-    <p:extLst>
-      <p:ext uri="{BB962C8B-B14F-4D97-AF65-F5344CB8AC3E}">
-        <p14:creationId xmlns:p14="http://schemas.microsoft.com/office/powerpoint/2010/main" val="409019644"/>
-      </p:ext>
-    </p:extLst>
-  </p:cSld>
-  <p:clrMapOvr>
-    <a:masterClrMapping/>
-  </p:clrMapOvr>
-  <p:timing>
-    <p:tnLst>
-      <p:par>
-        <p:cTn id="1" dur="indefinite" restart="never" nodeType="tmRoot"/>
-      </p:par>
-    </p:tnLst>
-  </p:timing>
-</p:sld>
-</file>
-
-<file path=ppt/slides/slide11.xml><?xml version="1.0" encoding="utf-8"?>
-<p:sld xmlns:a="http://schemas.openxmlformats.org/drawingml/2006/main" xmlns:r="http://schemas.openxmlformats.org/officeDocument/2006/relationships" xmlns:p="http://schemas.openxmlformats.org/presentationml/2006/main">
-  <p:cSld>
-    <p:spTree>
-      <p:nvGrpSpPr>
-        <p:cNvPr id="1" name=""/>
-        <p:cNvGrpSpPr/>
-        <p:nvPr/>
-      </p:nvGrpSpPr>
-      <p:grpSpPr>
-        <a:xfrm>
-          <a:off x="0" y="0"/>
-          <a:ext cx="0" cy="0"/>
-          <a:chOff x="0" y="0"/>
-          <a:chExt cx="0" cy="0"/>
-        </a:xfrm>
-      </p:grpSpPr>
-      <p:sp>
-        <p:nvSpPr>
-          <p:cNvPr id="5" name="TextBox 4"/>
-          <p:cNvSpPr txBox="1"/>
-          <p:nvPr/>
-        </p:nvSpPr>
-        <p:spPr>
-          <a:xfrm>
-            <a:off x="345600" y="980728"/>
-            <a:ext cx="9342704" cy="507831"/>
-          </a:xfrm>
-          <a:prstGeom prst="rect">
-            <a:avLst/>
-          </a:prstGeom>
-          <a:noFill/>
-        </p:spPr>
-        <p:txBody>
-          <a:bodyPr wrap="square" rtlCol="0">
-            <a:spAutoFit/>
-          </a:bodyPr>
-          <a:lstStyle/>
-          <a:p>
-            <a:pPr>
-              <a:lnSpc>
-                <a:spcPct val="150000"/>
-              </a:lnSpc>
-            </a:pPr>
-            <a:r>
-              <a:rPr lang="ko-KR" altLang="en-US" b="1" dirty="0" smtClean="0">
-                <a:ln>
-                  <a:solidFill>
-                    <a:schemeClr val="tx1">
-                      <a:lumMod val="50000"/>
-                      <a:lumOff val="50000"/>
-                      <a:alpha val="0"/>
-                    </a:schemeClr>
-                  </a:solidFill>
-                </a:ln>
-                <a:solidFill>
-                  <a:srgbClr val="E9520B"/>
-                </a:solidFill>
-              </a:rPr>
-              <a:t>■ 코드 리뷰 점검 </a:t>
-            </a:r>
-            <a:r>
-              <a:rPr lang="en-US" altLang="ko-KR" b="1" dirty="0" smtClean="0">
-                <a:ln>
-                  <a:solidFill>
-                    <a:schemeClr val="tx1">
-                      <a:lumMod val="50000"/>
-                      <a:lumOff val="50000"/>
-                      <a:alpha val="0"/>
-                    </a:schemeClr>
-                  </a:solidFill>
-                </a:ln>
-                <a:solidFill>
-                  <a:srgbClr val="E9520B"/>
-                </a:solidFill>
-              </a:rPr>
-              <a:t>Tool</a:t>
-            </a:r>
-            <a:r>
-              <a:rPr lang="ko-KR" altLang="en-US" b="1" dirty="0" smtClean="0">
-                <a:ln>
-                  <a:solidFill>
-                    <a:schemeClr val="tx1">
-                      <a:lumMod val="50000"/>
-                      <a:lumOff val="50000"/>
-                      <a:alpha val="0"/>
-                    </a:schemeClr>
-                  </a:solidFill>
-                </a:ln>
-                <a:solidFill>
-                  <a:srgbClr val="E9520B"/>
-                </a:solidFill>
-              </a:rPr>
-              <a:t> 항목 </a:t>
-            </a:r>
-            <a:r>
-              <a:rPr lang="en-US" altLang="ko-KR" b="1" dirty="0" smtClean="0">
-                <a:ln>
-                  <a:solidFill>
-                    <a:schemeClr val="tx1">
-                      <a:lumMod val="50000"/>
-                      <a:lumOff val="50000"/>
-                      <a:alpha val="0"/>
-                    </a:schemeClr>
-                  </a:solidFill>
-                </a:ln>
-                <a:solidFill>
-                  <a:srgbClr val="E9520B"/>
-                </a:solidFill>
-              </a:rPr>
-              <a:t>- Server</a:t>
-            </a:r>
-          </a:p>
-        </p:txBody>
-      </p:sp>
-      <p:sp>
-        <p:nvSpPr>
-          <p:cNvPr id="6" name="제목 1"/>
-          <p:cNvSpPr>
-            <a:spLocks noGrp="1"/>
-          </p:cNvSpPr>
-          <p:nvPr>
-            <p:ph type="title" idx="4294967295"/>
-          </p:nvPr>
-        </p:nvSpPr>
-        <p:spPr>
-          <a:xfrm>
-            <a:off x="452500" y="224644"/>
-            <a:ext cx="6858903" cy="504056"/>
-          </a:xfrm>
-          <a:ln>
-            <a:noFill/>
-          </a:ln>
-        </p:spPr>
-        <p:txBody>
-          <a:bodyPr>
-            <a:normAutofit/>
-          </a:bodyPr>
-          <a:lstStyle/>
-          <a:p>
-            <a:r>
-              <a:rPr lang="ko-KR" altLang="en-US" sz="2800" b="1" dirty="0" smtClean="0">
-                <a:ln>
-                  <a:solidFill>
-                    <a:prstClr val="white">
-                      <a:alpha val="0"/>
-                    </a:prstClr>
-                  </a:solidFill>
-                </a:ln>
-                <a:solidFill>
-                  <a:prstClr val="white">
-                    <a:lumMod val="50000"/>
-                  </a:prstClr>
-                </a:solidFill>
-                <a:latin typeface="+mn-ea"/>
-                <a:ea typeface="+mn-ea"/>
-              </a:rPr>
-              <a:t>기능 정의</a:t>
-            </a:r>
-            <a:endParaRPr lang="ko-KR" altLang="en-US" sz="2800" b="1" dirty="0">
-              <a:latin typeface="+mn-ea"/>
-              <a:ea typeface="+mn-ea"/>
-            </a:endParaRPr>
-          </a:p>
-        </p:txBody>
-      </p:sp>
       <p:graphicFrame>
         <p:nvGraphicFramePr>
           <p:cNvPr id="2" name="표 1"/>
@@ -3111,7 +2806,7 @@
           <p:nvPr>
             <p:extLst>
               <p:ext uri="{D42A27DB-BD31-4B8C-83A1-F6EECF244321}">
-                <p14:modId xmlns:p14="http://schemas.microsoft.com/office/powerpoint/2010/main" val="1043216944"/>
+                <p14:modId xmlns:p14="http://schemas.microsoft.com/office/powerpoint/2010/main" val="858680532"/>
               </p:ext>
             </p:extLst>
           </p:nvPr>
@@ -3404,9 +3099,9 @@
                     <a:bodyPr/>
                     <a:lstStyle/>
                     <a:p>
-                      <a:pPr algn="ctr" fontAlgn="ctr"/>
-                      <a:r>
-                        <a:rPr lang="en-US" altLang="ko-KR" sz="1100" kern="1200" dirty="0" smtClean="0">
+                      <a:pPr lvl="1" algn="l" fontAlgn="ctr"/>
+                      <a:r>
+                        <a:rPr lang="en-US" altLang="ko-KR" sz="1000" kern="1200" dirty="0" smtClean="0">
                           <a:solidFill>
                             <a:schemeClr val="dk1"/>
                           </a:solidFill>
@@ -3418,7 +3113,7 @@
                         <a:t>while</a:t>
                       </a:r>
                       <a:r>
-                        <a:rPr lang="ko-KR" altLang="en-US" sz="1100" kern="1200" dirty="0" smtClean="0">
+                        <a:rPr lang="ko-KR" altLang="en-US" sz="1000" kern="1200" dirty="0" smtClean="0">
                           <a:solidFill>
                             <a:schemeClr val="dk1"/>
                           </a:solidFill>
@@ -3430,7 +3125,7 @@
                         <a:t>문 내에서 </a:t>
                       </a:r>
                       <a:r>
-                        <a:rPr lang="en-US" altLang="ko-KR" sz="1100" kern="1200" dirty="0" smtClean="0">
+                        <a:rPr lang="en-US" altLang="ko-KR" sz="1000" kern="1200" dirty="0" smtClean="0">
                           <a:solidFill>
                             <a:schemeClr val="dk1"/>
                           </a:solidFill>
@@ -3442,7 +3137,7 @@
                         <a:t>delay </a:t>
                       </a:r>
                       <a:r>
-                        <a:rPr lang="ko-KR" altLang="en-US" sz="1100" kern="1200" dirty="0" smtClean="0">
+                        <a:rPr lang="ko-KR" altLang="en-US" sz="1000" kern="1200" dirty="0" smtClean="0">
                           <a:solidFill>
                             <a:schemeClr val="dk1"/>
                           </a:solidFill>
@@ -3454,7 +3149,7 @@
                         <a:t>코드가 작성되지 않았습니다</a:t>
                       </a:r>
                       <a:r>
-                        <a:rPr lang="en-US" altLang="ko-KR" sz="1100" kern="1200" dirty="0" smtClean="0">
+                        <a:rPr lang="en-US" altLang="ko-KR" sz="1000" kern="1200" dirty="0" smtClean="0">
                           <a:solidFill>
                             <a:schemeClr val="dk1"/>
                           </a:solidFill>
@@ -3465,7 +3160,7 @@
                         </a:rPr>
                         <a:t>.</a:t>
                       </a:r>
-                      <a:endParaRPr lang="ko-KR" altLang="en-US" sz="1100" b="0" i="0" u="none" strike="noStrike" dirty="0">
+                      <a:endParaRPr lang="ko-KR" altLang="en-US" sz="1000" b="0" i="0" u="none" strike="noStrike" dirty="0">
                         <a:solidFill>
                           <a:srgbClr val="000000"/>
                         </a:solidFill>
@@ -3537,9 +3232,9 @@
                     <a:bodyPr/>
                     <a:lstStyle/>
                     <a:p>
-                      <a:pPr lvl="2" algn="l" fontAlgn="ctr"/>
-                      <a:r>
-                        <a:rPr lang="en-US" altLang="ko-KR" sz="1100" kern="1200" dirty="0" smtClean="0">
+                      <a:pPr lvl="1" algn="l" fontAlgn="ctr"/>
+                      <a:r>
+                        <a:rPr lang="en-US" altLang="ko-KR" sz="1000" kern="1200" dirty="0" smtClean="0">
                           <a:solidFill>
                             <a:schemeClr val="dk1"/>
                           </a:solidFill>
@@ -3551,7 +3246,7 @@
                         <a:t>DP </a:t>
                       </a:r>
                       <a:r>
-                        <a:rPr lang="ko-KR" altLang="en-US" sz="1100" kern="1200" dirty="0" smtClean="0">
+                        <a:rPr lang="ko-KR" altLang="en-US" sz="1000" kern="1200" dirty="0" smtClean="0">
                           <a:solidFill>
                             <a:schemeClr val="dk1"/>
                           </a:solidFill>
@@ -3563,7 +3258,7 @@
                         <a:t>함수가 반복적으로 처리 되었습니다</a:t>
                       </a:r>
                       <a:r>
-                        <a:rPr lang="en-US" altLang="ko-KR" sz="1100" kern="1200" dirty="0" smtClean="0">
+                        <a:rPr lang="en-US" altLang="ko-KR" sz="1000" kern="1200" dirty="0" smtClean="0">
                           <a:solidFill>
                             <a:schemeClr val="dk1"/>
                           </a:solidFill>
@@ -3574,7 +3269,7 @@
                         </a:rPr>
                         <a:t>.</a:t>
                       </a:r>
-                      <a:endParaRPr lang="ko-KR" altLang="en-US" sz="1100" b="0" i="0" u="none" strike="noStrike" dirty="0">
+                      <a:endParaRPr lang="ko-KR" altLang="en-US" sz="1000" b="0" i="0" u="none" strike="noStrike" dirty="0">
                         <a:solidFill>
                           <a:srgbClr val="000000"/>
                         </a:solidFill>
@@ -3636,6 +3331,827 @@
                         <a:t>처리 함수 사용</a:t>
                       </a:r>
                       <a:endParaRPr lang="ko-KR" altLang="en-US" sz="1050" b="1" i="0" u="none" strike="noStrike" dirty="0">
+                        <a:solidFill>
+                          <a:srgbClr val="000000"/>
+                        </a:solidFill>
+                        <a:effectLst/>
+                        <a:latin typeface="맑은 고딕" panose="020B0503020000020004" pitchFamily="50" charset="-127"/>
+                        <a:ea typeface="맑은 고딕" panose="020B0503020000020004" pitchFamily="50" charset="-127"/>
+                      </a:endParaRPr>
+                    </a:p>
+                  </a:txBody>
+                  <a:tcPr marL="9525" marR="9525" marT="9525" marB="0" anchor="ctr"/>
+                </a:tc>
+                <a:tc>
+                  <a:txBody>
+                    <a:bodyPr/>
+                    <a:lstStyle/>
+                    <a:p>
+                      <a:pPr marL="457200" marR="0" lvl="1" indent="0" algn="l" defTabSz="914400" rtl="0" eaLnBrk="1" fontAlgn="ctr" latinLnBrk="1" hangingPunct="1">
+                        <a:lnSpc>
+                          <a:spcPct val="100000"/>
+                        </a:lnSpc>
+                        <a:spcBef>
+                          <a:spcPts val="0"/>
+                        </a:spcBef>
+                        <a:spcAft>
+                          <a:spcPts val="0"/>
+                        </a:spcAft>
+                        <a:buClrTx/>
+                        <a:buSzTx/>
+                        <a:buFontTx/>
+                        <a:buNone/>
+                        <a:tabLst/>
+                        <a:defRPr/>
+                      </a:pPr>
+                      <a:r>
+                        <a:rPr lang="en-US" altLang="ko-KR" sz="1000" dirty="0" smtClean="0"/>
+                        <a:t>Callback </a:t>
+                      </a:r>
+                      <a:r>
+                        <a:rPr lang="ko-KR" altLang="en-US" sz="1000" dirty="0" smtClean="0"/>
+                        <a:t>함수에서 </a:t>
+                      </a:r>
+                      <a:r>
+                        <a:rPr lang="en-US" altLang="ko-KR" sz="1000" dirty="0" smtClean="0"/>
+                        <a:t>delay </a:t>
+                      </a:r>
+                      <a:r>
+                        <a:rPr lang="ko-KR" altLang="en-US" sz="1000" dirty="0" smtClean="0"/>
+                        <a:t>코드가 존재합니다</a:t>
+                      </a:r>
+                      <a:r>
+                        <a:rPr lang="en-US" altLang="ko-KR" sz="1000" dirty="0" smtClean="0"/>
+                        <a:t>. </a:t>
+                      </a:r>
+                      <a:endParaRPr lang="ko-KR" altLang="en-US" sz="1000" b="1" i="0" u="none" strike="noStrike" dirty="0" smtClean="0">
+                        <a:solidFill>
+                          <a:srgbClr val="000000"/>
+                        </a:solidFill>
+                        <a:effectLst/>
+                        <a:latin typeface="맑은 고딕" panose="020B0503020000020004" pitchFamily="50" charset="-127"/>
+                        <a:ea typeface="+mn-ea"/>
+                      </a:endParaRPr>
+                    </a:p>
+                  </a:txBody>
+                  <a:tcPr marL="9525" marR="9525" marT="9525" marB="0" anchor="ctr"/>
+                </a:tc>
+                <a:extLst>
+                  <a:ext uri="{0D108BD9-81ED-4DB2-BD59-A6C34878D82A}">
+                    <a16:rowId xmlns:a16="http://schemas.microsoft.com/office/drawing/2014/main" val="67822993"/>
+                  </a:ext>
+                </a:extLst>
+              </a:tr>
+              <a:tr h="288000">
+                <a:tc vMerge="1">
+                  <a:txBody>
+                    <a:bodyPr/>
+                    <a:lstStyle/>
+                    <a:p>
+                      <a:pPr algn="l" fontAlgn="ctr"/>
+                      <a:endParaRPr lang="ko-KR" altLang="en-US" sz="1100" b="0" i="0" u="none" strike="noStrike" dirty="0">
+                        <a:solidFill>
+                          <a:srgbClr val="000000"/>
+                        </a:solidFill>
+                        <a:effectLst/>
+                        <a:latin typeface="맑은 고딕" panose="020B0503020000020004" pitchFamily="50" charset="-127"/>
+                        <a:ea typeface="맑은 고딕" panose="020B0503020000020004" pitchFamily="50" charset="-127"/>
+                      </a:endParaRPr>
+                    </a:p>
+                  </a:txBody>
+                  <a:tcPr marL="9525" marR="9525" marT="9525" marB="0" anchor="ctr"/>
+                </a:tc>
+                <a:tc>
+                  <a:txBody>
+                    <a:bodyPr/>
+                    <a:lstStyle/>
+                    <a:p>
+                      <a:pPr lvl="1" algn="l" fontAlgn="ctr"/>
+                      <a:r>
+                        <a:rPr lang="en-US" sz="1050" u="none" strike="noStrike" dirty="0" err="1">
+                          <a:effectLst/>
+                        </a:rPr>
+                        <a:t>Raima</a:t>
+                      </a:r>
+                      <a:r>
+                        <a:rPr lang="en-US" sz="1050" u="none" strike="noStrike" dirty="0">
+                          <a:effectLst/>
+                        </a:rPr>
+                        <a:t> </a:t>
+                      </a:r>
+                      <a:r>
+                        <a:rPr lang="en-US" sz="1050" u="none" strike="noStrike" dirty="0" smtClean="0">
+                          <a:effectLst/>
+                        </a:rPr>
+                        <a:t>DB</a:t>
+                      </a:r>
+                      <a:r>
+                        <a:rPr lang="en-US" sz="1050" u="none" strike="noStrike" baseline="0" dirty="0" smtClean="0">
+                          <a:effectLst/>
+                        </a:rPr>
+                        <a:t> </a:t>
+                      </a:r>
+                      <a:r>
+                        <a:rPr lang="ko-KR" altLang="en-US" sz="1050" u="none" strike="noStrike" baseline="0" dirty="0" smtClean="0">
+                          <a:effectLst/>
+                        </a:rPr>
+                        <a:t>증가 방지</a:t>
+                      </a:r>
+                      <a:endParaRPr lang="ko-KR" altLang="en-US" sz="1050" b="0" i="0" u="none" strike="noStrike" dirty="0">
+                        <a:solidFill>
+                          <a:schemeClr val="bg1">
+                            <a:lumMod val="50000"/>
+                          </a:schemeClr>
+                        </a:solidFill>
+                        <a:effectLst/>
+                        <a:latin typeface="맑은 고딕" panose="020B0503020000020004" pitchFamily="50" charset="-127"/>
+                        <a:ea typeface="맑은 고딕" panose="020B0503020000020004" pitchFamily="50" charset="-127"/>
+                      </a:endParaRPr>
+                    </a:p>
+                  </a:txBody>
+                  <a:tcPr marL="9525" marR="9525" marT="9525" marB="0" anchor="ctr"/>
+                </a:tc>
+                <a:tc>
+                  <a:txBody>
+                    <a:bodyPr/>
+                    <a:lstStyle/>
+                    <a:p>
+                      <a:pPr marL="457200" marR="0" lvl="1" indent="0" algn="ctr" defTabSz="914400" rtl="0" eaLnBrk="1" fontAlgn="ctr" latinLnBrk="1" hangingPunct="1">
+                        <a:lnSpc>
+                          <a:spcPct val="100000"/>
+                        </a:lnSpc>
+                        <a:spcBef>
+                          <a:spcPts val="0"/>
+                        </a:spcBef>
+                        <a:spcAft>
+                          <a:spcPts val="0"/>
+                        </a:spcAft>
+                        <a:buClrTx/>
+                        <a:buSzTx/>
+                        <a:buFontTx/>
+                        <a:buNone/>
+                        <a:tabLst/>
+                        <a:defRPr/>
+                      </a:pPr>
+                      <a:r>
+                        <a:rPr lang="en-US" altLang="ko-KR" sz="1000" u="none" strike="noStrike" dirty="0" smtClean="0">
+                          <a:effectLst/>
+                        </a:rPr>
+                        <a:t>- </a:t>
+                      </a:r>
+                      <a:endParaRPr lang="ko-KR" altLang="en-US" sz="1000" b="0" i="0" u="none" strike="noStrike" dirty="0" smtClean="0">
+                        <a:solidFill>
+                          <a:schemeClr val="bg1">
+                            <a:lumMod val="50000"/>
+                          </a:schemeClr>
+                        </a:solidFill>
+                        <a:effectLst/>
+                        <a:latin typeface="맑은 고딕" panose="020B0503020000020004" pitchFamily="50" charset="-127"/>
+                        <a:ea typeface="+mn-ea"/>
+                      </a:endParaRPr>
+                    </a:p>
+                  </a:txBody>
+                  <a:tcPr marL="9525" marR="9525" marT="9525" marB="0" anchor="ctr"/>
+                </a:tc>
+                <a:extLst>
+                  <a:ext uri="{0D108BD9-81ED-4DB2-BD59-A6C34878D82A}">
+                    <a16:rowId xmlns:a16="http://schemas.microsoft.com/office/drawing/2014/main" val="3040971575"/>
+                  </a:ext>
+                </a:extLst>
+              </a:tr>
+              <a:tr h="288000">
+                <a:tc>
+                  <a:txBody>
+                    <a:bodyPr/>
+                    <a:lstStyle/>
+                    <a:p>
+                      <a:pPr algn="ctr" fontAlgn="ctr">
+                        <a:lnSpc>
+                          <a:spcPct val="150000"/>
+                        </a:lnSpc>
+                      </a:pPr>
+                      <a:r>
+                        <a:rPr lang="en-US" altLang="ko-KR" sz="1100" u="none" strike="noStrike" dirty="0" smtClean="0">
+                          <a:effectLst/>
+                        </a:rPr>
+                        <a:t>Query </a:t>
+                      </a:r>
+                      <a:r>
+                        <a:rPr lang="ko-KR" altLang="en-US" sz="1100" u="none" strike="noStrike" baseline="0" dirty="0" smtClean="0">
+                          <a:effectLst/>
+                        </a:rPr>
+                        <a:t>검증</a:t>
+                      </a:r>
+                      <a:endParaRPr lang="ko-KR" altLang="en-US" sz="1100" b="1" i="0" u="none" strike="noStrike" dirty="0">
+                        <a:solidFill>
+                          <a:srgbClr val="000000"/>
+                        </a:solidFill>
+                        <a:effectLst/>
+                        <a:latin typeface="맑은 고딕" panose="020B0503020000020004" pitchFamily="50" charset="-127"/>
+                        <a:ea typeface="맑은 고딕" panose="020B0503020000020004" pitchFamily="50" charset="-127"/>
+                      </a:endParaRPr>
+                    </a:p>
+                  </a:txBody>
+                  <a:tcPr marL="9525" marR="9525" marT="9525" marB="0" anchor="ctr"/>
+                </a:tc>
+                <a:tc>
+                  <a:txBody>
+                    <a:bodyPr/>
+                    <a:lstStyle/>
+                    <a:p>
+                      <a:pPr lvl="1" algn="l" fontAlgn="ctr"/>
+                      <a:r>
+                        <a:rPr lang="en-US" altLang="ko-KR" sz="1050" u="none" strike="noStrike" dirty="0" smtClean="0">
+                          <a:effectLst/>
+                        </a:rPr>
+                        <a:t>Query</a:t>
+                      </a:r>
+                      <a:r>
+                        <a:rPr lang="en-US" altLang="ko-KR" sz="1050" u="none" strike="noStrike" baseline="0" dirty="0" smtClean="0">
+                          <a:effectLst/>
+                        </a:rPr>
+                        <a:t> </a:t>
+                      </a:r>
+                      <a:r>
+                        <a:rPr lang="ko-KR" altLang="en-US" sz="1050" u="none" strike="noStrike" baseline="0" dirty="0" smtClean="0">
+                          <a:effectLst/>
+                        </a:rPr>
+                        <a:t>정합성 검증 확인</a:t>
+                      </a:r>
+                      <a:endParaRPr lang="ko-KR" altLang="en-US" sz="1050" b="0" i="0" u="none" strike="noStrike" dirty="0">
+                        <a:solidFill>
+                          <a:schemeClr val="bg1">
+                            <a:lumMod val="50000"/>
+                          </a:schemeClr>
+                        </a:solidFill>
+                        <a:effectLst/>
+                        <a:latin typeface="맑은 고딕" panose="020B0503020000020004" pitchFamily="50" charset="-127"/>
+                        <a:ea typeface="맑은 고딕" panose="020B0503020000020004" pitchFamily="50" charset="-127"/>
+                      </a:endParaRPr>
+                    </a:p>
+                  </a:txBody>
+                  <a:tcPr marL="9525" marR="9525" marT="9525" marB="0" anchor="ctr"/>
+                </a:tc>
+                <a:tc>
+                  <a:txBody>
+                    <a:bodyPr/>
+                    <a:lstStyle/>
+                    <a:p>
+                      <a:pPr marL="457200" marR="0" lvl="1" indent="0" algn="ctr" defTabSz="914400" rtl="0" eaLnBrk="1" fontAlgn="ctr" latinLnBrk="1" hangingPunct="1">
+                        <a:lnSpc>
+                          <a:spcPct val="100000"/>
+                        </a:lnSpc>
+                        <a:spcBef>
+                          <a:spcPts val="0"/>
+                        </a:spcBef>
+                        <a:spcAft>
+                          <a:spcPts val="0"/>
+                        </a:spcAft>
+                        <a:buClrTx/>
+                        <a:buSzTx/>
+                        <a:buFontTx/>
+                        <a:buNone/>
+                        <a:tabLst/>
+                        <a:defRPr/>
+                      </a:pPr>
+                      <a:r>
+                        <a:rPr kumimoji="0" lang="en-US" altLang="ko-KR" sz="1000" u="none" strike="noStrike" kern="1200" cap="none" spc="0" normalizeH="0" baseline="0" noProof="0" dirty="0" smtClean="0">
+                          <a:ln>
+                            <a:noFill/>
+                          </a:ln>
+                          <a:effectLst/>
+                          <a:uLnTx/>
+                          <a:uFillTx/>
+                        </a:rPr>
+                        <a:t>- </a:t>
+                      </a:r>
+                      <a:endParaRPr lang="ko-KR" altLang="en-US" sz="1000" b="0" i="0" u="none" strike="noStrike" dirty="0" smtClean="0">
+                        <a:solidFill>
+                          <a:schemeClr val="bg1">
+                            <a:lumMod val="50000"/>
+                          </a:schemeClr>
+                        </a:solidFill>
+                        <a:effectLst/>
+                        <a:latin typeface="맑은 고딕" panose="020B0503020000020004" pitchFamily="50" charset="-127"/>
+                        <a:ea typeface="+mn-ea"/>
+                      </a:endParaRPr>
+                    </a:p>
+                  </a:txBody>
+                  <a:tcPr marL="9525" marR="9525" marT="9525" marB="0" anchor="ctr"/>
+                </a:tc>
+                <a:extLst>
+                  <a:ext uri="{0D108BD9-81ED-4DB2-BD59-A6C34878D82A}">
+                    <a16:rowId xmlns:a16="http://schemas.microsoft.com/office/drawing/2014/main" val="1662157061"/>
+                  </a:ext>
+                </a:extLst>
+              </a:tr>
+              <a:tr h="288000">
+                <a:tc rowSpan="6">
+                  <a:txBody>
+                    <a:bodyPr/>
+                    <a:lstStyle/>
+                    <a:p>
+                      <a:pPr algn="ctr" fontAlgn="ctr"/>
+                      <a:r>
+                        <a:rPr lang="ko-KR" altLang="en-US" sz="1100" u="none" strike="noStrike" dirty="0" smtClean="0">
+                          <a:effectLst/>
+                        </a:rPr>
+                        <a:t>코드 표준</a:t>
+                      </a:r>
+                      <a:endParaRPr lang="ko-KR" altLang="en-US" sz="1100" b="1" i="0" u="none" strike="noStrike" dirty="0">
+                        <a:solidFill>
+                          <a:srgbClr val="000000"/>
+                        </a:solidFill>
+                        <a:effectLst/>
+                        <a:latin typeface="맑은 고딕" panose="020B0503020000020004" pitchFamily="50" charset="-127"/>
+                        <a:ea typeface="맑은 고딕" panose="020B0503020000020004" pitchFamily="50" charset="-127"/>
+                      </a:endParaRPr>
+                    </a:p>
+                  </a:txBody>
+                  <a:tcPr marL="9525" marR="9525" marT="9525" marB="0" anchor="ctr"/>
+                </a:tc>
+                <a:tc>
+                  <a:txBody>
+                    <a:bodyPr/>
+                    <a:lstStyle/>
+                    <a:p>
+                      <a:pPr lvl="1" algn="l" fontAlgn="ctr"/>
+                      <a:r>
+                        <a:rPr lang="en-US" altLang="ko-KR" sz="1050" u="none" strike="noStrike" dirty="0">
+                          <a:effectLst/>
+                        </a:rPr>
+                        <a:t>DP </a:t>
+                      </a:r>
+                      <a:r>
+                        <a:rPr lang="ko-KR" altLang="en-US" sz="1050" u="none" strike="noStrike" dirty="0">
+                          <a:effectLst/>
+                        </a:rPr>
+                        <a:t>함수 예외 처리 </a:t>
+                      </a:r>
+                      <a:endParaRPr lang="ko-KR" altLang="en-US" sz="1050" b="0" i="0" u="none" strike="noStrike" dirty="0">
+                        <a:solidFill>
+                          <a:srgbClr val="000000"/>
+                        </a:solidFill>
+                        <a:effectLst/>
+                        <a:latin typeface="맑은 고딕" panose="020B0503020000020004" pitchFamily="50" charset="-127"/>
+                        <a:ea typeface="맑은 고딕" panose="020B0503020000020004" pitchFamily="50" charset="-127"/>
+                      </a:endParaRPr>
+                    </a:p>
+                  </a:txBody>
+                  <a:tcPr marL="9525" marR="9525" marT="9525" marB="0" anchor="ctr"/>
+                </a:tc>
+                <a:tc>
+                  <a:txBody>
+                    <a:bodyPr/>
+                    <a:lstStyle/>
+                    <a:p>
+                      <a:pPr lvl="1" algn="l" fontAlgn="ctr"/>
+                      <a:r>
+                        <a:rPr lang="en-US" altLang="ko-KR" sz="1000" kern="1200" dirty="0" smtClean="0">
+                          <a:solidFill>
+                            <a:schemeClr val="dk1"/>
+                          </a:solidFill>
+                          <a:effectLst/>
+                          <a:latin typeface="+mn-lt"/>
+                          <a:ea typeface="+mn-ea"/>
+                          <a:cs typeface="+mn-cs"/>
+                        </a:rPr>
+                        <a:t>DP </a:t>
+                      </a:r>
+                      <a:r>
+                        <a:rPr lang="ko-KR" altLang="en-US" sz="1000" kern="1200" dirty="0" smtClean="0">
+                          <a:solidFill>
+                            <a:schemeClr val="dk1"/>
+                          </a:solidFill>
+                          <a:effectLst/>
+                          <a:latin typeface="+mn-lt"/>
+                          <a:ea typeface="+mn-ea"/>
+                          <a:cs typeface="+mn-cs"/>
+                        </a:rPr>
+                        <a:t>함수 예외 처리가 되지 않았습니다</a:t>
+                      </a:r>
+                      <a:r>
+                        <a:rPr lang="en-US" altLang="ko-KR" sz="1000" kern="1200" dirty="0" smtClean="0">
+                          <a:solidFill>
+                            <a:schemeClr val="dk1"/>
+                          </a:solidFill>
+                          <a:effectLst/>
+                          <a:latin typeface="+mn-lt"/>
+                          <a:ea typeface="+mn-ea"/>
+                          <a:cs typeface="+mn-cs"/>
+                        </a:rPr>
+                        <a:t>.</a:t>
+                      </a:r>
+                      <a:endParaRPr lang="ko-KR" altLang="en-US" sz="1000" b="0" i="0" u="none" strike="noStrike" dirty="0">
+                        <a:solidFill>
+                          <a:srgbClr val="000000"/>
+                        </a:solidFill>
+                        <a:effectLst/>
+                        <a:latin typeface="맑은 고딕" panose="020B0503020000020004" pitchFamily="50" charset="-127"/>
+                        <a:ea typeface="맑은 고딕" panose="020B0503020000020004" pitchFamily="50" charset="-127"/>
+                      </a:endParaRPr>
+                    </a:p>
+                  </a:txBody>
+                  <a:tcPr marL="9525" marR="9525" marT="9525" marB="0" anchor="ctr"/>
+                </a:tc>
+                <a:extLst>
+                  <a:ext uri="{0D108BD9-81ED-4DB2-BD59-A6C34878D82A}">
+                    <a16:rowId xmlns:a16="http://schemas.microsoft.com/office/drawing/2014/main" val="3404628410"/>
+                  </a:ext>
+                </a:extLst>
+              </a:tr>
+              <a:tr h="288000">
+                <a:tc vMerge="1">
+                  <a:txBody>
+                    <a:bodyPr/>
+                    <a:lstStyle/>
+                    <a:p>
+                      <a:pPr algn="ctr" fontAlgn="ctr"/>
+                      <a:endParaRPr lang="ko-KR" altLang="en-US" sz="1100" b="1" i="0" u="none" strike="noStrike" dirty="0">
+                        <a:solidFill>
+                          <a:srgbClr val="000000"/>
+                        </a:solidFill>
+                        <a:effectLst/>
+                        <a:latin typeface="맑은 고딕" panose="020B0503020000020004" pitchFamily="50" charset="-127"/>
+                        <a:ea typeface="맑은 고딕" panose="020B0503020000020004" pitchFamily="50" charset="-127"/>
+                      </a:endParaRPr>
+                    </a:p>
+                  </a:txBody>
+                  <a:tcPr marL="9525" marR="9525" marT="9525" marB="0" anchor="ctr">
+                    <a:solidFill>
+                      <a:schemeClr val="bg1">
+                        <a:lumMod val="85000"/>
+                      </a:schemeClr>
+                    </a:solidFill>
+                  </a:tcPr>
+                </a:tc>
+                <a:tc>
+                  <a:txBody>
+                    <a:bodyPr/>
+                    <a:lstStyle/>
+                    <a:p>
+                      <a:pPr lvl="1" algn="l" fontAlgn="ctr"/>
+                      <a:r>
+                        <a:rPr lang="en-US" sz="1050" u="none" strike="noStrike" dirty="0">
+                          <a:effectLst/>
+                        </a:rPr>
+                        <a:t>Try, Catch </a:t>
+                      </a:r>
+                      <a:r>
+                        <a:rPr lang="ko-KR" altLang="en-US" sz="1050" u="none" strike="noStrike" dirty="0">
+                          <a:effectLst/>
+                        </a:rPr>
+                        <a:t>예외처리</a:t>
+                      </a:r>
+                      <a:endParaRPr lang="ko-KR" altLang="en-US" sz="1050" b="0" i="0" u="none" strike="noStrike" dirty="0">
+                        <a:solidFill>
+                          <a:srgbClr val="000000"/>
+                        </a:solidFill>
+                        <a:effectLst/>
+                        <a:latin typeface="맑은 고딕" panose="020B0503020000020004" pitchFamily="50" charset="-127"/>
+                        <a:ea typeface="맑은 고딕" panose="020B0503020000020004" pitchFamily="50" charset="-127"/>
+                      </a:endParaRPr>
+                    </a:p>
+                  </a:txBody>
+                  <a:tcPr marL="9525" marR="9525" marT="9525" marB="0" anchor="ctr"/>
+                </a:tc>
+                <a:tc>
+                  <a:txBody>
+                    <a:bodyPr/>
+                    <a:lstStyle/>
+                    <a:p>
+                      <a:pPr marL="457200" marR="0" lvl="1" indent="0" algn="l" defTabSz="914400" rtl="0" eaLnBrk="1" fontAlgn="ctr" latinLnBrk="1" hangingPunct="1">
+                        <a:lnSpc>
+                          <a:spcPct val="100000"/>
+                        </a:lnSpc>
+                        <a:spcBef>
+                          <a:spcPts val="0"/>
+                        </a:spcBef>
+                        <a:spcAft>
+                          <a:spcPts val="0"/>
+                        </a:spcAft>
+                        <a:buClrTx/>
+                        <a:buSzTx/>
+                        <a:buFontTx/>
+                        <a:buNone/>
+                        <a:tabLst/>
+                        <a:defRPr/>
+                      </a:pPr>
+                      <a:r>
+                        <a:rPr lang="ko-KR" altLang="en-US" sz="1000" kern="1200" dirty="0" smtClean="0">
+                          <a:solidFill>
+                            <a:schemeClr val="dk1"/>
+                          </a:solidFill>
+                          <a:effectLst/>
+                          <a:latin typeface="+mn-lt"/>
+                          <a:ea typeface="+mn-ea"/>
+                          <a:cs typeface="+mn-cs"/>
+                        </a:rPr>
+                        <a:t>함수에 </a:t>
+                      </a:r>
+                      <a:r>
+                        <a:rPr lang="en-US" altLang="ko-KR" sz="1000" kern="1200" dirty="0" smtClean="0">
+                          <a:solidFill>
+                            <a:schemeClr val="dk1"/>
+                          </a:solidFill>
+                          <a:effectLst/>
+                          <a:latin typeface="+mn-lt"/>
+                          <a:ea typeface="+mn-ea"/>
+                          <a:cs typeface="+mn-cs"/>
+                        </a:rPr>
+                        <a:t>try, Catch </a:t>
+                      </a:r>
+                      <a:r>
+                        <a:rPr lang="ko-KR" altLang="en-US" sz="1000" kern="1200" dirty="0" smtClean="0">
+                          <a:solidFill>
+                            <a:schemeClr val="dk1"/>
+                          </a:solidFill>
+                          <a:effectLst/>
+                          <a:latin typeface="+mn-lt"/>
+                          <a:ea typeface="+mn-ea"/>
+                          <a:cs typeface="+mn-cs"/>
+                        </a:rPr>
+                        <a:t>예외 처리가 누락 되었습니다</a:t>
+                      </a:r>
+                      <a:r>
+                        <a:rPr lang="en-US" altLang="ko-KR" sz="1000" kern="1200" dirty="0" smtClean="0">
+                          <a:solidFill>
+                            <a:schemeClr val="dk1"/>
+                          </a:solidFill>
+                          <a:effectLst/>
+                          <a:latin typeface="+mn-lt"/>
+                          <a:ea typeface="+mn-ea"/>
+                          <a:cs typeface="+mn-cs"/>
+                        </a:rPr>
+                        <a:t>.</a:t>
+                      </a:r>
+                      <a:endParaRPr lang="ko-KR" altLang="en-US" sz="1000" b="0" i="0" u="none" strike="noStrike" dirty="0" smtClean="0">
+                        <a:solidFill>
+                          <a:srgbClr val="000000"/>
+                        </a:solidFill>
+                        <a:effectLst/>
+                        <a:latin typeface="맑은 고딕" panose="020B0503020000020004" pitchFamily="50" charset="-127"/>
+                        <a:ea typeface="+mn-ea"/>
+                      </a:endParaRPr>
+                    </a:p>
+                  </a:txBody>
+                  <a:tcPr marL="9525" marR="9525" marT="9525" marB="0" anchor="ctr"/>
+                </a:tc>
+                <a:extLst>
+                  <a:ext uri="{0D108BD9-81ED-4DB2-BD59-A6C34878D82A}">
+                    <a16:rowId xmlns:a16="http://schemas.microsoft.com/office/drawing/2014/main" val="4272751360"/>
+                  </a:ext>
+                </a:extLst>
+              </a:tr>
+              <a:tr h="288000">
+                <a:tc vMerge="1">
+                  <a:txBody>
+                    <a:bodyPr/>
+                    <a:lstStyle/>
+                    <a:p>
+                      <a:pPr algn="ctr" fontAlgn="ctr"/>
+                      <a:endParaRPr lang="ko-KR" altLang="en-US" sz="1100" b="0" i="0" u="none" strike="noStrike" dirty="0">
+                        <a:solidFill>
+                          <a:srgbClr val="000000"/>
+                        </a:solidFill>
+                        <a:effectLst/>
+                        <a:latin typeface="맑은 고딕" panose="020B0503020000020004" pitchFamily="50" charset="-127"/>
+                        <a:ea typeface="맑은 고딕" panose="020B0503020000020004" pitchFamily="50" charset="-127"/>
+                      </a:endParaRPr>
+                    </a:p>
+                  </a:txBody>
+                  <a:tcPr marL="9525" marR="9525" marT="9525" marB="0" anchor="ctr"/>
+                </a:tc>
+                <a:tc>
+                  <a:txBody>
+                    <a:bodyPr/>
+                    <a:lstStyle/>
+                    <a:p>
+                      <a:pPr lvl="1" algn="l" fontAlgn="ctr"/>
+                      <a:r>
+                        <a:rPr lang="ko-KR" altLang="en-US" sz="1050" u="none" strike="noStrike" dirty="0" smtClean="0">
+                          <a:effectLst/>
+                        </a:rPr>
+                        <a:t>이력 정보 작성 확인</a:t>
+                      </a:r>
+                      <a:endParaRPr lang="ko-KR" altLang="en-US" sz="1050" b="0" i="0" u="none" strike="noStrike" dirty="0">
+                        <a:solidFill>
+                          <a:srgbClr val="000000"/>
+                        </a:solidFill>
+                        <a:effectLst/>
+                        <a:latin typeface="맑은 고딕" panose="020B0503020000020004" pitchFamily="50" charset="-127"/>
+                        <a:ea typeface="맑은 고딕" panose="020B0503020000020004" pitchFamily="50" charset="-127"/>
+                      </a:endParaRPr>
+                    </a:p>
+                  </a:txBody>
+                  <a:tcPr marL="9525" marR="9525" marT="9525" marB="0" anchor="ctr"/>
+                </a:tc>
+                <a:tc>
+                  <a:txBody>
+                    <a:bodyPr/>
+                    <a:lstStyle/>
+                    <a:p>
+                      <a:pPr marL="457200" marR="0" lvl="1" indent="0" algn="l" defTabSz="914400" rtl="0" eaLnBrk="1" fontAlgn="ctr" latinLnBrk="1" hangingPunct="1">
+                        <a:lnSpc>
+                          <a:spcPct val="100000"/>
+                        </a:lnSpc>
+                        <a:spcBef>
+                          <a:spcPts val="0"/>
+                        </a:spcBef>
+                        <a:spcAft>
+                          <a:spcPts val="0"/>
+                        </a:spcAft>
+                        <a:buClrTx/>
+                        <a:buSzTx/>
+                        <a:buFontTx/>
+                        <a:buNone/>
+                        <a:tabLst/>
+                        <a:defRPr/>
+                      </a:pPr>
+                      <a:endParaRPr lang="ko-KR" altLang="en-US" sz="1000" b="0" i="0" u="none" strike="noStrike" dirty="0" smtClean="0">
+                        <a:solidFill>
+                          <a:srgbClr val="000000"/>
+                        </a:solidFill>
+                        <a:effectLst/>
+                        <a:latin typeface="맑은 고딕" panose="020B0503020000020004" pitchFamily="50" charset="-127"/>
+                        <a:ea typeface="+mn-ea"/>
+                      </a:endParaRPr>
+                    </a:p>
+                  </a:txBody>
+                  <a:tcPr marL="9525" marR="9525" marT="9525" marB="0" anchor="ctr"/>
+                </a:tc>
+                <a:extLst>
+                  <a:ext uri="{0D108BD9-81ED-4DB2-BD59-A6C34878D82A}">
+                    <a16:rowId xmlns:a16="http://schemas.microsoft.com/office/drawing/2014/main" val="1946168024"/>
+                  </a:ext>
+                </a:extLst>
+              </a:tr>
+              <a:tr h="288000">
+                <a:tc vMerge="1">
+                  <a:txBody>
+                    <a:bodyPr/>
+                    <a:lstStyle/>
+                    <a:p>
+                      <a:pPr algn="ctr" fontAlgn="ctr"/>
+                      <a:endParaRPr lang="ko-KR" altLang="en-US" sz="1100" b="0" i="0" u="none" strike="noStrike" dirty="0">
+                        <a:solidFill>
+                          <a:srgbClr val="000000"/>
+                        </a:solidFill>
+                        <a:effectLst/>
+                        <a:latin typeface="맑은 고딕" panose="020B0503020000020004" pitchFamily="50" charset="-127"/>
+                        <a:ea typeface="맑은 고딕" panose="020B0503020000020004" pitchFamily="50" charset="-127"/>
+                      </a:endParaRPr>
+                    </a:p>
+                  </a:txBody>
+                  <a:tcPr marL="9525" marR="9525" marT="9525" marB="0" anchor="ctr"/>
+                </a:tc>
+                <a:tc>
+                  <a:txBody>
+                    <a:bodyPr/>
+                    <a:lstStyle/>
+                    <a:p>
+                      <a:pPr lvl="1" algn="l" fontAlgn="ctr"/>
+                      <a:r>
+                        <a:rPr lang="ko-KR" altLang="en-US" sz="1050" u="none" strike="noStrike" dirty="0" smtClean="0">
+                          <a:effectLst/>
+                        </a:rPr>
+                        <a:t>예상하지 못한 </a:t>
+                      </a:r>
+                      <a:r>
+                        <a:rPr lang="en-US" altLang="ko-KR" sz="1050" u="none" strike="noStrike" dirty="0" smtClean="0">
+                          <a:effectLst/>
+                        </a:rPr>
+                        <a:t>Logic </a:t>
+                      </a:r>
+                      <a:r>
+                        <a:rPr lang="ko-KR" altLang="en-US" sz="1050" u="none" strike="noStrike" dirty="0" smtClean="0">
+                          <a:effectLst/>
+                        </a:rPr>
+                        <a:t>동작 확인</a:t>
+                      </a:r>
+                      <a:r>
+                        <a:rPr lang="en-US" altLang="ko-KR" sz="1050" u="none" strike="noStrike" dirty="0" smtClean="0">
+                          <a:effectLst/>
+                        </a:rPr>
+                        <a:t/>
+                      </a:r>
+                      <a:br>
+                        <a:rPr lang="en-US" altLang="ko-KR" sz="1050" u="none" strike="noStrike" dirty="0" smtClean="0">
+                          <a:effectLst/>
+                        </a:rPr>
+                      </a:br>
+                      <a:r>
+                        <a:rPr lang="en-US" altLang="ko-KR" sz="1050" u="none" strike="noStrike" dirty="0" smtClean="0">
+                          <a:effectLst/>
+                        </a:rPr>
+                        <a:t>(Logic </a:t>
+                      </a:r>
+                      <a:r>
+                        <a:rPr lang="ko-KR" altLang="en-US" sz="1050" u="none" strike="noStrike" dirty="0" smtClean="0">
+                          <a:effectLst/>
+                        </a:rPr>
+                        <a:t>요구사항 동작 체크</a:t>
+                      </a:r>
+                      <a:r>
+                        <a:rPr lang="en-US" altLang="ko-KR" sz="1050" u="none" strike="noStrike" dirty="0" smtClean="0">
+                          <a:effectLst/>
+                        </a:rPr>
+                        <a:t>)</a:t>
+                      </a:r>
+                      <a:endParaRPr lang="ko-KR" altLang="en-US" sz="1050" b="0" i="0" u="none" strike="noStrike" dirty="0">
+                        <a:solidFill>
+                          <a:schemeClr val="bg1">
+                            <a:lumMod val="50000"/>
+                          </a:schemeClr>
+                        </a:solidFill>
+                        <a:effectLst/>
+                        <a:latin typeface="맑은 고딕" panose="020B0503020000020004" pitchFamily="50" charset="-127"/>
+                        <a:ea typeface="맑은 고딕" panose="020B0503020000020004" pitchFamily="50" charset="-127"/>
+                      </a:endParaRPr>
+                    </a:p>
+                  </a:txBody>
+                  <a:tcPr marL="9525" marR="9525" marT="9525" marB="0" anchor="ctr"/>
+                </a:tc>
+                <a:tc>
+                  <a:txBody>
+                    <a:bodyPr/>
+                    <a:lstStyle/>
+                    <a:p>
+                      <a:pPr marL="457200" marR="0" lvl="1" indent="0" algn="ctr" defTabSz="914400" rtl="0" eaLnBrk="1" fontAlgn="ctr" latinLnBrk="1" hangingPunct="1">
+                        <a:lnSpc>
+                          <a:spcPct val="100000"/>
+                        </a:lnSpc>
+                        <a:spcBef>
+                          <a:spcPts val="0"/>
+                        </a:spcBef>
+                        <a:spcAft>
+                          <a:spcPts val="0"/>
+                        </a:spcAft>
+                        <a:buClrTx/>
+                        <a:buSzTx/>
+                        <a:buFontTx/>
+                        <a:buNone/>
+                        <a:tabLst/>
+                        <a:defRPr/>
+                      </a:pPr>
+                      <a:r>
+                        <a:rPr lang="en-US" altLang="ko-KR" sz="1000" u="none" strike="noStrike" dirty="0" smtClean="0">
+                          <a:effectLst/>
+                        </a:rPr>
+                        <a:t>-</a:t>
+                      </a:r>
+                      <a:endParaRPr lang="ko-KR" altLang="en-US" sz="1000" b="0" i="0" u="none" strike="noStrike" dirty="0" smtClean="0">
+                        <a:solidFill>
+                          <a:schemeClr val="bg1">
+                            <a:lumMod val="50000"/>
+                          </a:schemeClr>
+                        </a:solidFill>
+                        <a:effectLst/>
+                        <a:latin typeface="맑은 고딕" panose="020B0503020000020004" pitchFamily="50" charset="-127"/>
+                        <a:ea typeface="+mn-ea"/>
+                      </a:endParaRPr>
+                    </a:p>
+                  </a:txBody>
+                  <a:tcPr marL="9525" marR="9525" marT="9525" marB="0" anchor="ctr"/>
+                </a:tc>
+                <a:extLst>
+                  <a:ext uri="{0D108BD9-81ED-4DB2-BD59-A6C34878D82A}">
+                    <a16:rowId xmlns:a16="http://schemas.microsoft.com/office/drawing/2014/main" val="720252962"/>
+                  </a:ext>
+                </a:extLst>
+              </a:tr>
+              <a:tr h="288000">
+                <a:tc vMerge="1">
+                  <a:txBody>
+                    <a:bodyPr/>
+                    <a:lstStyle/>
+                    <a:p>
+                      <a:pPr algn="ctr" fontAlgn="ctr"/>
+                      <a:endParaRPr lang="ko-KR" altLang="en-US" sz="1100" b="0" i="0" u="none" strike="noStrike" dirty="0">
+                        <a:solidFill>
+                          <a:srgbClr val="000000"/>
+                        </a:solidFill>
+                        <a:effectLst/>
+                        <a:latin typeface="맑은 고딕" panose="020B0503020000020004" pitchFamily="50" charset="-127"/>
+                        <a:ea typeface="맑은 고딕" panose="020B0503020000020004" pitchFamily="50" charset="-127"/>
+                      </a:endParaRPr>
+                    </a:p>
+                  </a:txBody>
+                  <a:tcPr marL="9525" marR="9525" marT="9525" marB="0" anchor="ctr"/>
+                </a:tc>
+                <a:tc>
+                  <a:txBody>
+                    <a:bodyPr/>
+                    <a:lstStyle/>
+                    <a:p>
+                      <a:pPr lvl="1" algn="l" fontAlgn="ctr"/>
+                      <a:r>
+                        <a:rPr lang="ko-KR" altLang="en-US" sz="1050" u="none" strike="noStrike" dirty="0" smtClean="0">
+                          <a:effectLst/>
+                        </a:rPr>
+                        <a:t>하드 코딩 금지</a:t>
+                      </a:r>
+                      <a:endParaRPr lang="ko-KR" altLang="en-US" sz="1050" b="0" i="0" u="none" strike="noStrike" dirty="0">
                         <a:solidFill>
                           <a:srgbClr val="000000"/>
                         </a:solidFill>
@@ -3670,751 +4186,14 @@
                         <a:defRPr/>
                       </a:pPr>
                       <a:r>
-                        <a:rPr lang="en-US" altLang="ko-KR" sz="1100" dirty="0" smtClean="0"/>
-                        <a:t>Callback </a:t>
-                      </a:r>
-                      <a:r>
-                        <a:rPr lang="ko-KR" altLang="en-US" sz="1100" dirty="0" smtClean="0"/>
-                        <a:t>함수에서 </a:t>
-                      </a:r>
-                      <a:r>
-                        <a:rPr lang="en-US" altLang="ko-KR" sz="1100" dirty="0" smtClean="0"/>
-                        <a:t>delay </a:t>
-                      </a:r>
-                      <a:r>
-                        <a:rPr lang="ko-KR" altLang="en-US" sz="1100" dirty="0" smtClean="0"/>
-                        <a:t>코드가 존재합니다</a:t>
-                      </a:r>
-                      <a:r>
-                        <a:rPr lang="en-US" altLang="ko-KR" sz="1100" dirty="0" smtClean="0"/>
-                        <a:t>. </a:t>
-                      </a:r>
-                      <a:endParaRPr lang="ko-KR" altLang="en-US" sz="1100" b="1" i="0" u="none" strike="noStrike" dirty="0" smtClean="0">
-                        <a:solidFill>
-                          <a:srgbClr val="000000"/>
-                        </a:solidFill>
-                        <a:effectLst/>
-                        <a:latin typeface="맑은 고딕" panose="020B0503020000020004" pitchFamily="50" charset="-127"/>
-                        <a:ea typeface="+mn-ea"/>
-                      </a:endParaRPr>
-                    </a:p>
-                  </a:txBody>
-                  <a:tcPr marL="9525" marR="9525" marT="9525" marB="0" anchor="ctr"/>
-                </a:tc>
-                <a:extLst>
-                  <a:ext uri="{0D108BD9-81ED-4DB2-BD59-A6C34878D82A}">
-                    <a16:rowId xmlns:a16="http://schemas.microsoft.com/office/drawing/2014/main" val="67822993"/>
-                  </a:ext>
-                </a:extLst>
-              </a:tr>
-              <a:tr h="288000">
-                <a:tc vMerge="1">
-                  <a:txBody>
-                    <a:bodyPr/>
-                    <a:lstStyle/>
-                    <a:p>
-                      <a:pPr algn="l" fontAlgn="ctr"/>
-                      <a:endParaRPr lang="ko-KR" altLang="en-US" sz="1100" b="0" i="0" u="none" strike="noStrike" dirty="0">
-                        <a:solidFill>
-                          <a:srgbClr val="000000"/>
-                        </a:solidFill>
-                        <a:effectLst/>
-                        <a:latin typeface="맑은 고딕" panose="020B0503020000020004" pitchFamily="50" charset="-127"/>
-                        <a:ea typeface="맑은 고딕" panose="020B0503020000020004" pitchFamily="50" charset="-127"/>
-                      </a:endParaRPr>
-                    </a:p>
-                  </a:txBody>
-                  <a:tcPr marL="9525" marR="9525" marT="9525" marB="0" anchor="ctr"/>
-                </a:tc>
-                <a:tc>
-                  <a:txBody>
-                    <a:bodyPr/>
-                    <a:lstStyle/>
-                    <a:p>
-                      <a:pPr lvl="1" algn="l" fontAlgn="ctr"/>
-                      <a:r>
-                        <a:rPr lang="en-US" sz="1050" u="none" strike="noStrike" dirty="0" err="1">
-                          <a:effectLst/>
-                        </a:rPr>
-                        <a:t>Raima</a:t>
-                      </a:r>
-                      <a:r>
-                        <a:rPr lang="en-US" sz="1050" u="none" strike="noStrike" dirty="0">
-                          <a:effectLst/>
-                        </a:rPr>
-                        <a:t> </a:t>
-                      </a:r>
-                      <a:r>
-                        <a:rPr lang="en-US" sz="1050" u="none" strike="noStrike" dirty="0" smtClean="0">
-                          <a:effectLst/>
-                        </a:rPr>
-                        <a:t>DB</a:t>
-                      </a:r>
-                      <a:r>
-                        <a:rPr lang="en-US" sz="1050" u="none" strike="noStrike" baseline="0" dirty="0" smtClean="0">
-                          <a:effectLst/>
-                        </a:rPr>
-                        <a:t> </a:t>
-                      </a:r>
-                      <a:r>
-                        <a:rPr lang="ko-KR" altLang="en-US" sz="1050" u="none" strike="noStrike" baseline="0" dirty="0" smtClean="0">
-                          <a:effectLst/>
-                        </a:rPr>
-                        <a:t>증가 방지</a:t>
-                      </a:r>
-                      <a:endParaRPr lang="ko-KR" altLang="en-US" sz="1050" b="0" i="0" u="none" strike="noStrike" dirty="0">
-                        <a:solidFill>
-                          <a:schemeClr val="bg1">
-                            <a:lumMod val="50000"/>
-                          </a:schemeClr>
-                        </a:solidFill>
-                        <a:effectLst/>
-                        <a:latin typeface="맑은 고딕" panose="020B0503020000020004" pitchFamily="50" charset="-127"/>
-                        <a:ea typeface="맑은 고딕" panose="020B0503020000020004" pitchFamily="50" charset="-127"/>
-                      </a:endParaRPr>
-                    </a:p>
-                  </a:txBody>
-                  <a:tcPr marL="9525" marR="9525" marT="9525" marB="0" anchor="ctr"/>
-                </a:tc>
-                <a:tc>
-                  <a:txBody>
-                    <a:bodyPr/>
-                    <a:lstStyle/>
-                    <a:p>
-                      <a:pPr marL="457200" marR="0" lvl="1" indent="0" algn="ctr" defTabSz="914400" rtl="0" eaLnBrk="1" fontAlgn="ctr" latinLnBrk="1" hangingPunct="1">
-                        <a:lnSpc>
-                          <a:spcPct val="100000"/>
-                        </a:lnSpc>
-                        <a:spcBef>
-                          <a:spcPts val="0"/>
-                        </a:spcBef>
-                        <a:spcAft>
-                          <a:spcPts val="0"/>
-                        </a:spcAft>
-                        <a:buClrTx/>
-                        <a:buSzTx/>
-                        <a:buFontTx/>
-                        <a:buNone/>
-                        <a:tabLst/>
-                        <a:defRPr/>
-                      </a:pPr>
-                      <a:r>
-                        <a:rPr lang="en-US" altLang="ko-KR" sz="1100" u="none" strike="noStrike" dirty="0" smtClean="0">
-                          <a:effectLst/>
-                        </a:rPr>
-                        <a:t>- </a:t>
-                      </a:r>
-                      <a:endParaRPr lang="ko-KR" altLang="en-US" sz="1100" b="0" i="0" u="none" strike="noStrike" dirty="0" smtClean="0">
-                        <a:solidFill>
-                          <a:schemeClr val="bg1">
-                            <a:lumMod val="50000"/>
-                          </a:schemeClr>
-                        </a:solidFill>
-                        <a:effectLst/>
-                        <a:latin typeface="맑은 고딕" panose="020B0503020000020004" pitchFamily="50" charset="-127"/>
-                        <a:ea typeface="+mn-ea"/>
-                      </a:endParaRPr>
-                    </a:p>
-                  </a:txBody>
-                  <a:tcPr marL="9525" marR="9525" marT="9525" marB="0" anchor="ctr"/>
-                </a:tc>
-                <a:extLst>
-                  <a:ext uri="{0D108BD9-81ED-4DB2-BD59-A6C34878D82A}">
-                    <a16:rowId xmlns:a16="http://schemas.microsoft.com/office/drawing/2014/main" val="3040971575"/>
-                  </a:ext>
-                </a:extLst>
-              </a:tr>
-              <a:tr h="288000">
-                <a:tc>
-                  <a:txBody>
-                    <a:bodyPr/>
-                    <a:lstStyle/>
-                    <a:p>
-                      <a:pPr algn="ctr" fontAlgn="ctr">
-                        <a:lnSpc>
-                          <a:spcPct val="150000"/>
-                        </a:lnSpc>
-                      </a:pPr>
-                      <a:r>
-                        <a:rPr lang="en-US" altLang="ko-KR" sz="1100" u="none" strike="noStrike" dirty="0" smtClean="0">
-                          <a:effectLst/>
-                        </a:rPr>
-                        <a:t>Query </a:t>
-                      </a:r>
-                      <a:r>
-                        <a:rPr lang="ko-KR" altLang="en-US" sz="1100" u="none" strike="noStrike" baseline="0" dirty="0" smtClean="0">
-                          <a:effectLst/>
-                        </a:rPr>
-                        <a:t>검증</a:t>
-                      </a:r>
-                      <a:endParaRPr lang="ko-KR" altLang="en-US" sz="1100" b="1" i="0" u="none" strike="noStrike" dirty="0">
-                        <a:solidFill>
-                          <a:srgbClr val="000000"/>
-                        </a:solidFill>
-                        <a:effectLst/>
-                        <a:latin typeface="맑은 고딕" panose="020B0503020000020004" pitchFamily="50" charset="-127"/>
-                        <a:ea typeface="맑은 고딕" panose="020B0503020000020004" pitchFamily="50" charset="-127"/>
-                      </a:endParaRPr>
-                    </a:p>
-                  </a:txBody>
-                  <a:tcPr marL="9525" marR="9525" marT="9525" marB="0" anchor="ctr"/>
-                </a:tc>
-                <a:tc>
-                  <a:txBody>
-                    <a:bodyPr/>
-                    <a:lstStyle/>
-                    <a:p>
-                      <a:pPr lvl="1" algn="l" fontAlgn="ctr"/>
-                      <a:r>
-                        <a:rPr lang="en-US" altLang="ko-KR" sz="1050" u="none" strike="noStrike" dirty="0" smtClean="0">
-                          <a:effectLst/>
-                        </a:rPr>
-                        <a:t>Query</a:t>
-                      </a:r>
-                      <a:r>
-                        <a:rPr lang="en-US" altLang="ko-KR" sz="1050" u="none" strike="noStrike" baseline="0" dirty="0" smtClean="0">
-                          <a:effectLst/>
-                        </a:rPr>
-                        <a:t> </a:t>
-                      </a:r>
-                      <a:r>
-                        <a:rPr lang="ko-KR" altLang="en-US" sz="1050" u="none" strike="noStrike" baseline="0" dirty="0" smtClean="0">
-                          <a:effectLst/>
-                        </a:rPr>
-                        <a:t>정합성 검증 확인</a:t>
-                      </a:r>
-                      <a:endParaRPr lang="ko-KR" altLang="en-US" sz="1050" b="0" i="0" u="none" strike="noStrike" dirty="0">
-                        <a:solidFill>
-                          <a:schemeClr val="bg1">
-                            <a:lumMod val="50000"/>
-                          </a:schemeClr>
-                        </a:solidFill>
-                        <a:effectLst/>
-                        <a:latin typeface="맑은 고딕" panose="020B0503020000020004" pitchFamily="50" charset="-127"/>
-                        <a:ea typeface="맑은 고딕" panose="020B0503020000020004" pitchFamily="50" charset="-127"/>
-                      </a:endParaRPr>
-                    </a:p>
-                  </a:txBody>
-                  <a:tcPr marL="9525" marR="9525" marT="9525" marB="0" anchor="ctr"/>
-                </a:tc>
-                <a:tc>
-                  <a:txBody>
-                    <a:bodyPr/>
-                    <a:lstStyle/>
-                    <a:p>
-                      <a:pPr marL="457200" marR="0" lvl="1" indent="0" algn="ctr" defTabSz="914400" rtl="0" eaLnBrk="1" fontAlgn="ctr" latinLnBrk="1" hangingPunct="1">
-                        <a:lnSpc>
-                          <a:spcPct val="100000"/>
-                        </a:lnSpc>
-                        <a:spcBef>
-                          <a:spcPts val="0"/>
-                        </a:spcBef>
-                        <a:spcAft>
-                          <a:spcPts val="0"/>
-                        </a:spcAft>
-                        <a:buClrTx/>
-                        <a:buSzTx/>
-                        <a:buFontTx/>
-                        <a:buNone/>
-                        <a:tabLst/>
-                        <a:defRPr/>
-                      </a:pPr>
-                      <a:r>
-                        <a:rPr kumimoji="0" lang="en-US" altLang="ko-KR" sz="1100" u="none" strike="noStrike" kern="1200" cap="none" spc="0" normalizeH="0" baseline="0" noProof="0" dirty="0" smtClean="0">
-                          <a:ln>
-                            <a:noFill/>
-                          </a:ln>
-                          <a:effectLst/>
-                          <a:uLnTx/>
-                          <a:uFillTx/>
-                        </a:rPr>
-                        <a:t>- </a:t>
-                      </a:r>
-                      <a:endParaRPr lang="ko-KR" altLang="en-US" sz="1100" b="0" i="0" u="none" strike="noStrike" dirty="0" smtClean="0">
-                        <a:solidFill>
-                          <a:schemeClr val="bg1">
-                            <a:lumMod val="50000"/>
-                          </a:schemeClr>
-                        </a:solidFill>
-                        <a:effectLst/>
-                        <a:latin typeface="맑은 고딕" panose="020B0503020000020004" pitchFamily="50" charset="-127"/>
-                        <a:ea typeface="+mn-ea"/>
-                      </a:endParaRPr>
-                    </a:p>
-                  </a:txBody>
-                  <a:tcPr marL="9525" marR="9525" marT="9525" marB="0" anchor="ctr"/>
-                </a:tc>
-                <a:extLst>
-                  <a:ext uri="{0D108BD9-81ED-4DB2-BD59-A6C34878D82A}">
-                    <a16:rowId xmlns:a16="http://schemas.microsoft.com/office/drawing/2014/main" val="1662157061"/>
-                  </a:ext>
-                </a:extLst>
-              </a:tr>
-              <a:tr h="288000">
-                <a:tc rowSpan="6">
-                  <a:txBody>
-                    <a:bodyPr/>
-                    <a:lstStyle/>
-                    <a:p>
-                      <a:pPr algn="ctr" fontAlgn="ctr"/>
-                      <a:r>
-                        <a:rPr lang="ko-KR" altLang="en-US" sz="1100" u="none" strike="noStrike" dirty="0" smtClean="0">
-                          <a:effectLst/>
-                        </a:rPr>
-                        <a:t>코드 표준</a:t>
-                      </a:r>
-                      <a:endParaRPr lang="ko-KR" altLang="en-US" sz="1100" b="1" i="0" u="none" strike="noStrike" dirty="0">
-                        <a:solidFill>
-                          <a:srgbClr val="000000"/>
-                        </a:solidFill>
-                        <a:effectLst/>
-                        <a:latin typeface="맑은 고딕" panose="020B0503020000020004" pitchFamily="50" charset="-127"/>
-                        <a:ea typeface="맑은 고딕" panose="020B0503020000020004" pitchFamily="50" charset="-127"/>
-                      </a:endParaRPr>
-                    </a:p>
-                  </a:txBody>
-                  <a:tcPr marL="9525" marR="9525" marT="9525" marB="0" anchor="ctr"/>
-                </a:tc>
-                <a:tc>
-                  <a:txBody>
-                    <a:bodyPr/>
-                    <a:lstStyle/>
-                    <a:p>
-                      <a:pPr lvl="1" algn="l" fontAlgn="ctr"/>
-                      <a:r>
-                        <a:rPr lang="en-US" altLang="ko-KR" sz="1050" u="none" strike="noStrike" dirty="0">
-                          <a:effectLst/>
-                        </a:rPr>
-                        <a:t>DP </a:t>
-                      </a:r>
-                      <a:r>
-                        <a:rPr lang="ko-KR" altLang="en-US" sz="1050" u="none" strike="noStrike" dirty="0">
-                          <a:effectLst/>
-                        </a:rPr>
-                        <a:t>함수 예외 처리 </a:t>
-                      </a:r>
-                      <a:endParaRPr lang="ko-KR" altLang="en-US" sz="1050" b="0" i="0" u="none" strike="noStrike" dirty="0">
-                        <a:solidFill>
-                          <a:srgbClr val="000000"/>
-                        </a:solidFill>
-                        <a:effectLst/>
-                        <a:latin typeface="맑은 고딕" panose="020B0503020000020004" pitchFamily="50" charset="-127"/>
-                        <a:ea typeface="맑은 고딕" panose="020B0503020000020004" pitchFamily="50" charset="-127"/>
-                      </a:endParaRPr>
-                    </a:p>
-                  </a:txBody>
-                  <a:tcPr marL="9525" marR="9525" marT="9525" marB="0" anchor="ctr"/>
-                </a:tc>
-                <a:tc>
-                  <a:txBody>
-                    <a:bodyPr/>
-                    <a:lstStyle/>
-                    <a:p>
-                      <a:pPr lvl="1" algn="l" fontAlgn="ctr"/>
-                      <a:endParaRPr lang="ko-KR" altLang="en-US" sz="1100" b="0" i="0" u="none" strike="noStrike" dirty="0">
-                        <a:solidFill>
-                          <a:srgbClr val="000000"/>
-                        </a:solidFill>
-                        <a:effectLst/>
-                        <a:latin typeface="맑은 고딕" panose="020B0503020000020004" pitchFamily="50" charset="-127"/>
-                        <a:ea typeface="맑은 고딕" panose="020B0503020000020004" pitchFamily="50" charset="-127"/>
-                      </a:endParaRPr>
-                    </a:p>
-                  </a:txBody>
-                  <a:tcPr marL="9525" marR="9525" marT="9525" marB="0" anchor="ctr"/>
-                </a:tc>
-                <a:extLst>
-                  <a:ext uri="{0D108BD9-81ED-4DB2-BD59-A6C34878D82A}">
-                    <a16:rowId xmlns:a16="http://schemas.microsoft.com/office/drawing/2014/main" val="3404628410"/>
-                  </a:ext>
-                </a:extLst>
-              </a:tr>
-              <a:tr h="288000">
-                <a:tc vMerge="1">
-                  <a:txBody>
-                    <a:bodyPr/>
-                    <a:lstStyle/>
-                    <a:p>
-                      <a:pPr algn="ctr" fontAlgn="ctr"/>
-                      <a:endParaRPr lang="ko-KR" altLang="en-US" sz="1100" b="1" i="0" u="none" strike="noStrike" dirty="0">
-                        <a:solidFill>
-                          <a:srgbClr val="000000"/>
-                        </a:solidFill>
-                        <a:effectLst/>
-                        <a:latin typeface="맑은 고딕" panose="020B0503020000020004" pitchFamily="50" charset="-127"/>
-                        <a:ea typeface="맑은 고딕" panose="020B0503020000020004" pitchFamily="50" charset="-127"/>
-                      </a:endParaRPr>
-                    </a:p>
-                  </a:txBody>
-                  <a:tcPr marL="9525" marR="9525" marT="9525" marB="0" anchor="ctr">
-                    <a:solidFill>
-                      <a:schemeClr val="bg1">
-                        <a:lumMod val="85000"/>
-                      </a:schemeClr>
-                    </a:solidFill>
-                  </a:tcPr>
-                </a:tc>
-                <a:tc>
-                  <a:txBody>
-                    <a:bodyPr/>
-                    <a:lstStyle/>
-                    <a:p>
-                      <a:pPr lvl="1" algn="l" fontAlgn="ctr"/>
-                      <a:r>
-                        <a:rPr lang="en-US" sz="1050" u="none" strike="noStrike" dirty="0">
-                          <a:effectLst/>
-                        </a:rPr>
-                        <a:t>Try, Catch </a:t>
-                      </a:r>
-                      <a:r>
-                        <a:rPr lang="ko-KR" altLang="en-US" sz="1050" u="none" strike="noStrike" dirty="0">
-                          <a:effectLst/>
-                        </a:rPr>
-                        <a:t>예외처리</a:t>
-                      </a:r>
-                      <a:endParaRPr lang="ko-KR" altLang="en-US" sz="1050" b="0" i="0" u="none" strike="noStrike" dirty="0">
-                        <a:solidFill>
-                          <a:srgbClr val="000000"/>
-                        </a:solidFill>
-                        <a:effectLst/>
-                        <a:latin typeface="맑은 고딕" panose="020B0503020000020004" pitchFamily="50" charset="-127"/>
-                        <a:ea typeface="맑은 고딕" panose="020B0503020000020004" pitchFamily="50" charset="-127"/>
-                      </a:endParaRPr>
-                    </a:p>
-                  </a:txBody>
-                  <a:tcPr marL="9525" marR="9525" marT="9525" marB="0" anchor="ctr"/>
-                </a:tc>
-                <a:tc>
-                  <a:txBody>
-                    <a:bodyPr/>
-                    <a:lstStyle/>
-                    <a:p>
-                      <a:pPr marL="457200" marR="0" lvl="1" indent="0" algn="l" defTabSz="914400" rtl="0" eaLnBrk="1" fontAlgn="ctr" latinLnBrk="1" hangingPunct="1">
-                        <a:lnSpc>
-                          <a:spcPct val="100000"/>
-                        </a:lnSpc>
-                        <a:spcBef>
-                          <a:spcPts val="0"/>
-                        </a:spcBef>
-                        <a:spcAft>
-                          <a:spcPts val="0"/>
-                        </a:spcAft>
-                        <a:buClrTx/>
-                        <a:buSzTx/>
-                        <a:buFontTx/>
-                        <a:buNone/>
-                        <a:tabLst/>
-                        <a:defRPr/>
-                      </a:pPr>
-                      <a:endParaRPr lang="ko-KR" altLang="en-US" sz="1100" b="0" i="0" u="none" strike="noStrike" dirty="0" smtClean="0">
-                        <a:solidFill>
-                          <a:srgbClr val="000000"/>
-                        </a:solidFill>
-                        <a:effectLst/>
-                        <a:latin typeface="맑은 고딕" panose="020B0503020000020004" pitchFamily="50" charset="-127"/>
-                        <a:ea typeface="+mn-ea"/>
-                      </a:endParaRPr>
-                    </a:p>
-                  </a:txBody>
-                  <a:tcPr marL="9525" marR="9525" marT="9525" marB="0" anchor="ctr"/>
-                </a:tc>
-                <a:extLst>
-                  <a:ext uri="{0D108BD9-81ED-4DB2-BD59-A6C34878D82A}">
-                    <a16:rowId xmlns:a16="http://schemas.microsoft.com/office/drawing/2014/main" val="4272751360"/>
-                  </a:ext>
-                </a:extLst>
-              </a:tr>
-              <a:tr h="288000">
-                <a:tc vMerge="1">
-                  <a:txBody>
-                    <a:bodyPr/>
-                    <a:lstStyle/>
-                    <a:p>
-                      <a:pPr algn="ctr" fontAlgn="ctr"/>
-                      <a:endParaRPr lang="ko-KR" altLang="en-US" sz="1100" b="0" i="0" u="none" strike="noStrike" dirty="0">
-                        <a:solidFill>
-                          <a:srgbClr val="000000"/>
-                        </a:solidFill>
-                        <a:effectLst/>
-                        <a:latin typeface="맑은 고딕" panose="020B0503020000020004" pitchFamily="50" charset="-127"/>
-                        <a:ea typeface="맑은 고딕" panose="020B0503020000020004" pitchFamily="50" charset="-127"/>
-                      </a:endParaRPr>
-                    </a:p>
-                  </a:txBody>
-                  <a:tcPr marL="9525" marR="9525" marT="9525" marB="0" anchor="ctr"/>
-                </a:tc>
-                <a:tc>
-                  <a:txBody>
-                    <a:bodyPr/>
-                    <a:lstStyle/>
-                    <a:p>
-                      <a:pPr lvl="1" algn="l" fontAlgn="ctr"/>
-                      <a:r>
-                        <a:rPr lang="ko-KR" altLang="en-US" sz="1050" u="none" strike="noStrike" dirty="0" smtClean="0">
-                          <a:effectLst/>
-                        </a:rPr>
-                        <a:t>이력 정보 작성 확인</a:t>
-                      </a:r>
-                      <a:endParaRPr lang="ko-KR" altLang="en-US" sz="1050" b="0" i="0" u="none" strike="noStrike" dirty="0">
-                        <a:solidFill>
-                          <a:srgbClr val="000000"/>
-                        </a:solidFill>
-                        <a:effectLst/>
-                        <a:latin typeface="맑은 고딕" panose="020B0503020000020004" pitchFamily="50" charset="-127"/>
-                        <a:ea typeface="맑은 고딕" panose="020B0503020000020004" pitchFamily="50" charset="-127"/>
-                      </a:endParaRPr>
-                    </a:p>
-                  </a:txBody>
-                  <a:tcPr marL="9525" marR="9525" marT="9525" marB="0" anchor="ctr"/>
-                </a:tc>
-                <a:tc>
-                  <a:txBody>
-                    <a:bodyPr/>
-                    <a:lstStyle/>
-                    <a:p>
-                      <a:pPr marL="457200" marR="0" lvl="1" indent="0" algn="l" defTabSz="914400" rtl="0" eaLnBrk="1" fontAlgn="ctr" latinLnBrk="1" hangingPunct="1">
-                        <a:lnSpc>
-                          <a:spcPct val="100000"/>
-                        </a:lnSpc>
-                        <a:spcBef>
-                          <a:spcPts val="0"/>
-                        </a:spcBef>
-                        <a:spcAft>
-                          <a:spcPts val="0"/>
-                        </a:spcAft>
-                        <a:buClrTx/>
-                        <a:buSzTx/>
-                        <a:buFontTx/>
-                        <a:buNone/>
-                        <a:tabLst/>
-                        <a:defRPr/>
-                      </a:pPr>
-                      <a:endParaRPr lang="ko-KR" altLang="en-US" sz="1100" b="0" i="0" u="none" strike="noStrike" dirty="0" smtClean="0">
-                        <a:solidFill>
-                          <a:srgbClr val="000000"/>
-                        </a:solidFill>
-                        <a:effectLst/>
-                        <a:latin typeface="맑은 고딕" panose="020B0503020000020004" pitchFamily="50" charset="-127"/>
-                        <a:ea typeface="+mn-ea"/>
-                      </a:endParaRPr>
-                    </a:p>
-                  </a:txBody>
-                  <a:tcPr marL="9525" marR="9525" marT="9525" marB="0" anchor="ctr"/>
-                </a:tc>
-                <a:extLst>
-                  <a:ext uri="{0D108BD9-81ED-4DB2-BD59-A6C34878D82A}">
-                    <a16:rowId xmlns:a16="http://schemas.microsoft.com/office/drawing/2014/main" val="1946168024"/>
-                  </a:ext>
-                </a:extLst>
-              </a:tr>
-              <a:tr h="288000">
-                <a:tc vMerge="1">
-                  <a:txBody>
-                    <a:bodyPr/>
-                    <a:lstStyle/>
-                    <a:p>
-                      <a:pPr algn="ctr" fontAlgn="ctr"/>
-                      <a:endParaRPr lang="ko-KR" altLang="en-US" sz="1100" b="0" i="0" u="none" strike="noStrike" dirty="0">
-                        <a:solidFill>
-                          <a:srgbClr val="000000"/>
-                        </a:solidFill>
-                        <a:effectLst/>
-                        <a:latin typeface="맑은 고딕" panose="020B0503020000020004" pitchFamily="50" charset="-127"/>
-                        <a:ea typeface="맑은 고딕" panose="020B0503020000020004" pitchFamily="50" charset="-127"/>
-                      </a:endParaRPr>
-                    </a:p>
-                  </a:txBody>
-                  <a:tcPr marL="9525" marR="9525" marT="9525" marB="0" anchor="ctr"/>
-                </a:tc>
-                <a:tc>
-                  <a:txBody>
-                    <a:bodyPr/>
-                    <a:lstStyle/>
-                    <a:p>
-                      <a:pPr lvl="1" algn="l" fontAlgn="ctr"/>
-                      <a:r>
-                        <a:rPr lang="ko-KR" altLang="en-US" sz="1050" u="none" strike="noStrike" dirty="0" smtClean="0">
-                          <a:effectLst/>
-                        </a:rPr>
-                        <a:t>예상하지 못한 </a:t>
-                      </a:r>
-                      <a:r>
-                        <a:rPr lang="en-US" altLang="ko-KR" sz="1050" u="none" strike="noStrike" dirty="0" smtClean="0">
-                          <a:effectLst/>
-                        </a:rPr>
-                        <a:t>Logic </a:t>
-                      </a:r>
-                      <a:r>
-                        <a:rPr lang="ko-KR" altLang="en-US" sz="1050" u="none" strike="noStrike" dirty="0" smtClean="0">
-                          <a:effectLst/>
-                        </a:rPr>
-                        <a:t>동작 확인</a:t>
-                      </a:r>
-                      <a:r>
-                        <a:rPr lang="en-US" altLang="ko-KR" sz="1050" u="none" strike="noStrike" dirty="0" smtClean="0">
-                          <a:effectLst/>
-                        </a:rPr>
-                        <a:t/>
-                      </a:r>
-                      <a:br>
-                        <a:rPr lang="en-US" altLang="ko-KR" sz="1050" u="none" strike="noStrike" dirty="0" smtClean="0">
-                          <a:effectLst/>
-                        </a:rPr>
-                      </a:br>
-                      <a:r>
-                        <a:rPr lang="en-US" altLang="ko-KR" sz="1050" u="none" strike="noStrike" dirty="0" smtClean="0">
-                          <a:effectLst/>
-                        </a:rPr>
-                        <a:t>(Logic </a:t>
-                      </a:r>
-                      <a:r>
-                        <a:rPr lang="ko-KR" altLang="en-US" sz="1050" u="none" strike="noStrike" dirty="0" smtClean="0">
-                          <a:effectLst/>
-                        </a:rPr>
-                        <a:t>요구사항 동작 체크</a:t>
-                      </a:r>
-                      <a:r>
-                        <a:rPr lang="en-US" altLang="ko-KR" sz="1050" u="none" strike="noStrike" dirty="0" smtClean="0">
-                          <a:effectLst/>
-                        </a:rPr>
-                        <a:t>)</a:t>
-                      </a:r>
-                      <a:endParaRPr lang="ko-KR" altLang="en-US" sz="1050" b="0" i="0" u="none" strike="noStrike" dirty="0">
-                        <a:solidFill>
-                          <a:schemeClr val="bg1">
-                            <a:lumMod val="50000"/>
-                          </a:schemeClr>
-                        </a:solidFill>
-                        <a:effectLst/>
-                        <a:latin typeface="맑은 고딕" panose="020B0503020000020004" pitchFamily="50" charset="-127"/>
-                        <a:ea typeface="맑은 고딕" panose="020B0503020000020004" pitchFamily="50" charset="-127"/>
-                      </a:endParaRPr>
-                    </a:p>
-                  </a:txBody>
-                  <a:tcPr marL="9525" marR="9525" marT="9525" marB="0" anchor="ctr"/>
-                </a:tc>
-                <a:tc>
-                  <a:txBody>
-                    <a:bodyPr/>
-                    <a:lstStyle/>
-                    <a:p>
-                      <a:pPr marL="457200" marR="0" lvl="1" indent="0" algn="ctr" defTabSz="914400" rtl="0" eaLnBrk="1" fontAlgn="ctr" latinLnBrk="1" hangingPunct="1">
-                        <a:lnSpc>
-                          <a:spcPct val="100000"/>
-                        </a:lnSpc>
-                        <a:spcBef>
-                          <a:spcPts val="0"/>
-                        </a:spcBef>
-                        <a:spcAft>
-                          <a:spcPts val="0"/>
-                        </a:spcAft>
-                        <a:buClrTx/>
-                        <a:buSzTx/>
-                        <a:buFontTx/>
-                        <a:buNone/>
-                        <a:tabLst/>
-                        <a:defRPr/>
-                      </a:pPr>
-                      <a:r>
-                        <a:rPr lang="en-US" altLang="ko-KR" sz="1100" u="none" strike="noStrike" dirty="0" smtClean="0">
-                          <a:effectLst/>
-                        </a:rPr>
-                        <a:t>-</a:t>
-                      </a:r>
-                      <a:endParaRPr lang="ko-KR" altLang="en-US" sz="1100" b="0" i="0" u="none" strike="noStrike" dirty="0" smtClean="0">
-                        <a:solidFill>
-                          <a:schemeClr val="bg1">
-                            <a:lumMod val="50000"/>
-                          </a:schemeClr>
-                        </a:solidFill>
-                        <a:effectLst/>
-                        <a:latin typeface="맑은 고딕" panose="020B0503020000020004" pitchFamily="50" charset="-127"/>
-                        <a:ea typeface="+mn-ea"/>
-                      </a:endParaRPr>
-                    </a:p>
-                  </a:txBody>
-                  <a:tcPr marL="9525" marR="9525" marT="9525" marB="0" anchor="ctr"/>
-                </a:tc>
-                <a:extLst>
-                  <a:ext uri="{0D108BD9-81ED-4DB2-BD59-A6C34878D82A}">
-                    <a16:rowId xmlns:a16="http://schemas.microsoft.com/office/drawing/2014/main" val="720252962"/>
-                  </a:ext>
-                </a:extLst>
-              </a:tr>
-              <a:tr h="288000">
-                <a:tc vMerge="1">
-                  <a:txBody>
-                    <a:bodyPr/>
-                    <a:lstStyle/>
-                    <a:p>
-                      <a:pPr algn="ctr" fontAlgn="ctr"/>
-                      <a:endParaRPr lang="ko-KR" altLang="en-US" sz="1100" b="0" i="0" u="none" strike="noStrike" dirty="0">
-                        <a:solidFill>
-                          <a:srgbClr val="000000"/>
-                        </a:solidFill>
-                        <a:effectLst/>
-                        <a:latin typeface="맑은 고딕" panose="020B0503020000020004" pitchFamily="50" charset="-127"/>
-                        <a:ea typeface="맑은 고딕" panose="020B0503020000020004" pitchFamily="50" charset="-127"/>
-                      </a:endParaRPr>
-                    </a:p>
-                  </a:txBody>
-                  <a:tcPr marL="9525" marR="9525" marT="9525" marB="0" anchor="ctr"/>
-                </a:tc>
-                <a:tc>
-                  <a:txBody>
-                    <a:bodyPr/>
-                    <a:lstStyle/>
-                    <a:p>
-                      <a:pPr lvl="1" algn="l" fontAlgn="ctr"/>
-                      <a:r>
-                        <a:rPr lang="ko-KR" altLang="en-US" sz="1050" u="none" strike="noStrike" dirty="0" smtClean="0">
-                          <a:effectLst/>
-                        </a:rPr>
-                        <a:t>하드 코딩 금지</a:t>
-                      </a:r>
-                      <a:endParaRPr lang="ko-KR" altLang="en-US" sz="1050" b="0" i="0" u="none" strike="noStrike" dirty="0">
-                        <a:solidFill>
-                          <a:srgbClr val="000000"/>
-                        </a:solidFill>
-                        <a:effectLst/>
-                        <a:latin typeface="맑은 고딕" panose="020B0503020000020004" pitchFamily="50" charset="-127"/>
-                        <a:ea typeface="맑은 고딕" panose="020B0503020000020004" pitchFamily="50" charset="-127"/>
-                      </a:endParaRPr>
-                    </a:p>
-                  </a:txBody>
-                  <a:tcPr marL="9525" marR="9525" marT="9525" marB="0" anchor="ctr"/>
-                </a:tc>
-                <a:tc>
-                  <a:txBody>
-                    <a:bodyPr/>
-                    <a:lstStyle/>
-                    <a:p>
-                      <a:pPr marL="914400" marR="0" lvl="2" indent="0" algn="l" defTabSz="914400" rtl="0" eaLnBrk="1" fontAlgn="ctr" latinLnBrk="1" hangingPunct="1">
-                        <a:lnSpc>
-                          <a:spcPct val="100000"/>
-                        </a:lnSpc>
-                        <a:spcBef>
-                          <a:spcPts val="0"/>
-                        </a:spcBef>
-                        <a:spcAft>
-                          <a:spcPts val="0"/>
-                        </a:spcAft>
-                        <a:buClrTx/>
-                        <a:buSzTx/>
-                        <a:buFontTx/>
-                        <a:buNone/>
-                        <a:tabLst/>
-                        <a:defRPr/>
-                      </a:pPr>
-                      <a:r>
-                        <a:rPr lang="ko-KR" altLang="en-US" sz="1100" dirty="0" smtClean="0"/>
+                        <a:rPr lang="ko-KR" altLang="en-US" sz="1000" dirty="0" smtClean="0"/>
                         <a:t>하드 코딩으로 작성되었습니다</a:t>
                       </a:r>
                       <a:r>
-                        <a:rPr lang="en-US" altLang="ko-KR" sz="1100" dirty="0" smtClean="0"/>
+                        <a:rPr lang="en-US" altLang="ko-KR" sz="1000" dirty="0" smtClean="0"/>
                         <a:t>.</a:t>
                       </a:r>
-                      <a:endParaRPr lang="ko-KR" altLang="en-US" sz="1100" b="0" i="0" u="none" strike="noStrike" dirty="0" smtClean="0">
+                      <a:endParaRPr lang="ko-KR" altLang="en-US" sz="1000" b="0" i="0" u="none" strike="noStrike" dirty="0" smtClean="0">
                         <a:solidFill>
                           <a:srgbClr val="000000"/>
                         </a:solidFill>
@@ -4488,14 +4267,14 @@
                     <a:p>
                       <a:pPr lvl="2" algn="l" fontAlgn="ctr"/>
                       <a:r>
-                        <a:rPr lang="ko-KR" altLang="en-US" sz="1100" dirty="0" smtClean="0"/>
+                        <a:rPr lang="ko-KR" altLang="en-US" sz="1000" dirty="0" smtClean="0"/>
                         <a:t>변수가 사용 이력이 없습니다</a:t>
                       </a:r>
                       <a:r>
-                        <a:rPr lang="en-US" altLang="ko-KR" sz="1100" dirty="0" smtClean="0"/>
+                        <a:rPr lang="en-US" altLang="ko-KR" sz="1000" dirty="0" smtClean="0"/>
                         <a:t>.</a:t>
                       </a:r>
-                      <a:endParaRPr lang="ko-KR" altLang="en-US" sz="1100" b="0" i="0" u="none" strike="noStrike" dirty="0">
+                      <a:endParaRPr lang="ko-KR" altLang="en-US" sz="1000" b="0" i="0" u="none" strike="noStrike" dirty="0">
                         <a:solidFill>
                           <a:srgbClr val="000000"/>
                         </a:solidFill>
@@ -4537,7 +4316,7 @@
 </p:sld>
 </file>
 
-<file path=ppt/slides/slide12.xml><?xml version="1.0" encoding="utf-8"?>
+<file path=ppt/slides/slide11.xml><?xml version="1.0" encoding="utf-8"?>
 <p:sld xmlns:a="http://schemas.openxmlformats.org/drawingml/2006/main" xmlns:r="http://schemas.openxmlformats.org/officeDocument/2006/relationships" xmlns:p="http://schemas.openxmlformats.org/presentationml/2006/main">
   <p:cSld>
     <p:spTree>
@@ -8004,7 +7783,7 @@
 </p:sld>
 </file>
 
-<file path=ppt/slides/slide13.xml><?xml version="1.0" encoding="utf-8"?>
+<file path=ppt/slides/slide12.xml><?xml version="1.0" encoding="utf-8"?>
 <p:sld xmlns:a="http://schemas.openxmlformats.org/drawingml/2006/main" xmlns:r="http://schemas.openxmlformats.org/officeDocument/2006/relationships" xmlns:p="http://schemas.openxmlformats.org/presentationml/2006/main">
   <p:cSld>
     <p:spTree>
@@ -10342,7 +10121,7 @@
 </p:sld>
 </file>
 
-<file path=ppt/slides/slide14.xml><?xml version="1.0" encoding="utf-8"?>
+<file path=ppt/slides/slide13.xml><?xml version="1.0" encoding="utf-8"?>
 <p:sld xmlns:a="http://schemas.openxmlformats.org/drawingml/2006/main" xmlns:r="http://schemas.openxmlformats.org/officeDocument/2006/relationships" xmlns:p="http://schemas.openxmlformats.org/presentationml/2006/main">
   <p:cSld>
     <p:spTree>
@@ -12022,7 +11801,7 @@
 </p:sld>
 </file>
 
-<file path=ppt/slides/slide15.xml><?xml version="1.0" encoding="utf-8"?>
+<file path=ppt/slides/slide14.xml><?xml version="1.0" encoding="utf-8"?>
 <p:sld xmlns:a="http://schemas.openxmlformats.org/drawingml/2006/main" xmlns:r="http://schemas.openxmlformats.org/officeDocument/2006/relationships" xmlns:p="http://schemas.openxmlformats.org/presentationml/2006/main">
   <p:cSld>
     <p:spTree>
@@ -13702,7 +13481,7 @@
 </p:sld>
 </file>
 
-<file path=ppt/slides/slide16.xml><?xml version="1.0" encoding="utf-8"?>
+<file path=ppt/slides/slide15.xml><?xml version="1.0" encoding="utf-8"?>
 <p:sld xmlns:a="http://schemas.openxmlformats.org/drawingml/2006/main" xmlns:r="http://schemas.openxmlformats.org/officeDocument/2006/relationships" xmlns:p="http://schemas.openxmlformats.org/presentationml/2006/main">
   <p:cSld>
     <p:spTree>
@@ -14733,6 +14512,1086 @@
     <p:extLst>
       <p:ext uri="{BB962C8B-B14F-4D97-AF65-F5344CB8AC3E}">
         <p14:creationId xmlns:p14="http://schemas.microsoft.com/office/powerpoint/2010/main" val="3106930589"/>
+      </p:ext>
+    </p:extLst>
+  </p:cSld>
+  <p:clrMapOvr>
+    <a:masterClrMapping/>
+  </p:clrMapOvr>
+  <p:timing>
+    <p:tnLst>
+      <p:par>
+        <p:cTn id="1" dur="indefinite" restart="never" nodeType="tmRoot"/>
+      </p:par>
+    </p:tnLst>
+  </p:timing>
+</p:sld>
+</file>
+
+<file path=ppt/slides/slide16.xml><?xml version="1.0" encoding="utf-8"?>
+<p:sld xmlns:a="http://schemas.openxmlformats.org/drawingml/2006/main" xmlns:r="http://schemas.openxmlformats.org/officeDocument/2006/relationships" xmlns:p="http://schemas.openxmlformats.org/presentationml/2006/main">
+  <p:cSld>
+    <p:spTree>
+      <p:nvGrpSpPr>
+        <p:cNvPr id="1" name=""/>
+        <p:cNvGrpSpPr/>
+        <p:nvPr/>
+      </p:nvGrpSpPr>
+      <p:grpSpPr>
+        <a:xfrm>
+          <a:off x="0" y="0"/>
+          <a:ext cx="0" cy="0"/>
+          <a:chOff x="0" y="0"/>
+          <a:chExt cx="0" cy="0"/>
+        </a:xfrm>
+      </p:grpSpPr>
+      <p:sp>
+        <p:nvSpPr>
+          <p:cNvPr id="5" name="TextBox 4"/>
+          <p:cNvSpPr txBox="1"/>
+          <p:nvPr/>
+        </p:nvSpPr>
+        <p:spPr>
+          <a:xfrm>
+            <a:off x="345600" y="980728"/>
+            <a:ext cx="9342704" cy="1061829"/>
+          </a:xfrm>
+          <a:prstGeom prst="rect">
+            <a:avLst/>
+          </a:prstGeom>
+          <a:noFill/>
+        </p:spPr>
+        <p:txBody>
+          <a:bodyPr wrap="square" rtlCol="0">
+            <a:spAutoFit/>
+          </a:bodyPr>
+          <a:lstStyle/>
+          <a:p>
+            <a:pPr>
+              <a:lnSpc>
+                <a:spcPct val="150000"/>
+              </a:lnSpc>
+            </a:pPr>
+            <a:r>
+              <a:rPr lang="ko-KR" altLang="en-US" b="1" dirty="0" smtClean="0">
+                <a:ln>
+                  <a:solidFill>
+                    <a:schemeClr val="tx1">
+                      <a:lumMod val="50000"/>
+                      <a:lumOff val="50000"/>
+                      <a:alpha val="0"/>
+                    </a:schemeClr>
+                  </a:solidFill>
+                </a:ln>
+                <a:solidFill>
+                  <a:srgbClr val="E9520B"/>
+                </a:solidFill>
+              </a:rPr>
+              <a:t>■ 코드 리뷰 점검 기능 설계</a:t>
+            </a:r>
+            <a:endParaRPr lang="en-US" altLang="ko-KR" b="1" dirty="0" smtClean="0">
+              <a:ln>
+                <a:solidFill>
+                  <a:schemeClr val="tx1">
+                    <a:lumMod val="50000"/>
+                    <a:lumOff val="50000"/>
+                    <a:alpha val="0"/>
+                  </a:schemeClr>
+                </a:solidFill>
+              </a:ln>
+              <a:solidFill>
+                <a:srgbClr val="E9520B"/>
+              </a:solidFill>
+            </a:endParaRPr>
+          </a:p>
+          <a:p>
+            <a:pPr marL="457200" lvl="2">
+              <a:lnSpc>
+                <a:spcPct val="150000"/>
+              </a:lnSpc>
+            </a:pPr>
+            <a:r>
+              <a:rPr lang="ko-KR" altLang="en-US" sz="1200" dirty="0" smtClean="0">
+                <a:ln>
+                  <a:solidFill>
+                    <a:schemeClr val="tx1">
+                      <a:lumMod val="50000"/>
+                      <a:lumOff val="50000"/>
+                      <a:alpha val="0"/>
+                    </a:schemeClr>
+                  </a:solidFill>
+                </a:ln>
+                <a:sym typeface="Wingdings" panose="05000000000000000000" pitchFamily="2" charset="2"/>
+              </a:rPr>
+              <a:t>⑤ </a:t>
+            </a:r>
+            <a:r>
+              <a:rPr lang="en-US" altLang="ko-KR" sz="1200" dirty="0" smtClean="0">
+                <a:ln>
+                  <a:solidFill>
+                    <a:schemeClr val="tx1">
+                      <a:lumMod val="50000"/>
+                      <a:lumOff val="50000"/>
+                      <a:alpha val="0"/>
+                    </a:schemeClr>
+                  </a:solidFill>
+                </a:ln>
+                <a:sym typeface="Wingdings" panose="05000000000000000000" pitchFamily="2" charset="2"/>
+              </a:rPr>
+              <a:t>DB Query </a:t>
+            </a:r>
+            <a:r>
+              <a:rPr lang="ko-KR" altLang="en-US" sz="1200" dirty="0" smtClean="0">
+                <a:ln>
+                  <a:solidFill>
+                    <a:schemeClr val="tx1">
+                      <a:lumMod val="50000"/>
+                      <a:lumOff val="50000"/>
+                      <a:alpha val="0"/>
+                    </a:schemeClr>
+                  </a:solidFill>
+                </a:ln>
+                <a:sym typeface="Wingdings" panose="05000000000000000000" pitchFamily="2" charset="2"/>
+              </a:rPr>
+              <a:t>바인딩 처리 확인</a:t>
+            </a:r>
+            <a:endParaRPr lang="en-US" altLang="ko-KR" sz="1200" dirty="0" smtClean="0">
+              <a:ln>
+                <a:solidFill>
+                  <a:schemeClr val="tx1">
+                    <a:lumMod val="50000"/>
+                    <a:lumOff val="50000"/>
+                    <a:alpha val="0"/>
+                  </a:schemeClr>
+                </a:solidFill>
+              </a:ln>
+              <a:sym typeface="Wingdings" panose="05000000000000000000" pitchFamily="2" charset="2"/>
+            </a:endParaRPr>
+          </a:p>
+          <a:p>
+            <a:pPr marL="914400" lvl="3">
+              <a:lnSpc>
+                <a:spcPct val="150000"/>
+              </a:lnSpc>
+            </a:pPr>
+            <a:r>
+              <a:rPr lang="en-US" altLang="ko-KR" sz="1200" dirty="0" smtClean="0">
+                <a:ln>
+                  <a:solidFill>
+                    <a:schemeClr val="tx1">
+                      <a:lumMod val="50000"/>
+                      <a:lumOff val="50000"/>
+                      <a:alpha val="0"/>
+                    </a:schemeClr>
+                  </a:solidFill>
+                </a:ln>
+                <a:sym typeface="Wingdings" panose="05000000000000000000" pitchFamily="2" charset="2"/>
+              </a:rPr>
+              <a:t>- DB Query</a:t>
+            </a:r>
+            <a:r>
+              <a:rPr lang="ko-KR" altLang="en-US" sz="1200" dirty="0" smtClean="0">
+                <a:ln>
+                  <a:solidFill>
+                    <a:schemeClr val="tx1">
+                      <a:lumMod val="50000"/>
+                      <a:lumOff val="50000"/>
+                      <a:alpha val="0"/>
+                    </a:schemeClr>
+                  </a:solidFill>
+                </a:ln>
+                <a:sym typeface="Wingdings" panose="05000000000000000000" pitchFamily="2" charset="2"/>
+              </a:rPr>
+              <a:t>문 중에 </a:t>
+            </a:r>
+            <a:r>
+              <a:rPr lang="en-US" altLang="ko-KR" sz="1200" dirty="0" smtClean="0">
+                <a:ln>
+                  <a:solidFill>
+                    <a:schemeClr val="tx1">
+                      <a:lumMod val="50000"/>
+                      <a:lumOff val="50000"/>
+                      <a:alpha val="0"/>
+                    </a:schemeClr>
+                  </a:solidFill>
+                </a:ln>
+                <a:sym typeface="Wingdings" panose="05000000000000000000" pitchFamily="2" charset="2"/>
+              </a:rPr>
+              <a:t>Where </a:t>
+            </a:r>
+            <a:r>
+              <a:rPr lang="ko-KR" altLang="en-US" sz="1200" dirty="0" smtClean="0">
+                <a:ln>
+                  <a:solidFill>
+                    <a:schemeClr val="tx1">
+                      <a:lumMod val="50000"/>
+                      <a:lumOff val="50000"/>
+                      <a:alpha val="0"/>
+                    </a:schemeClr>
+                  </a:solidFill>
+                </a:ln>
+                <a:sym typeface="Wingdings" panose="05000000000000000000" pitchFamily="2" charset="2"/>
+              </a:rPr>
+              <a:t>절 바인딩 적용 확인</a:t>
+            </a:r>
+            <a:endParaRPr lang="en-US" altLang="ko-KR" b="1" dirty="0" smtClean="0">
+              <a:ln>
+                <a:solidFill>
+                  <a:schemeClr val="tx1">
+                    <a:lumMod val="50000"/>
+                    <a:lumOff val="50000"/>
+                    <a:alpha val="0"/>
+                  </a:schemeClr>
+                </a:solidFill>
+              </a:ln>
+              <a:solidFill>
+                <a:srgbClr val="E9520B"/>
+              </a:solidFill>
+            </a:endParaRPr>
+          </a:p>
+        </p:txBody>
+      </p:sp>
+      <p:sp>
+        <p:nvSpPr>
+          <p:cNvPr id="6" name="제목 1"/>
+          <p:cNvSpPr>
+            <a:spLocks noGrp="1"/>
+          </p:cNvSpPr>
+          <p:nvPr>
+            <p:ph type="title" idx="4294967295"/>
+          </p:nvPr>
+        </p:nvSpPr>
+        <p:spPr>
+          <a:xfrm>
+            <a:off x="452500" y="224644"/>
+            <a:ext cx="6858903" cy="504056"/>
+          </a:xfrm>
+          <a:ln>
+            <a:noFill/>
+          </a:ln>
+        </p:spPr>
+        <p:txBody>
+          <a:bodyPr>
+            <a:normAutofit/>
+          </a:bodyPr>
+          <a:lstStyle/>
+          <a:p>
+            <a:r>
+              <a:rPr lang="en-US" altLang="ko-KR" sz="2800" b="1" dirty="0" smtClean="0">
+                <a:ln>
+                  <a:solidFill>
+                    <a:prstClr val="white">
+                      <a:alpha val="0"/>
+                    </a:prstClr>
+                  </a:solidFill>
+                </a:ln>
+                <a:solidFill>
+                  <a:prstClr val="white">
+                    <a:lumMod val="50000"/>
+                  </a:prstClr>
+                </a:solidFill>
+                <a:latin typeface="+mn-ea"/>
+                <a:ea typeface="+mn-ea"/>
+              </a:rPr>
+              <a:t>UI</a:t>
+            </a:r>
+            <a:r>
+              <a:rPr lang="ko-KR" altLang="en-US" sz="2800" b="1" dirty="0" smtClean="0">
+                <a:ln>
+                  <a:solidFill>
+                    <a:prstClr val="white">
+                      <a:alpha val="0"/>
+                    </a:prstClr>
+                  </a:solidFill>
+                </a:ln>
+                <a:solidFill>
+                  <a:prstClr val="white">
+                    <a:lumMod val="50000"/>
+                  </a:prstClr>
+                </a:solidFill>
+                <a:latin typeface="+mn-ea"/>
+                <a:ea typeface="+mn-ea"/>
+              </a:rPr>
+              <a:t> 설계</a:t>
+            </a:r>
+            <a:endParaRPr lang="ko-KR" altLang="en-US" sz="2800" b="1" dirty="0">
+              <a:latin typeface="+mn-ea"/>
+              <a:ea typeface="+mn-ea"/>
+            </a:endParaRPr>
+          </a:p>
+        </p:txBody>
+      </p:sp>
+      <p:graphicFrame>
+        <p:nvGraphicFramePr>
+          <p:cNvPr id="7" name="표 6"/>
+          <p:cNvGraphicFramePr>
+            <a:graphicFrameLocks noGrp="1"/>
+          </p:cNvGraphicFramePr>
+          <p:nvPr>
+            <p:extLst>
+              <p:ext uri="{D42A27DB-BD31-4B8C-83A1-F6EECF244321}">
+                <p14:modId xmlns:p14="http://schemas.microsoft.com/office/powerpoint/2010/main" val="2155201434"/>
+              </p:ext>
+            </p:extLst>
+          </p:nvPr>
+        </p:nvGraphicFramePr>
+        <p:xfrm>
+          <a:off x="992560" y="2501028"/>
+          <a:ext cx="7866733" cy="724774"/>
+        </p:xfrm>
+        <a:graphic>
+          <a:graphicData uri="http://schemas.openxmlformats.org/drawingml/2006/table">
+            <a:tbl>
+              <a:tblPr>
+                <a:tableStyleId>{616DA210-FB5B-4158-B5E0-FEB733F419BA}</a:tableStyleId>
+              </a:tblPr>
+              <a:tblGrid>
+                <a:gridCol w="827955">
+                  <a:extLst>
+                    <a:ext uri="{9D8B030D-6E8A-4147-A177-3AD203B41FA5}">
+                      <a16:colId xmlns:a16="http://schemas.microsoft.com/office/drawing/2014/main" val="3322228484"/>
+                    </a:ext>
+                  </a:extLst>
+                </a:gridCol>
+                <a:gridCol w="3077464">
+                  <a:extLst>
+                    <a:ext uri="{9D8B030D-6E8A-4147-A177-3AD203B41FA5}">
+                      <a16:colId xmlns:a16="http://schemas.microsoft.com/office/drawing/2014/main" val="3088701884"/>
+                    </a:ext>
+                  </a:extLst>
+                </a:gridCol>
+                <a:gridCol w="3961314">
+                  <a:extLst>
+                    <a:ext uri="{9D8B030D-6E8A-4147-A177-3AD203B41FA5}">
+                      <a16:colId xmlns:a16="http://schemas.microsoft.com/office/drawing/2014/main" val="1474204968"/>
+                    </a:ext>
+                  </a:extLst>
+                </a:gridCol>
+              </a:tblGrid>
+              <a:tr h="359014">
+                <a:tc>
+                  <a:txBody>
+                    <a:bodyPr/>
+                    <a:lstStyle/>
+                    <a:p>
+                      <a:pPr algn="ctr" fontAlgn="ctr"/>
+                      <a:r>
+                        <a:rPr lang="ko-KR" altLang="en-US" sz="1100" b="1" i="0" u="none" strike="noStrike" dirty="0" smtClean="0">
+                          <a:solidFill>
+                            <a:srgbClr val="000000"/>
+                          </a:solidFill>
+                          <a:effectLst/>
+                          <a:latin typeface="맑은 고딕" panose="020B0503020000020004" pitchFamily="50" charset="-127"/>
+                          <a:ea typeface="맑은 고딕" panose="020B0503020000020004" pitchFamily="50" charset="-127"/>
+                        </a:rPr>
+                        <a:t>구분</a:t>
+                      </a:r>
+                      <a:endParaRPr lang="ko-KR" altLang="en-US" sz="1100" b="1" i="0" u="none" strike="noStrike" dirty="0">
+                        <a:solidFill>
+                          <a:srgbClr val="000000"/>
+                        </a:solidFill>
+                        <a:effectLst/>
+                        <a:latin typeface="맑은 고딕" panose="020B0503020000020004" pitchFamily="50" charset="-127"/>
+                        <a:ea typeface="맑은 고딕" panose="020B0503020000020004" pitchFamily="50" charset="-127"/>
+                      </a:endParaRPr>
+                    </a:p>
+                  </a:txBody>
+                  <a:tcPr marL="9525" marR="9525" marT="9525" marB="0" anchor="ctr">
+                    <a:solidFill>
+                      <a:schemeClr val="bg1">
+                        <a:lumMod val="85000"/>
+                      </a:schemeClr>
+                    </a:solidFill>
+                  </a:tcPr>
+                </a:tc>
+                <a:tc>
+                  <a:txBody>
+                    <a:bodyPr/>
+                    <a:lstStyle/>
+                    <a:p>
+                      <a:pPr algn="ctr" fontAlgn="ctr"/>
+                      <a:r>
+                        <a:rPr lang="ko-KR" altLang="en-US" sz="1100" b="1" u="none" strike="noStrike" dirty="0" smtClean="0">
+                          <a:effectLst/>
+                        </a:rPr>
+                        <a:t>조건</a:t>
+                      </a:r>
+                      <a:endParaRPr lang="ko-KR" altLang="en-US" sz="1100" b="1" i="0" u="none" strike="noStrike" dirty="0">
+                        <a:solidFill>
+                          <a:srgbClr val="000000"/>
+                        </a:solidFill>
+                        <a:effectLst/>
+                        <a:latin typeface="맑은 고딕" panose="020B0503020000020004" pitchFamily="50" charset="-127"/>
+                        <a:ea typeface="맑은 고딕" panose="020B0503020000020004" pitchFamily="50" charset="-127"/>
+                      </a:endParaRPr>
+                    </a:p>
+                  </a:txBody>
+                  <a:tcPr marL="9525" marR="9525" marT="9525" marB="0" anchor="ctr">
+                    <a:solidFill>
+                      <a:schemeClr val="bg1">
+                        <a:lumMod val="85000"/>
+                      </a:schemeClr>
+                    </a:solidFill>
+                  </a:tcPr>
+                </a:tc>
+                <a:tc>
+                  <a:txBody>
+                    <a:bodyPr/>
+                    <a:lstStyle/>
+                    <a:p>
+                      <a:pPr algn="ctr" fontAlgn="ctr"/>
+                      <a:r>
+                        <a:rPr lang="ko-KR" altLang="en-US" sz="1100" b="1" i="0" u="none" strike="noStrike" dirty="0" smtClean="0">
+                          <a:solidFill>
+                            <a:srgbClr val="000000"/>
+                          </a:solidFill>
+                          <a:effectLst/>
+                          <a:latin typeface="맑은 고딕" panose="020B0503020000020004" pitchFamily="50" charset="-127"/>
+                          <a:ea typeface="맑은 고딕" panose="020B0503020000020004" pitchFamily="50" charset="-127"/>
+                        </a:rPr>
+                        <a:t>체크 사항</a:t>
+                      </a:r>
+                      <a:endParaRPr lang="ko-KR" altLang="en-US" sz="1100" b="1" i="0" u="none" strike="noStrike" dirty="0">
+                        <a:solidFill>
+                          <a:srgbClr val="000000"/>
+                        </a:solidFill>
+                        <a:effectLst/>
+                        <a:latin typeface="맑은 고딕" panose="020B0503020000020004" pitchFamily="50" charset="-127"/>
+                        <a:ea typeface="맑은 고딕" panose="020B0503020000020004" pitchFamily="50" charset="-127"/>
+                      </a:endParaRPr>
+                    </a:p>
+                  </a:txBody>
+                  <a:tcPr marL="9525" marR="9525" marT="9525" marB="0" anchor="ctr">
+                    <a:solidFill>
+                      <a:schemeClr val="bg1">
+                        <a:lumMod val="85000"/>
+                      </a:schemeClr>
+                    </a:solidFill>
+                  </a:tcPr>
+                </a:tc>
+                <a:extLst>
+                  <a:ext uri="{0D108BD9-81ED-4DB2-BD59-A6C34878D82A}">
+                    <a16:rowId xmlns:a16="http://schemas.microsoft.com/office/drawing/2014/main" val="1185981779"/>
+                  </a:ext>
+                </a:extLst>
+              </a:tr>
+              <a:tr h="306547">
+                <a:tc>
+                  <a:txBody>
+                    <a:bodyPr/>
+                    <a:lstStyle/>
+                    <a:p>
+                      <a:pPr algn="ctr" fontAlgn="ctr"/>
+                      <a:r>
+                        <a:rPr lang="ko-KR" altLang="en-US" sz="1100" b="1" i="0" u="none" strike="noStrike" dirty="0" smtClean="0">
+                          <a:solidFill>
+                            <a:srgbClr val="000000"/>
+                          </a:solidFill>
+                          <a:effectLst/>
+                          <a:latin typeface="맑은 고딕" panose="020B0503020000020004" pitchFamily="50" charset="-127"/>
+                          <a:ea typeface="맑은 고딕" panose="020B0503020000020004" pitchFamily="50" charset="-127"/>
+                        </a:rPr>
+                        <a:t>검증 방법</a:t>
+                      </a:r>
+                      <a:endParaRPr lang="ko-KR" altLang="en-US" sz="1100" b="1" i="0" u="none" strike="noStrike" dirty="0">
+                        <a:solidFill>
+                          <a:srgbClr val="000000"/>
+                        </a:solidFill>
+                        <a:effectLst/>
+                        <a:latin typeface="맑은 고딕" panose="020B0503020000020004" pitchFamily="50" charset="-127"/>
+                        <a:ea typeface="맑은 고딕" panose="020B0503020000020004" pitchFamily="50" charset="-127"/>
+                      </a:endParaRPr>
+                    </a:p>
+                  </a:txBody>
+                  <a:tcPr marL="9525" marR="9525" marT="9525" marB="0" anchor="ctr">
+                    <a:solidFill>
+                      <a:schemeClr val="bg1">
+                        <a:lumMod val="85000"/>
+                      </a:schemeClr>
+                    </a:solidFill>
+                  </a:tcPr>
+                </a:tc>
+                <a:tc>
+                  <a:txBody>
+                    <a:bodyPr/>
+                    <a:lstStyle/>
+                    <a:p>
+                      <a:pPr lvl="0" algn="l" fontAlgn="ctr"/>
+                      <a:r>
+                        <a:rPr lang="en-US" altLang="ko-KR" sz="900" b="0" i="0" u="none" strike="noStrike" dirty="0" smtClean="0">
+                          <a:solidFill>
+                            <a:srgbClr val="000000"/>
+                          </a:solidFill>
+                          <a:effectLst/>
+                          <a:latin typeface="맑은 고딕" panose="020B0503020000020004" pitchFamily="50" charset="-127"/>
+                          <a:ea typeface="맑은 고딕" panose="020B0503020000020004" pitchFamily="50" charset="-127"/>
+                        </a:rPr>
+                        <a:t>Query</a:t>
+                      </a:r>
+                      <a:r>
+                        <a:rPr lang="ko-KR" altLang="en-US" sz="900" b="0" i="0" u="none" strike="noStrike" baseline="0" dirty="0" smtClean="0">
+                          <a:solidFill>
+                            <a:srgbClr val="000000"/>
+                          </a:solidFill>
+                          <a:effectLst/>
+                          <a:latin typeface="맑은 고딕" panose="020B0503020000020004" pitchFamily="50" charset="-127"/>
+                          <a:ea typeface="맑은 고딕" panose="020B0503020000020004" pitchFamily="50" charset="-127"/>
+                        </a:rPr>
+                        <a:t>문 문자열 확인</a:t>
+                      </a:r>
+                      <a:r>
+                        <a:rPr lang="en-US" altLang="ko-KR" sz="900" b="0" i="0" u="none" strike="noStrike" baseline="0" dirty="0" smtClean="0">
+                          <a:solidFill>
+                            <a:srgbClr val="000000"/>
+                          </a:solidFill>
+                          <a:effectLst/>
+                          <a:latin typeface="맑은 고딕" panose="020B0503020000020004" pitchFamily="50" charset="-127"/>
+                          <a:ea typeface="맑은 고딕" panose="020B0503020000020004" pitchFamily="50" charset="-127"/>
+                        </a:rPr>
+                        <a:t/>
+                      </a:r>
+                      <a:br>
+                        <a:rPr lang="en-US" altLang="ko-KR" sz="900" b="0" i="0" u="none" strike="noStrike" baseline="0" dirty="0" smtClean="0">
+                          <a:solidFill>
+                            <a:srgbClr val="000000"/>
+                          </a:solidFill>
+                          <a:effectLst/>
+                          <a:latin typeface="맑은 고딕" panose="020B0503020000020004" pitchFamily="50" charset="-127"/>
+                          <a:ea typeface="맑은 고딕" panose="020B0503020000020004" pitchFamily="50" charset="-127"/>
+                        </a:rPr>
+                      </a:br>
+                      <a:r>
+                        <a:rPr lang="en-US" altLang="ko-KR" sz="900" b="0" i="0" u="none" strike="noStrike" baseline="0" dirty="0" smtClean="0">
+                          <a:solidFill>
+                            <a:srgbClr val="000000"/>
+                          </a:solidFill>
+                          <a:effectLst/>
+                          <a:latin typeface="맑은 고딕" panose="020B0503020000020004" pitchFamily="50" charset="-127"/>
+                          <a:ea typeface="맑은 고딕" panose="020B0503020000020004" pitchFamily="50" charset="-127"/>
+                        </a:rPr>
+                        <a:t>- INSERT, SELECT, UPDATE, MERGE </a:t>
+                      </a:r>
+                      <a:r>
+                        <a:rPr lang="ko-KR" altLang="en-US" sz="900" b="0" i="0" u="none" strike="noStrike" baseline="0" dirty="0" smtClean="0">
+                          <a:solidFill>
+                            <a:srgbClr val="000000"/>
+                          </a:solidFill>
+                          <a:effectLst/>
+                          <a:latin typeface="맑은 고딕" panose="020B0503020000020004" pitchFamily="50" charset="-127"/>
+                          <a:ea typeface="맑은 고딕" panose="020B0503020000020004" pitchFamily="50" charset="-127"/>
+                        </a:rPr>
+                        <a:t>명령어 확인</a:t>
+                      </a:r>
+                      <a:endParaRPr lang="en-US" altLang="ko-KR" sz="900" b="0" i="0" u="none" strike="noStrike" dirty="0" smtClean="0">
+                        <a:solidFill>
+                          <a:srgbClr val="000000"/>
+                        </a:solidFill>
+                        <a:effectLst/>
+                        <a:latin typeface="맑은 고딕" panose="020B0503020000020004" pitchFamily="50" charset="-127"/>
+                        <a:ea typeface="맑은 고딕" panose="020B0503020000020004" pitchFamily="50" charset="-127"/>
+                      </a:endParaRPr>
+                    </a:p>
+                  </a:txBody>
+                  <a:tcPr marL="45720" marR="45720" anchor="ctr"/>
+                </a:tc>
+                <a:tc>
+                  <a:txBody>
+                    <a:bodyPr/>
+                    <a:lstStyle/>
+                    <a:p>
+                      <a:pPr marL="0" marR="0" lvl="0" indent="0" algn="l" defTabSz="914400" rtl="0" eaLnBrk="1" fontAlgn="ctr" latinLnBrk="1" hangingPunct="1">
+                        <a:lnSpc>
+                          <a:spcPct val="100000"/>
+                        </a:lnSpc>
+                        <a:spcBef>
+                          <a:spcPts val="0"/>
+                        </a:spcBef>
+                        <a:spcAft>
+                          <a:spcPts val="0"/>
+                        </a:spcAft>
+                        <a:buClrTx/>
+                        <a:buSzTx/>
+                        <a:buFontTx/>
+                        <a:buNone/>
+                        <a:tabLst/>
+                        <a:defRPr/>
+                      </a:pPr>
+                      <a:r>
+                        <a:rPr lang="en-US" altLang="ko-KR" sz="800" b="0" dirty="0" smtClean="0"/>
+                        <a:t>Query</a:t>
+                      </a:r>
+                      <a:r>
+                        <a:rPr lang="ko-KR" altLang="en-US" sz="800" b="0" dirty="0" smtClean="0"/>
+                        <a:t>문 중에</a:t>
+                      </a:r>
+                      <a:r>
+                        <a:rPr lang="en-US" altLang="ko-KR" sz="800" b="0" dirty="0" smtClean="0"/>
+                        <a:t>Where</a:t>
+                      </a:r>
+                      <a:r>
+                        <a:rPr lang="ko-KR" altLang="en-US" sz="800" b="0" dirty="0" smtClean="0"/>
+                        <a:t>절 </a:t>
+                      </a:r>
+                      <a:r>
+                        <a:rPr lang="ko-KR" altLang="en-US" sz="800" b="0" dirty="0" err="1" smtClean="0"/>
+                        <a:t>조건절</a:t>
+                      </a:r>
+                      <a:r>
+                        <a:rPr lang="ko-KR" altLang="en-US" sz="800" b="0" dirty="0" smtClean="0"/>
+                        <a:t> 중에서 바인딩</a:t>
+                      </a:r>
+                      <a:r>
+                        <a:rPr lang="en-US" altLang="ko-KR" sz="800" b="0" dirty="0" smtClean="0"/>
+                        <a:t>(“:”) </a:t>
+                      </a:r>
+                      <a:r>
+                        <a:rPr lang="ko-KR" altLang="en-US" sz="800" b="0" dirty="0" smtClean="0"/>
+                        <a:t>처리 </a:t>
+                      </a:r>
+                    </a:p>
+                  </a:txBody>
+                  <a:tcPr marL="45720" marR="45720" anchor="ctr"/>
+                </a:tc>
+                <a:extLst>
+                  <a:ext uri="{0D108BD9-81ED-4DB2-BD59-A6C34878D82A}">
+                    <a16:rowId xmlns:a16="http://schemas.microsoft.com/office/drawing/2014/main" val="2289168842"/>
+                  </a:ext>
+                </a:extLst>
+              </a:tr>
+            </a:tbl>
+          </a:graphicData>
+        </a:graphic>
+      </p:graphicFrame>
+      <p:sp>
+        <p:nvSpPr>
+          <p:cNvPr id="2" name="직사각형 1"/>
+          <p:cNvSpPr/>
+          <p:nvPr/>
+        </p:nvSpPr>
+        <p:spPr>
+          <a:xfrm>
+            <a:off x="990352" y="3625060"/>
+            <a:ext cx="5942867" cy="1446550"/>
+          </a:xfrm>
+          <a:prstGeom prst="rect">
+            <a:avLst/>
+          </a:prstGeom>
+          <a:ln>
+            <a:solidFill>
+              <a:schemeClr val="bg1">
+                <a:lumMod val="85000"/>
+              </a:schemeClr>
+            </a:solidFill>
+          </a:ln>
+        </p:spPr>
+        <p:txBody>
+          <a:bodyPr wrap="square">
+            <a:spAutoFit/>
+          </a:bodyPr>
+          <a:lstStyle/>
+          <a:p>
+            <a:r>
+              <a:rPr lang="en-US" altLang="ko-KR" sz="800" dirty="0"/>
+              <a:t>// </a:t>
+            </a:r>
+            <a:r>
+              <a:rPr lang="en-US" altLang="ko-KR" sz="800" dirty="0" err="1"/>
+              <a:t>eqp_no_condition</a:t>
+            </a:r>
+            <a:r>
+              <a:rPr lang="en-US" altLang="ko-KR" sz="800" dirty="0"/>
+              <a:t> = </a:t>
+            </a:r>
+            <a:r>
+              <a:rPr lang="en-US" altLang="ko-KR" sz="800" dirty="0" err="1"/>
+              <a:t>get_eqp_no_condition</a:t>
+            </a:r>
+            <a:r>
+              <a:rPr lang="en-US" altLang="ko-KR" sz="800" dirty="0"/>
+              <a:t>(</a:t>
+            </a:r>
+            <a:r>
+              <a:rPr lang="en-US" altLang="ko-KR" sz="800" dirty="0" err="1"/>
+              <a:t>pmmode_eqp_no</a:t>
+            </a:r>
+            <a:r>
+              <a:rPr lang="en-US" altLang="ko-KR" sz="800" dirty="0"/>
+              <a:t>);</a:t>
+            </a:r>
+          </a:p>
+          <a:p>
+            <a:r>
+              <a:rPr lang="en-US" altLang="ko-KR" sz="800" dirty="0"/>
+              <a:t>query = "UPDATE /*</a:t>
+            </a:r>
+            <a:r>
+              <a:rPr lang="en-US" altLang="ko-KR" sz="800" dirty="0" err="1"/>
+              <a:t>PMMODE.ctl</a:t>
+            </a:r>
+            <a:r>
+              <a:rPr lang="en-US" altLang="ko-KR" sz="800" dirty="0"/>
+              <a:t>-20210513-SIT*/ </a:t>
+            </a:r>
+            <a:r>
+              <a:rPr lang="en-US" altLang="ko-KR" sz="800" dirty="0" err="1"/>
+              <a:t>TN_CM_PM_APPR</a:t>
+            </a:r>
+            <a:r>
+              <a:rPr lang="en-US" altLang="ko-KR" sz="800" dirty="0"/>
+              <a:t>" +</a:t>
+            </a:r>
+          </a:p>
+          <a:p>
+            <a:r>
+              <a:rPr lang="en-US" altLang="ko-KR" sz="800" dirty="0"/>
+              <a:t>        " SET </a:t>
+            </a:r>
+            <a:r>
+              <a:rPr lang="en-US" altLang="ko-KR" sz="800" dirty="0" err="1"/>
+              <a:t>PM_EXT_NOTIFY_YN</a:t>
+            </a:r>
+            <a:r>
+              <a:rPr lang="en-US" altLang="ko-KR" sz="800" dirty="0"/>
+              <a:t> = 'Y'," +</a:t>
+            </a:r>
+          </a:p>
+          <a:p>
+            <a:r>
+              <a:rPr lang="en-US" altLang="ko-KR" sz="800" dirty="0"/>
+              <a:t>        " </a:t>
+            </a:r>
+            <a:r>
+              <a:rPr lang="en-US" altLang="ko-KR" sz="800" dirty="0" err="1"/>
+              <a:t>MOD_DATE</a:t>
+            </a:r>
+            <a:r>
+              <a:rPr lang="en-US" altLang="ko-KR" sz="800" dirty="0"/>
+              <a:t> = </a:t>
+            </a:r>
+            <a:r>
+              <a:rPr lang="en-US" altLang="ko-KR" sz="800" dirty="0" err="1"/>
+              <a:t>TO_DATE</a:t>
+            </a:r>
+            <a:r>
+              <a:rPr lang="en-US" altLang="ko-KR" sz="800" dirty="0"/>
+              <a:t>(:</a:t>
+            </a:r>
+            <a:r>
+              <a:rPr lang="en-US" altLang="ko-KR" sz="800" dirty="0" err="1"/>
+              <a:t>mod_date</a:t>
+            </a:r>
+            <a:r>
+              <a:rPr lang="en-US" altLang="ko-KR" sz="800" dirty="0"/>
+              <a:t>, '</a:t>
+            </a:r>
+            <a:r>
+              <a:rPr lang="en-US" altLang="ko-KR" sz="800" dirty="0" err="1"/>
+              <a:t>YYYY.MM.DD</a:t>
+            </a:r>
+            <a:r>
+              <a:rPr lang="en-US" altLang="ko-KR" sz="800" dirty="0"/>
+              <a:t> </a:t>
+            </a:r>
+            <a:r>
+              <a:rPr lang="en-US" altLang="ko-KR" sz="800" dirty="0" err="1"/>
+              <a:t>HH24:MI:SS</a:t>
+            </a:r>
+            <a:r>
+              <a:rPr lang="en-US" altLang="ko-KR" sz="800" dirty="0"/>
+              <a:t>')," +</a:t>
+            </a:r>
+          </a:p>
+          <a:p>
+            <a:r>
+              <a:rPr lang="en-US" altLang="ko-KR" sz="800" dirty="0"/>
+              <a:t>        " </a:t>
+            </a:r>
+            <a:r>
+              <a:rPr lang="en-US" altLang="ko-KR" sz="800" dirty="0" err="1"/>
+              <a:t>MOD_USER_ID</a:t>
+            </a:r>
+            <a:r>
+              <a:rPr lang="en-US" altLang="ko-KR" sz="800" dirty="0"/>
+              <a:t> = </a:t>
+            </a:r>
+            <a:r>
+              <a:rPr lang="en-US" altLang="ko-KR" sz="800" dirty="0" smtClean="0"/>
+              <a:t>" +  </a:t>
+            </a:r>
+            <a:r>
+              <a:rPr lang="en-US" altLang="ko-KR" sz="800" dirty="0" err="1" smtClean="0"/>
+              <a:t>get_user_id</a:t>
+            </a:r>
+            <a:r>
+              <a:rPr lang="en-US" altLang="ko-KR" sz="800" dirty="0" smtClean="0"/>
+              <a:t> +  </a:t>
+            </a:r>
+            <a:r>
+              <a:rPr lang="en-US" altLang="ko-KR" sz="800" dirty="0"/>
+              <a:t>" WHERE </a:t>
+            </a:r>
+            <a:r>
+              <a:rPr lang="en-US" altLang="ko-KR" sz="800" dirty="0" err="1"/>
+              <a:t>EQP_NO</a:t>
+            </a:r>
+            <a:r>
+              <a:rPr lang="en-US" altLang="ko-KR" sz="800" dirty="0"/>
+              <a:t> IN (" </a:t>
+            </a:r>
+            <a:r>
+              <a:rPr lang="en-US" altLang="ko-KR" sz="800" dirty="0" smtClean="0"/>
+              <a:t>+               </a:t>
+            </a:r>
+            <a:r>
+              <a:rPr lang="en-US" altLang="ko-KR" sz="800" b="1" dirty="0" smtClean="0">
+                <a:solidFill>
+                  <a:srgbClr val="0000FF"/>
+                </a:solidFill>
+              </a:rPr>
+              <a:t>//Query Where</a:t>
+            </a:r>
+            <a:r>
+              <a:rPr lang="ko-KR" altLang="en-US" sz="800" b="1" dirty="0" smtClean="0">
+                <a:solidFill>
+                  <a:srgbClr val="0000FF"/>
+                </a:solidFill>
+              </a:rPr>
+              <a:t>절  </a:t>
+            </a:r>
+            <a:r>
+              <a:rPr lang="ko-KR" altLang="en-US" sz="800" b="1" dirty="0" err="1" smtClean="0">
+                <a:solidFill>
+                  <a:srgbClr val="0000FF"/>
+                </a:solidFill>
+              </a:rPr>
+              <a:t>조건절에서</a:t>
+            </a:r>
+            <a:r>
+              <a:rPr lang="ko-KR" altLang="en-US" sz="800" b="1" dirty="0" smtClean="0">
+                <a:solidFill>
+                  <a:srgbClr val="0000FF"/>
+                </a:solidFill>
+              </a:rPr>
+              <a:t> </a:t>
+            </a:r>
+            <a:r>
+              <a:rPr lang="en-US" altLang="ko-KR" sz="800" b="1" dirty="0" smtClean="0">
+                <a:solidFill>
+                  <a:srgbClr val="0000FF"/>
+                </a:solidFill>
+              </a:rPr>
+              <a:t>“:” </a:t>
+            </a:r>
+            <a:r>
+              <a:rPr lang="ko-KR" altLang="en-US" sz="800" b="1" dirty="0" smtClean="0">
+                <a:solidFill>
+                  <a:srgbClr val="0000FF"/>
+                </a:solidFill>
+              </a:rPr>
+              <a:t>바인딩 처리 확인</a:t>
+            </a:r>
+            <a:endParaRPr lang="en-US" altLang="ko-KR" sz="800" b="1" dirty="0" smtClean="0">
+              <a:solidFill>
+                <a:srgbClr val="0000FF"/>
+              </a:solidFill>
+            </a:endParaRPr>
+          </a:p>
+          <a:p>
+            <a:r>
+              <a:rPr lang="en-US" altLang="ko-KR" sz="800" dirty="0" smtClean="0"/>
+              <a:t>        </a:t>
+            </a:r>
+            <a:r>
+              <a:rPr lang="en-US" altLang="ko-KR" sz="800" dirty="0" err="1" smtClean="0"/>
+              <a:t>EQP_NO_CONDITION</a:t>
+            </a:r>
+            <a:r>
+              <a:rPr lang="en-US" altLang="ko-KR" sz="800" dirty="0" smtClean="0"/>
+              <a:t> + ")";	</a:t>
+            </a:r>
+            <a:br>
+              <a:rPr lang="en-US" altLang="ko-KR" sz="800" dirty="0" smtClean="0"/>
+            </a:br>
+            <a:endParaRPr lang="en-US" altLang="ko-KR" sz="800" dirty="0" smtClean="0"/>
+          </a:p>
+          <a:p>
+            <a:r>
+              <a:rPr lang="en-US" altLang="ko-KR" sz="800" dirty="0" err="1" smtClean="0"/>
+              <a:t>dynClear</a:t>
+            </a:r>
+            <a:r>
+              <a:rPr lang="en-US" altLang="ko-KR" sz="800" dirty="0" smtClean="0"/>
+              <a:t>(</a:t>
+            </a:r>
+            <a:r>
+              <a:rPr lang="en-US" altLang="ko-KR" sz="800" dirty="0" err="1" smtClean="0"/>
+              <a:t>dsParams</a:t>
+            </a:r>
+            <a:r>
+              <a:rPr lang="en-US" altLang="ko-KR" sz="800" dirty="0"/>
+              <a:t>);</a:t>
+            </a:r>
+          </a:p>
+          <a:p>
+            <a:r>
+              <a:rPr lang="en-US" altLang="ko-KR" sz="800" dirty="0" err="1"/>
+              <a:t>dynAppend</a:t>
+            </a:r>
+            <a:r>
+              <a:rPr lang="en-US" altLang="ko-KR" sz="800" dirty="0"/>
+              <a:t>(</a:t>
+            </a:r>
+            <a:r>
+              <a:rPr lang="en-US" altLang="ko-KR" sz="800" dirty="0" err="1"/>
+              <a:t>dsParams</a:t>
+            </a:r>
+            <a:r>
+              <a:rPr lang="en-US" altLang="ko-KR" sz="800" dirty="0"/>
+              <a:t>, </a:t>
+            </a:r>
+            <a:r>
+              <a:rPr lang="en-US" altLang="ko-KR" sz="800" dirty="0" err="1"/>
+              <a:t>set_time</a:t>
+            </a:r>
+            <a:r>
+              <a:rPr lang="en-US" altLang="ko-KR" sz="800" dirty="0"/>
+              <a:t>);</a:t>
+            </a:r>
+          </a:p>
+          <a:p>
+            <a:r>
+              <a:rPr lang="en-US" altLang="ko-KR" sz="800" dirty="0" err="1"/>
+              <a:t>dynAppend</a:t>
+            </a:r>
+            <a:r>
+              <a:rPr lang="en-US" altLang="ko-KR" sz="800" dirty="0"/>
+              <a:t>(</a:t>
+            </a:r>
+            <a:r>
+              <a:rPr lang="en-US" altLang="ko-KR" sz="800" dirty="0" err="1"/>
+              <a:t>dsParams</a:t>
+            </a:r>
+            <a:r>
+              <a:rPr lang="en-US" altLang="ko-KR" sz="800" dirty="0"/>
+              <a:t>, </a:t>
+            </a:r>
+            <a:r>
+              <a:rPr lang="en-US" altLang="ko-KR" sz="800" dirty="0" err="1"/>
+              <a:t>MOD_USER_ID</a:t>
+            </a:r>
+            <a:r>
+              <a:rPr lang="en-US" altLang="ko-KR" sz="800" dirty="0"/>
+              <a:t>);</a:t>
+            </a:r>
+          </a:p>
+          <a:p>
+            <a:r>
+              <a:rPr lang="en-US" altLang="ko-KR" sz="800" dirty="0"/>
+              <a:t>if (</a:t>
+            </a:r>
+            <a:r>
+              <a:rPr lang="en-US" altLang="ko-KR" sz="800" dirty="0" err="1"/>
+              <a:t>is_updateQuery</a:t>
+            </a:r>
+            <a:r>
+              <a:rPr lang="en-US" altLang="ko-KR" sz="800" dirty="0"/>
+              <a:t>(query, </a:t>
+            </a:r>
+            <a:r>
+              <a:rPr lang="en-US" altLang="ko-KR" sz="800" dirty="0" err="1"/>
+              <a:t>dsParams</a:t>
+            </a:r>
+            <a:r>
+              <a:rPr lang="en-US" altLang="ko-KR" sz="800" dirty="0"/>
+              <a:t>, </a:t>
+            </a:r>
+            <a:r>
+              <a:rPr lang="en-US" altLang="ko-KR" sz="800" dirty="0" err="1"/>
+              <a:t>pmmode_eqp_no</a:t>
+            </a:r>
+            <a:r>
+              <a:rPr lang="en-US" altLang="ko-KR" sz="800" dirty="0"/>
+              <a:t>) == true) </a:t>
+            </a:r>
+            <a:r>
+              <a:rPr lang="en-US" altLang="ko-KR" sz="800" dirty="0" smtClean="0"/>
+              <a:t>{...</a:t>
+            </a:r>
+            <a:endParaRPr lang="ko-KR" altLang="en-US" sz="800" dirty="0"/>
+          </a:p>
+        </p:txBody>
+      </p:sp>
+      <p:sp>
+        <p:nvSpPr>
+          <p:cNvPr id="9" name="폭발 2 8"/>
+          <p:cNvSpPr/>
+          <p:nvPr/>
+        </p:nvSpPr>
+        <p:spPr>
+          <a:xfrm>
+            <a:off x="990352" y="5265204"/>
+            <a:ext cx="4142668" cy="795290"/>
+          </a:xfrm>
+          <a:prstGeom prst="irregularSeal2">
+            <a:avLst/>
+          </a:prstGeom>
+        </p:spPr>
+        <p:style>
+          <a:lnRef idx="2">
+            <a:schemeClr val="accent2">
+              <a:shade val="50000"/>
+            </a:schemeClr>
+          </a:lnRef>
+          <a:fillRef idx="1">
+            <a:schemeClr val="accent2"/>
+          </a:fillRef>
+          <a:effectRef idx="0">
+            <a:schemeClr val="accent2"/>
+          </a:effectRef>
+          <a:fontRef idx="minor">
+            <a:schemeClr val="lt1"/>
+          </a:fontRef>
+        </p:style>
+        <p:txBody>
+          <a:bodyPr rtlCol="0" anchor="ctr"/>
+          <a:lstStyle/>
+          <a:p>
+            <a:pPr algn="ctr"/>
+            <a:r>
+              <a:rPr lang="en-US" altLang="ko-KR" sz="800" dirty="0" smtClean="0"/>
+              <a:t>Query</a:t>
+            </a:r>
+            <a:r>
+              <a:rPr lang="ko-KR" altLang="en-US" sz="800" dirty="0" smtClean="0"/>
+              <a:t>문이 다른 파일 </a:t>
+            </a:r>
+            <a:r>
+              <a:rPr lang="en-US" altLang="ko-KR" sz="800" dirty="0" smtClean="0"/>
+              <a:t>or </a:t>
+            </a:r>
+            <a:r>
+              <a:rPr lang="ko-KR" altLang="en-US" sz="800" dirty="0" smtClean="0"/>
+              <a:t>다른 변수 </a:t>
+            </a:r>
+            <a:r>
+              <a:rPr lang="en-US" altLang="ko-KR" sz="800" dirty="0" smtClean="0"/>
+              <a:t/>
+            </a:r>
+            <a:br>
+              <a:rPr lang="en-US" altLang="ko-KR" sz="800" dirty="0" smtClean="0"/>
+            </a:br>
+            <a:r>
+              <a:rPr lang="ko-KR" altLang="en-US" sz="800" dirty="0" smtClean="0"/>
+              <a:t>분리된 경우 어려움</a:t>
+            </a:r>
+            <a:endParaRPr lang="ko-KR" altLang="en-US" sz="800" dirty="0"/>
+          </a:p>
+        </p:txBody>
+      </p:sp>
+    </p:spTree>
+    <p:extLst>
+      <p:ext uri="{BB962C8B-B14F-4D97-AF65-F5344CB8AC3E}">
+        <p14:creationId xmlns:p14="http://schemas.microsoft.com/office/powerpoint/2010/main" val="1454596280"/>
       </p:ext>
     </p:extLst>
   </p:cSld>
@@ -14844,1086 +15703,6 @@
                 </a:ln>
                 <a:sym typeface="Wingdings" panose="05000000000000000000" pitchFamily="2" charset="2"/>
               </a:rPr>
-              <a:t>⑤ </a:t>
-            </a:r>
-            <a:r>
-              <a:rPr lang="en-US" altLang="ko-KR" sz="1200" dirty="0" smtClean="0">
-                <a:ln>
-                  <a:solidFill>
-                    <a:schemeClr val="tx1">
-                      <a:lumMod val="50000"/>
-                      <a:lumOff val="50000"/>
-                      <a:alpha val="0"/>
-                    </a:schemeClr>
-                  </a:solidFill>
-                </a:ln>
-                <a:sym typeface="Wingdings" panose="05000000000000000000" pitchFamily="2" charset="2"/>
-              </a:rPr>
-              <a:t>DB Query </a:t>
-            </a:r>
-            <a:r>
-              <a:rPr lang="ko-KR" altLang="en-US" sz="1200" dirty="0" smtClean="0">
-                <a:ln>
-                  <a:solidFill>
-                    <a:schemeClr val="tx1">
-                      <a:lumMod val="50000"/>
-                      <a:lumOff val="50000"/>
-                      <a:alpha val="0"/>
-                    </a:schemeClr>
-                  </a:solidFill>
-                </a:ln>
-                <a:sym typeface="Wingdings" panose="05000000000000000000" pitchFamily="2" charset="2"/>
-              </a:rPr>
-              <a:t>바인딩 처리 확인</a:t>
-            </a:r>
-            <a:endParaRPr lang="en-US" altLang="ko-KR" sz="1200" dirty="0" smtClean="0">
-              <a:ln>
-                <a:solidFill>
-                  <a:schemeClr val="tx1">
-                    <a:lumMod val="50000"/>
-                    <a:lumOff val="50000"/>
-                    <a:alpha val="0"/>
-                  </a:schemeClr>
-                </a:solidFill>
-              </a:ln>
-              <a:sym typeface="Wingdings" panose="05000000000000000000" pitchFamily="2" charset="2"/>
-            </a:endParaRPr>
-          </a:p>
-          <a:p>
-            <a:pPr marL="914400" lvl="3">
-              <a:lnSpc>
-                <a:spcPct val="150000"/>
-              </a:lnSpc>
-            </a:pPr>
-            <a:r>
-              <a:rPr lang="en-US" altLang="ko-KR" sz="1200" dirty="0" smtClean="0">
-                <a:ln>
-                  <a:solidFill>
-                    <a:schemeClr val="tx1">
-                      <a:lumMod val="50000"/>
-                      <a:lumOff val="50000"/>
-                      <a:alpha val="0"/>
-                    </a:schemeClr>
-                  </a:solidFill>
-                </a:ln>
-                <a:sym typeface="Wingdings" panose="05000000000000000000" pitchFamily="2" charset="2"/>
-              </a:rPr>
-              <a:t>- DB Query</a:t>
-            </a:r>
-            <a:r>
-              <a:rPr lang="ko-KR" altLang="en-US" sz="1200" dirty="0" smtClean="0">
-                <a:ln>
-                  <a:solidFill>
-                    <a:schemeClr val="tx1">
-                      <a:lumMod val="50000"/>
-                      <a:lumOff val="50000"/>
-                      <a:alpha val="0"/>
-                    </a:schemeClr>
-                  </a:solidFill>
-                </a:ln>
-                <a:sym typeface="Wingdings" panose="05000000000000000000" pitchFamily="2" charset="2"/>
-              </a:rPr>
-              <a:t>문 중에 </a:t>
-            </a:r>
-            <a:r>
-              <a:rPr lang="en-US" altLang="ko-KR" sz="1200" dirty="0" smtClean="0">
-                <a:ln>
-                  <a:solidFill>
-                    <a:schemeClr val="tx1">
-                      <a:lumMod val="50000"/>
-                      <a:lumOff val="50000"/>
-                      <a:alpha val="0"/>
-                    </a:schemeClr>
-                  </a:solidFill>
-                </a:ln>
-                <a:sym typeface="Wingdings" panose="05000000000000000000" pitchFamily="2" charset="2"/>
-              </a:rPr>
-              <a:t>Where </a:t>
-            </a:r>
-            <a:r>
-              <a:rPr lang="ko-KR" altLang="en-US" sz="1200" dirty="0" smtClean="0">
-                <a:ln>
-                  <a:solidFill>
-                    <a:schemeClr val="tx1">
-                      <a:lumMod val="50000"/>
-                      <a:lumOff val="50000"/>
-                      <a:alpha val="0"/>
-                    </a:schemeClr>
-                  </a:solidFill>
-                </a:ln>
-                <a:sym typeface="Wingdings" panose="05000000000000000000" pitchFamily="2" charset="2"/>
-              </a:rPr>
-              <a:t>절 바인딩 적용 확인</a:t>
-            </a:r>
-            <a:endParaRPr lang="en-US" altLang="ko-KR" b="1" dirty="0" smtClean="0">
-              <a:ln>
-                <a:solidFill>
-                  <a:schemeClr val="tx1">
-                    <a:lumMod val="50000"/>
-                    <a:lumOff val="50000"/>
-                    <a:alpha val="0"/>
-                  </a:schemeClr>
-                </a:solidFill>
-              </a:ln>
-              <a:solidFill>
-                <a:srgbClr val="E9520B"/>
-              </a:solidFill>
-            </a:endParaRPr>
-          </a:p>
-        </p:txBody>
-      </p:sp>
-      <p:sp>
-        <p:nvSpPr>
-          <p:cNvPr id="6" name="제목 1"/>
-          <p:cNvSpPr>
-            <a:spLocks noGrp="1"/>
-          </p:cNvSpPr>
-          <p:nvPr>
-            <p:ph type="title" idx="4294967295"/>
-          </p:nvPr>
-        </p:nvSpPr>
-        <p:spPr>
-          <a:xfrm>
-            <a:off x="452500" y="224644"/>
-            <a:ext cx="6858903" cy="504056"/>
-          </a:xfrm>
-          <a:ln>
-            <a:noFill/>
-          </a:ln>
-        </p:spPr>
-        <p:txBody>
-          <a:bodyPr>
-            <a:normAutofit/>
-          </a:bodyPr>
-          <a:lstStyle/>
-          <a:p>
-            <a:r>
-              <a:rPr lang="en-US" altLang="ko-KR" sz="2800" b="1" dirty="0" smtClean="0">
-                <a:ln>
-                  <a:solidFill>
-                    <a:prstClr val="white">
-                      <a:alpha val="0"/>
-                    </a:prstClr>
-                  </a:solidFill>
-                </a:ln>
-                <a:solidFill>
-                  <a:prstClr val="white">
-                    <a:lumMod val="50000"/>
-                  </a:prstClr>
-                </a:solidFill>
-                <a:latin typeface="+mn-ea"/>
-                <a:ea typeface="+mn-ea"/>
-              </a:rPr>
-              <a:t>UI</a:t>
-            </a:r>
-            <a:r>
-              <a:rPr lang="ko-KR" altLang="en-US" sz="2800" b="1" dirty="0" smtClean="0">
-                <a:ln>
-                  <a:solidFill>
-                    <a:prstClr val="white">
-                      <a:alpha val="0"/>
-                    </a:prstClr>
-                  </a:solidFill>
-                </a:ln>
-                <a:solidFill>
-                  <a:prstClr val="white">
-                    <a:lumMod val="50000"/>
-                  </a:prstClr>
-                </a:solidFill>
-                <a:latin typeface="+mn-ea"/>
-                <a:ea typeface="+mn-ea"/>
-              </a:rPr>
-              <a:t> 설계</a:t>
-            </a:r>
-            <a:endParaRPr lang="ko-KR" altLang="en-US" sz="2800" b="1" dirty="0">
-              <a:latin typeface="+mn-ea"/>
-              <a:ea typeface="+mn-ea"/>
-            </a:endParaRPr>
-          </a:p>
-        </p:txBody>
-      </p:sp>
-      <p:graphicFrame>
-        <p:nvGraphicFramePr>
-          <p:cNvPr id="7" name="표 6"/>
-          <p:cNvGraphicFramePr>
-            <a:graphicFrameLocks noGrp="1"/>
-          </p:cNvGraphicFramePr>
-          <p:nvPr>
-            <p:extLst>
-              <p:ext uri="{D42A27DB-BD31-4B8C-83A1-F6EECF244321}">
-                <p14:modId xmlns:p14="http://schemas.microsoft.com/office/powerpoint/2010/main" val="2155201434"/>
-              </p:ext>
-            </p:extLst>
-          </p:nvPr>
-        </p:nvGraphicFramePr>
-        <p:xfrm>
-          <a:off x="992560" y="2501028"/>
-          <a:ext cx="7866733" cy="724774"/>
-        </p:xfrm>
-        <a:graphic>
-          <a:graphicData uri="http://schemas.openxmlformats.org/drawingml/2006/table">
-            <a:tbl>
-              <a:tblPr>
-                <a:tableStyleId>{616DA210-FB5B-4158-B5E0-FEB733F419BA}</a:tableStyleId>
-              </a:tblPr>
-              <a:tblGrid>
-                <a:gridCol w="827955">
-                  <a:extLst>
-                    <a:ext uri="{9D8B030D-6E8A-4147-A177-3AD203B41FA5}">
-                      <a16:colId xmlns:a16="http://schemas.microsoft.com/office/drawing/2014/main" val="3322228484"/>
-                    </a:ext>
-                  </a:extLst>
-                </a:gridCol>
-                <a:gridCol w="3077464">
-                  <a:extLst>
-                    <a:ext uri="{9D8B030D-6E8A-4147-A177-3AD203B41FA5}">
-                      <a16:colId xmlns:a16="http://schemas.microsoft.com/office/drawing/2014/main" val="3088701884"/>
-                    </a:ext>
-                  </a:extLst>
-                </a:gridCol>
-                <a:gridCol w="3961314">
-                  <a:extLst>
-                    <a:ext uri="{9D8B030D-6E8A-4147-A177-3AD203B41FA5}">
-                      <a16:colId xmlns:a16="http://schemas.microsoft.com/office/drawing/2014/main" val="1474204968"/>
-                    </a:ext>
-                  </a:extLst>
-                </a:gridCol>
-              </a:tblGrid>
-              <a:tr h="359014">
-                <a:tc>
-                  <a:txBody>
-                    <a:bodyPr/>
-                    <a:lstStyle/>
-                    <a:p>
-                      <a:pPr algn="ctr" fontAlgn="ctr"/>
-                      <a:r>
-                        <a:rPr lang="ko-KR" altLang="en-US" sz="1100" b="1" i="0" u="none" strike="noStrike" dirty="0" smtClean="0">
-                          <a:solidFill>
-                            <a:srgbClr val="000000"/>
-                          </a:solidFill>
-                          <a:effectLst/>
-                          <a:latin typeface="맑은 고딕" panose="020B0503020000020004" pitchFamily="50" charset="-127"/>
-                          <a:ea typeface="맑은 고딕" panose="020B0503020000020004" pitchFamily="50" charset="-127"/>
-                        </a:rPr>
-                        <a:t>구분</a:t>
-                      </a:r>
-                      <a:endParaRPr lang="ko-KR" altLang="en-US" sz="1100" b="1" i="0" u="none" strike="noStrike" dirty="0">
-                        <a:solidFill>
-                          <a:srgbClr val="000000"/>
-                        </a:solidFill>
-                        <a:effectLst/>
-                        <a:latin typeface="맑은 고딕" panose="020B0503020000020004" pitchFamily="50" charset="-127"/>
-                        <a:ea typeface="맑은 고딕" panose="020B0503020000020004" pitchFamily="50" charset="-127"/>
-                      </a:endParaRPr>
-                    </a:p>
-                  </a:txBody>
-                  <a:tcPr marL="9525" marR="9525" marT="9525" marB="0" anchor="ctr">
-                    <a:solidFill>
-                      <a:schemeClr val="bg1">
-                        <a:lumMod val="85000"/>
-                      </a:schemeClr>
-                    </a:solidFill>
-                  </a:tcPr>
-                </a:tc>
-                <a:tc>
-                  <a:txBody>
-                    <a:bodyPr/>
-                    <a:lstStyle/>
-                    <a:p>
-                      <a:pPr algn="ctr" fontAlgn="ctr"/>
-                      <a:r>
-                        <a:rPr lang="ko-KR" altLang="en-US" sz="1100" b="1" u="none" strike="noStrike" dirty="0" smtClean="0">
-                          <a:effectLst/>
-                        </a:rPr>
-                        <a:t>조건</a:t>
-                      </a:r>
-                      <a:endParaRPr lang="ko-KR" altLang="en-US" sz="1100" b="1" i="0" u="none" strike="noStrike" dirty="0">
-                        <a:solidFill>
-                          <a:srgbClr val="000000"/>
-                        </a:solidFill>
-                        <a:effectLst/>
-                        <a:latin typeface="맑은 고딕" panose="020B0503020000020004" pitchFamily="50" charset="-127"/>
-                        <a:ea typeface="맑은 고딕" panose="020B0503020000020004" pitchFamily="50" charset="-127"/>
-                      </a:endParaRPr>
-                    </a:p>
-                  </a:txBody>
-                  <a:tcPr marL="9525" marR="9525" marT="9525" marB="0" anchor="ctr">
-                    <a:solidFill>
-                      <a:schemeClr val="bg1">
-                        <a:lumMod val="85000"/>
-                      </a:schemeClr>
-                    </a:solidFill>
-                  </a:tcPr>
-                </a:tc>
-                <a:tc>
-                  <a:txBody>
-                    <a:bodyPr/>
-                    <a:lstStyle/>
-                    <a:p>
-                      <a:pPr algn="ctr" fontAlgn="ctr"/>
-                      <a:r>
-                        <a:rPr lang="ko-KR" altLang="en-US" sz="1100" b="1" i="0" u="none" strike="noStrike" dirty="0" smtClean="0">
-                          <a:solidFill>
-                            <a:srgbClr val="000000"/>
-                          </a:solidFill>
-                          <a:effectLst/>
-                          <a:latin typeface="맑은 고딕" panose="020B0503020000020004" pitchFamily="50" charset="-127"/>
-                          <a:ea typeface="맑은 고딕" panose="020B0503020000020004" pitchFamily="50" charset="-127"/>
-                        </a:rPr>
-                        <a:t>체크 사항</a:t>
-                      </a:r>
-                      <a:endParaRPr lang="ko-KR" altLang="en-US" sz="1100" b="1" i="0" u="none" strike="noStrike" dirty="0">
-                        <a:solidFill>
-                          <a:srgbClr val="000000"/>
-                        </a:solidFill>
-                        <a:effectLst/>
-                        <a:latin typeface="맑은 고딕" panose="020B0503020000020004" pitchFamily="50" charset="-127"/>
-                        <a:ea typeface="맑은 고딕" panose="020B0503020000020004" pitchFamily="50" charset="-127"/>
-                      </a:endParaRPr>
-                    </a:p>
-                  </a:txBody>
-                  <a:tcPr marL="9525" marR="9525" marT="9525" marB="0" anchor="ctr">
-                    <a:solidFill>
-                      <a:schemeClr val="bg1">
-                        <a:lumMod val="85000"/>
-                      </a:schemeClr>
-                    </a:solidFill>
-                  </a:tcPr>
-                </a:tc>
-                <a:extLst>
-                  <a:ext uri="{0D108BD9-81ED-4DB2-BD59-A6C34878D82A}">
-                    <a16:rowId xmlns:a16="http://schemas.microsoft.com/office/drawing/2014/main" val="1185981779"/>
-                  </a:ext>
-                </a:extLst>
-              </a:tr>
-              <a:tr h="306547">
-                <a:tc>
-                  <a:txBody>
-                    <a:bodyPr/>
-                    <a:lstStyle/>
-                    <a:p>
-                      <a:pPr algn="ctr" fontAlgn="ctr"/>
-                      <a:r>
-                        <a:rPr lang="ko-KR" altLang="en-US" sz="1100" b="1" i="0" u="none" strike="noStrike" dirty="0" smtClean="0">
-                          <a:solidFill>
-                            <a:srgbClr val="000000"/>
-                          </a:solidFill>
-                          <a:effectLst/>
-                          <a:latin typeface="맑은 고딕" panose="020B0503020000020004" pitchFamily="50" charset="-127"/>
-                          <a:ea typeface="맑은 고딕" panose="020B0503020000020004" pitchFamily="50" charset="-127"/>
-                        </a:rPr>
-                        <a:t>검증 방법</a:t>
-                      </a:r>
-                      <a:endParaRPr lang="ko-KR" altLang="en-US" sz="1100" b="1" i="0" u="none" strike="noStrike" dirty="0">
-                        <a:solidFill>
-                          <a:srgbClr val="000000"/>
-                        </a:solidFill>
-                        <a:effectLst/>
-                        <a:latin typeface="맑은 고딕" panose="020B0503020000020004" pitchFamily="50" charset="-127"/>
-                        <a:ea typeface="맑은 고딕" panose="020B0503020000020004" pitchFamily="50" charset="-127"/>
-                      </a:endParaRPr>
-                    </a:p>
-                  </a:txBody>
-                  <a:tcPr marL="9525" marR="9525" marT="9525" marB="0" anchor="ctr">
-                    <a:solidFill>
-                      <a:schemeClr val="bg1">
-                        <a:lumMod val="85000"/>
-                      </a:schemeClr>
-                    </a:solidFill>
-                  </a:tcPr>
-                </a:tc>
-                <a:tc>
-                  <a:txBody>
-                    <a:bodyPr/>
-                    <a:lstStyle/>
-                    <a:p>
-                      <a:pPr lvl="0" algn="l" fontAlgn="ctr"/>
-                      <a:r>
-                        <a:rPr lang="en-US" altLang="ko-KR" sz="900" b="0" i="0" u="none" strike="noStrike" dirty="0" smtClean="0">
-                          <a:solidFill>
-                            <a:srgbClr val="000000"/>
-                          </a:solidFill>
-                          <a:effectLst/>
-                          <a:latin typeface="맑은 고딕" panose="020B0503020000020004" pitchFamily="50" charset="-127"/>
-                          <a:ea typeface="맑은 고딕" panose="020B0503020000020004" pitchFamily="50" charset="-127"/>
-                        </a:rPr>
-                        <a:t>Query</a:t>
-                      </a:r>
-                      <a:r>
-                        <a:rPr lang="ko-KR" altLang="en-US" sz="900" b="0" i="0" u="none" strike="noStrike" baseline="0" dirty="0" smtClean="0">
-                          <a:solidFill>
-                            <a:srgbClr val="000000"/>
-                          </a:solidFill>
-                          <a:effectLst/>
-                          <a:latin typeface="맑은 고딕" panose="020B0503020000020004" pitchFamily="50" charset="-127"/>
-                          <a:ea typeface="맑은 고딕" panose="020B0503020000020004" pitchFamily="50" charset="-127"/>
-                        </a:rPr>
-                        <a:t>문 문자열 확인</a:t>
-                      </a:r>
-                      <a:r>
-                        <a:rPr lang="en-US" altLang="ko-KR" sz="900" b="0" i="0" u="none" strike="noStrike" baseline="0" dirty="0" smtClean="0">
-                          <a:solidFill>
-                            <a:srgbClr val="000000"/>
-                          </a:solidFill>
-                          <a:effectLst/>
-                          <a:latin typeface="맑은 고딕" panose="020B0503020000020004" pitchFamily="50" charset="-127"/>
-                          <a:ea typeface="맑은 고딕" panose="020B0503020000020004" pitchFamily="50" charset="-127"/>
-                        </a:rPr>
-                        <a:t/>
-                      </a:r>
-                      <a:br>
-                        <a:rPr lang="en-US" altLang="ko-KR" sz="900" b="0" i="0" u="none" strike="noStrike" baseline="0" dirty="0" smtClean="0">
-                          <a:solidFill>
-                            <a:srgbClr val="000000"/>
-                          </a:solidFill>
-                          <a:effectLst/>
-                          <a:latin typeface="맑은 고딕" panose="020B0503020000020004" pitchFamily="50" charset="-127"/>
-                          <a:ea typeface="맑은 고딕" panose="020B0503020000020004" pitchFamily="50" charset="-127"/>
-                        </a:rPr>
-                      </a:br>
-                      <a:r>
-                        <a:rPr lang="en-US" altLang="ko-KR" sz="900" b="0" i="0" u="none" strike="noStrike" baseline="0" dirty="0" smtClean="0">
-                          <a:solidFill>
-                            <a:srgbClr val="000000"/>
-                          </a:solidFill>
-                          <a:effectLst/>
-                          <a:latin typeface="맑은 고딕" panose="020B0503020000020004" pitchFamily="50" charset="-127"/>
-                          <a:ea typeface="맑은 고딕" panose="020B0503020000020004" pitchFamily="50" charset="-127"/>
-                        </a:rPr>
-                        <a:t>- INSERT, SELECT, UPDATE, MERGE </a:t>
-                      </a:r>
-                      <a:r>
-                        <a:rPr lang="ko-KR" altLang="en-US" sz="900" b="0" i="0" u="none" strike="noStrike" baseline="0" dirty="0" smtClean="0">
-                          <a:solidFill>
-                            <a:srgbClr val="000000"/>
-                          </a:solidFill>
-                          <a:effectLst/>
-                          <a:latin typeface="맑은 고딕" panose="020B0503020000020004" pitchFamily="50" charset="-127"/>
-                          <a:ea typeface="맑은 고딕" panose="020B0503020000020004" pitchFamily="50" charset="-127"/>
-                        </a:rPr>
-                        <a:t>명령어 확인</a:t>
-                      </a:r>
-                      <a:endParaRPr lang="en-US" altLang="ko-KR" sz="900" b="0" i="0" u="none" strike="noStrike" dirty="0" smtClean="0">
-                        <a:solidFill>
-                          <a:srgbClr val="000000"/>
-                        </a:solidFill>
-                        <a:effectLst/>
-                        <a:latin typeface="맑은 고딕" panose="020B0503020000020004" pitchFamily="50" charset="-127"/>
-                        <a:ea typeface="맑은 고딕" panose="020B0503020000020004" pitchFamily="50" charset="-127"/>
-                      </a:endParaRPr>
-                    </a:p>
-                  </a:txBody>
-                  <a:tcPr marL="45720" marR="45720" anchor="ctr"/>
-                </a:tc>
-                <a:tc>
-                  <a:txBody>
-                    <a:bodyPr/>
-                    <a:lstStyle/>
-                    <a:p>
-                      <a:pPr marL="0" marR="0" lvl="0" indent="0" algn="l" defTabSz="914400" rtl="0" eaLnBrk="1" fontAlgn="ctr" latinLnBrk="1" hangingPunct="1">
-                        <a:lnSpc>
-                          <a:spcPct val="100000"/>
-                        </a:lnSpc>
-                        <a:spcBef>
-                          <a:spcPts val="0"/>
-                        </a:spcBef>
-                        <a:spcAft>
-                          <a:spcPts val="0"/>
-                        </a:spcAft>
-                        <a:buClrTx/>
-                        <a:buSzTx/>
-                        <a:buFontTx/>
-                        <a:buNone/>
-                        <a:tabLst/>
-                        <a:defRPr/>
-                      </a:pPr>
-                      <a:r>
-                        <a:rPr lang="en-US" altLang="ko-KR" sz="800" b="0" dirty="0" smtClean="0"/>
-                        <a:t>Query</a:t>
-                      </a:r>
-                      <a:r>
-                        <a:rPr lang="ko-KR" altLang="en-US" sz="800" b="0" dirty="0" smtClean="0"/>
-                        <a:t>문 중에</a:t>
-                      </a:r>
-                      <a:r>
-                        <a:rPr lang="en-US" altLang="ko-KR" sz="800" b="0" dirty="0" smtClean="0"/>
-                        <a:t>Where</a:t>
-                      </a:r>
-                      <a:r>
-                        <a:rPr lang="ko-KR" altLang="en-US" sz="800" b="0" dirty="0" smtClean="0"/>
-                        <a:t>절 </a:t>
-                      </a:r>
-                      <a:r>
-                        <a:rPr lang="ko-KR" altLang="en-US" sz="800" b="0" dirty="0" err="1" smtClean="0"/>
-                        <a:t>조건절</a:t>
-                      </a:r>
-                      <a:r>
-                        <a:rPr lang="ko-KR" altLang="en-US" sz="800" b="0" dirty="0" smtClean="0"/>
-                        <a:t> 중에서 바인딩</a:t>
-                      </a:r>
-                      <a:r>
-                        <a:rPr lang="en-US" altLang="ko-KR" sz="800" b="0" dirty="0" smtClean="0"/>
-                        <a:t>(“:”) </a:t>
-                      </a:r>
-                      <a:r>
-                        <a:rPr lang="ko-KR" altLang="en-US" sz="800" b="0" dirty="0" smtClean="0"/>
-                        <a:t>처리 </a:t>
-                      </a:r>
-                    </a:p>
-                  </a:txBody>
-                  <a:tcPr marL="45720" marR="45720" anchor="ctr"/>
-                </a:tc>
-                <a:extLst>
-                  <a:ext uri="{0D108BD9-81ED-4DB2-BD59-A6C34878D82A}">
-                    <a16:rowId xmlns:a16="http://schemas.microsoft.com/office/drawing/2014/main" val="2289168842"/>
-                  </a:ext>
-                </a:extLst>
-              </a:tr>
-            </a:tbl>
-          </a:graphicData>
-        </a:graphic>
-      </p:graphicFrame>
-      <p:sp>
-        <p:nvSpPr>
-          <p:cNvPr id="2" name="직사각형 1"/>
-          <p:cNvSpPr/>
-          <p:nvPr/>
-        </p:nvSpPr>
-        <p:spPr>
-          <a:xfrm>
-            <a:off x="990352" y="3625060"/>
-            <a:ext cx="5942867" cy="1446550"/>
-          </a:xfrm>
-          <a:prstGeom prst="rect">
-            <a:avLst/>
-          </a:prstGeom>
-          <a:ln>
-            <a:solidFill>
-              <a:schemeClr val="bg1">
-                <a:lumMod val="85000"/>
-              </a:schemeClr>
-            </a:solidFill>
-          </a:ln>
-        </p:spPr>
-        <p:txBody>
-          <a:bodyPr wrap="square">
-            <a:spAutoFit/>
-          </a:bodyPr>
-          <a:lstStyle/>
-          <a:p>
-            <a:r>
-              <a:rPr lang="en-US" altLang="ko-KR" sz="800" dirty="0"/>
-              <a:t>// </a:t>
-            </a:r>
-            <a:r>
-              <a:rPr lang="en-US" altLang="ko-KR" sz="800" dirty="0" err="1"/>
-              <a:t>eqp_no_condition</a:t>
-            </a:r>
-            <a:r>
-              <a:rPr lang="en-US" altLang="ko-KR" sz="800" dirty="0"/>
-              <a:t> = </a:t>
-            </a:r>
-            <a:r>
-              <a:rPr lang="en-US" altLang="ko-KR" sz="800" dirty="0" err="1"/>
-              <a:t>get_eqp_no_condition</a:t>
-            </a:r>
-            <a:r>
-              <a:rPr lang="en-US" altLang="ko-KR" sz="800" dirty="0"/>
-              <a:t>(</a:t>
-            </a:r>
-            <a:r>
-              <a:rPr lang="en-US" altLang="ko-KR" sz="800" dirty="0" err="1"/>
-              <a:t>pmmode_eqp_no</a:t>
-            </a:r>
-            <a:r>
-              <a:rPr lang="en-US" altLang="ko-KR" sz="800" dirty="0"/>
-              <a:t>);</a:t>
-            </a:r>
-          </a:p>
-          <a:p>
-            <a:r>
-              <a:rPr lang="en-US" altLang="ko-KR" sz="800" dirty="0"/>
-              <a:t>query = "UPDATE /*</a:t>
-            </a:r>
-            <a:r>
-              <a:rPr lang="en-US" altLang="ko-KR" sz="800" dirty="0" err="1"/>
-              <a:t>PMMODE.ctl</a:t>
-            </a:r>
-            <a:r>
-              <a:rPr lang="en-US" altLang="ko-KR" sz="800" dirty="0"/>
-              <a:t>-20210513-SIT*/ </a:t>
-            </a:r>
-            <a:r>
-              <a:rPr lang="en-US" altLang="ko-KR" sz="800" dirty="0" err="1"/>
-              <a:t>TN_CM_PM_APPR</a:t>
-            </a:r>
-            <a:r>
-              <a:rPr lang="en-US" altLang="ko-KR" sz="800" dirty="0"/>
-              <a:t>" +</a:t>
-            </a:r>
-          </a:p>
-          <a:p>
-            <a:r>
-              <a:rPr lang="en-US" altLang="ko-KR" sz="800" dirty="0"/>
-              <a:t>        " SET </a:t>
-            </a:r>
-            <a:r>
-              <a:rPr lang="en-US" altLang="ko-KR" sz="800" dirty="0" err="1"/>
-              <a:t>PM_EXT_NOTIFY_YN</a:t>
-            </a:r>
-            <a:r>
-              <a:rPr lang="en-US" altLang="ko-KR" sz="800" dirty="0"/>
-              <a:t> = 'Y'," +</a:t>
-            </a:r>
-          </a:p>
-          <a:p>
-            <a:r>
-              <a:rPr lang="en-US" altLang="ko-KR" sz="800" dirty="0"/>
-              <a:t>        " </a:t>
-            </a:r>
-            <a:r>
-              <a:rPr lang="en-US" altLang="ko-KR" sz="800" dirty="0" err="1"/>
-              <a:t>MOD_DATE</a:t>
-            </a:r>
-            <a:r>
-              <a:rPr lang="en-US" altLang="ko-KR" sz="800" dirty="0"/>
-              <a:t> = </a:t>
-            </a:r>
-            <a:r>
-              <a:rPr lang="en-US" altLang="ko-KR" sz="800" dirty="0" err="1"/>
-              <a:t>TO_DATE</a:t>
-            </a:r>
-            <a:r>
-              <a:rPr lang="en-US" altLang="ko-KR" sz="800" dirty="0"/>
-              <a:t>(:</a:t>
-            </a:r>
-            <a:r>
-              <a:rPr lang="en-US" altLang="ko-KR" sz="800" dirty="0" err="1"/>
-              <a:t>mod_date</a:t>
-            </a:r>
-            <a:r>
-              <a:rPr lang="en-US" altLang="ko-KR" sz="800" dirty="0"/>
-              <a:t>, '</a:t>
-            </a:r>
-            <a:r>
-              <a:rPr lang="en-US" altLang="ko-KR" sz="800" dirty="0" err="1"/>
-              <a:t>YYYY.MM.DD</a:t>
-            </a:r>
-            <a:r>
-              <a:rPr lang="en-US" altLang="ko-KR" sz="800" dirty="0"/>
-              <a:t> </a:t>
-            </a:r>
-            <a:r>
-              <a:rPr lang="en-US" altLang="ko-KR" sz="800" dirty="0" err="1"/>
-              <a:t>HH24:MI:SS</a:t>
-            </a:r>
-            <a:r>
-              <a:rPr lang="en-US" altLang="ko-KR" sz="800" dirty="0"/>
-              <a:t>')," +</a:t>
-            </a:r>
-          </a:p>
-          <a:p>
-            <a:r>
-              <a:rPr lang="en-US" altLang="ko-KR" sz="800" dirty="0"/>
-              <a:t>        " </a:t>
-            </a:r>
-            <a:r>
-              <a:rPr lang="en-US" altLang="ko-KR" sz="800" dirty="0" err="1"/>
-              <a:t>MOD_USER_ID</a:t>
-            </a:r>
-            <a:r>
-              <a:rPr lang="en-US" altLang="ko-KR" sz="800" dirty="0"/>
-              <a:t> = </a:t>
-            </a:r>
-            <a:r>
-              <a:rPr lang="en-US" altLang="ko-KR" sz="800" dirty="0" smtClean="0"/>
-              <a:t>" +  </a:t>
-            </a:r>
-            <a:r>
-              <a:rPr lang="en-US" altLang="ko-KR" sz="800" dirty="0" err="1" smtClean="0"/>
-              <a:t>get_user_id</a:t>
-            </a:r>
-            <a:r>
-              <a:rPr lang="en-US" altLang="ko-KR" sz="800" dirty="0" smtClean="0"/>
-              <a:t> +  </a:t>
-            </a:r>
-            <a:r>
-              <a:rPr lang="en-US" altLang="ko-KR" sz="800" dirty="0"/>
-              <a:t>" WHERE </a:t>
-            </a:r>
-            <a:r>
-              <a:rPr lang="en-US" altLang="ko-KR" sz="800" dirty="0" err="1"/>
-              <a:t>EQP_NO</a:t>
-            </a:r>
-            <a:r>
-              <a:rPr lang="en-US" altLang="ko-KR" sz="800" dirty="0"/>
-              <a:t> IN (" </a:t>
-            </a:r>
-            <a:r>
-              <a:rPr lang="en-US" altLang="ko-KR" sz="800" dirty="0" smtClean="0"/>
-              <a:t>+               </a:t>
-            </a:r>
-            <a:r>
-              <a:rPr lang="en-US" altLang="ko-KR" sz="800" b="1" dirty="0" smtClean="0">
-                <a:solidFill>
-                  <a:srgbClr val="0000FF"/>
-                </a:solidFill>
-              </a:rPr>
-              <a:t>//Query Where</a:t>
-            </a:r>
-            <a:r>
-              <a:rPr lang="ko-KR" altLang="en-US" sz="800" b="1" dirty="0" smtClean="0">
-                <a:solidFill>
-                  <a:srgbClr val="0000FF"/>
-                </a:solidFill>
-              </a:rPr>
-              <a:t>절  </a:t>
-            </a:r>
-            <a:r>
-              <a:rPr lang="ko-KR" altLang="en-US" sz="800" b="1" dirty="0" err="1" smtClean="0">
-                <a:solidFill>
-                  <a:srgbClr val="0000FF"/>
-                </a:solidFill>
-              </a:rPr>
-              <a:t>조건절에서</a:t>
-            </a:r>
-            <a:r>
-              <a:rPr lang="ko-KR" altLang="en-US" sz="800" b="1" dirty="0" smtClean="0">
-                <a:solidFill>
-                  <a:srgbClr val="0000FF"/>
-                </a:solidFill>
-              </a:rPr>
-              <a:t> </a:t>
-            </a:r>
-            <a:r>
-              <a:rPr lang="en-US" altLang="ko-KR" sz="800" b="1" dirty="0" smtClean="0">
-                <a:solidFill>
-                  <a:srgbClr val="0000FF"/>
-                </a:solidFill>
-              </a:rPr>
-              <a:t>“:” </a:t>
-            </a:r>
-            <a:r>
-              <a:rPr lang="ko-KR" altLang="en-US" sz="800" b="1" dirty="0" smtClean="0">
-                <a:solidFill>
-                  <a:srgbClr val="0000FF"/>
-                </a:solidFill>
-              </a:rPr>
-              <a:t>바인딩 처리 확인</a:t>
-            </a:r>
-            <a:endParaRPr lang="en-US" altLang="ko-KR" sz="800" b="1" dirty="0" smtClean="0">
-              <a:solidFill>
-                <a:srgbClr val="0000FF"/>
-              </a:solidFill>
-            </a:endParaRPr>
-          </a:p>
-          <a:p>
-            <a:r>
-              <a:rPr lang="en-US" altLang="ko-KR" sz="800" dirty="0" smtClean="0"/>
-              <a:t>        </a:t>
-            </a:r>
-            <a:r>
-              <a:rPr lang="en-US" altLang="ko-KR" sz="800" dirty="0" err="1" smtClean="0"/>
-              <a:t>EQP_NO_CONDITION</a:t>
-            </a:r>
-            <a:r>
-              <a:rPr lang="en-US" altLang="ko-KR" sz="800" dirty="0" smtClean="0"/>
-              <a:t> + ")";	</a:t>
-            </a:r>
-            <a:br>
-              <a:rPr lang="en-US" altLang="ko-KR" sz="800" dirty="0" smtClean="0"/>
-            </a:br>
-            <a:endParaRPr lang="en-US" altLang="ko-KR" sz="800" dirty="0" smtClean="0"/>
-          </a:p>
-          <a:p>
-            <a:r>
-              <a:rPr lang="en-US" altLang="ko-KR" sz="800" dirty="0" err="1" smtClean="0"/>
-              <a:t>dynClear</a:t>
-            </a:r>
-            <a:r>
-              <a:rPr lang="en-US" altLang="ko-KR" sz="800" dirty="0" smtClean="0"/>
-              <a:t>(</a:t>
-            </a:r>
-            <a:r>
-              <a:rPr lang="en-US" altLang="ko-KR" sz="800" dirty="0" err="1" smtClean="0"/>
-              <a:t>dsParams</a:t>
-            </a:r>
-            <a:r>
-              <a:rPr lang="en-US" altLang="ko-KR" sz="800" dirty="0"/>
-              <a:t>);</a:t>
-            </a:r>
-          </a:p>
-          <a:p>
-            <a:r>
-              <a:rPr lang="en-US" altLang="ko-KR" sz="800" dirty="0" err="1"/>
-              <a:t>dynAppend</a:t>
-            </a:r>
-            <a:r>
-              <a:rPr lang="en-US" altLang="ko-KR" sz="800" dirty="0"/>
-              <a:t>(</a:t>
-            </a:r>
-            <a:r>
-              <a:rPr lang="en-US" altLang="ko-KR" sz="800" dirty="0" err="1"/>
-              <a:t>dsParams</a:t>
-            </a:r>
-            <a:r>
-              <a:rPr lang="en-US" altLang="ko-KR" sz="800" dirty="0"/>
-              <a:t>, </a:t>
-            </a:r>
-            <a:r>
-              <a:rPr lang="en-US" altLang="ko-KR" sz="800" dirty="0" err="1"/>
-              <a:t>set_time</a:t>
-            </a:r>
-            <a:r>
-              <a:rPr lang="en-US" altLang="ko-KR" sz="800" dirty="0"/>
-              <a:t>);</a:t>
-            </a:r>
-          </a:p>
-          <a:p>
-            <a:r>
-              <a:rPr lang="en-US" altLang="ko-KR" sz="800" dirty="0" err="1"/>
-              <a:t>dynAppend</a:t>
-            </a:r>
-            <a:r>
-              <a:rPr lang="en-US" altLang="ko-KR" sz="800" dirty="0"/>
-              <a:t>(</a:t>
-            </a:r>
-            <a:r>
-              <a:rPr lang="en-US" altLang="ko-KR" sz="800" dirty="0" err="1"/>
-              <a:t>dsParams</a:t>
-            </a:r>
-            <a:r>
-              <a:rPr lang="en-US" altLang="ko-KR" sz="800" dirty="0"/>
-              <a:t>, </a:t>
-            </a:r>
-            <a:r>
-              <a:rPr lang="en-US" altLang="ko-KR" sz="800" dirty="0" err="1"/>
-              <a:t>MOD_USER_ID</a:t>
-            </a:r>
-            <a:r>
-              <a:rPr lang="en-US" altLang="ko-KR" sz="800" dirty="0"/>
-              <a:t>);</a:t>
-            </a:r>
-          </a:p>
-          <a:p>
-            <a:r>
-              <a:rPr lang="en-US" altLang="ko-KR" sz="800" dirty="0"/>
-              <a:t>if (</a:t>
-            </a:r>
-            <a:r>
-              <a:rPr lang="en-US" altLang="ko-KR" sz="800" dirty="0" err="1"/>
-              <a:t>is_updateQuery</a:t>
-            </a:r>
-            <a:r>
-              <a:rPr lang="en-US" altLang="ko-KR" sz="800" dirty="0"/>
-              <a:t>(query, </a:t>
-            </a:r>
-            <a:r>
-              <a:rPr lang="en-US" altLang="ko-KR" sz="800" dirty="0" err="1"/>
-              <a:t>dsParams</a:t>
-            </a:r>
-            <a:r>
-              <a:rPr lang="en-US" altLang="ko-KR" sz="800" dirty="0"/>
-              <a:t>, </a:t>
-            </a:r>
-            <a:r>
-              <a:rPr lang="en-US" altLang="ko-KR" sz="800" dirty="0" err="1"/>
-              <a:t>pmmode_eqp_no</a:t>
-            </a:r>
-            <a:r>
-              <a:rPr lang="en-US" altLang="ko-KR" sz="800" dirty="0"/>
-              <a:t>) == true) </a:t>
-            </a:r>
-            <a:r>
-              <a:rPr lang="en-US" altLang="ko-KR" sz="800" dirty="0" smtClean="0"/>
-              <a:t>{...</a:t>
-            </a:r>
-            <a:endParaRPr lang="ko-KR" altLang="en-US" sz="800" dirty="0"/>
-          </a:p>
-        </p:txBody>
-      </p:sp>
-      <p:sp>
-        <p:nvSpPr>
-          <p:cNvPr id="9" name="폭발 2 8"/>
-          <p:cNvSpPr/>
-          <p:nvPr/>
-        </p:nvSpPr>
-        <p:spPr>
-          <a:xfrm>
-            <a:off x="990352" y="5265204"/>
-            <a:ext cx="4142668" cy="795290"/>
-          </a:xfrm>
-          <a:prstGeom prst="irregularSeal2">
-            <a:avLst/>
-          </a:prstGeom>
-        </p:spPr>
-        <p:style>
-          <a:lnRef idx="2">
-            <a:schemeClr val="accent2">
-              <a:shade val="50000"/>
-            </a:schemeClr>
-          </a:lnRef>
-          <a:fillRef idx="1">
-            <a:schemeClr val="accent2"/>
-          </a:fillRef>
-          <a:effectRef idx="0">
-            <a:schemeClr val="accent2"/>
-          </a:effectRef>
-          <a:fontRef idx="minor">
-            <a:schemeClr val="lt1"/>
-          </a:fontRef>
-        </p:style>
-        <p:txBody>
-          <a:bodyPr rtlCol="0" anchor="ctr"/>
-          <a:lstStyle/>
-          <a:p>
-            <a:pPr algn="ctr"/>
-            <a:r>
-              <a:rPr lang="en-US" altLang="ko-KR" sz="800" dirty="0" smtClean="0"/>
-              <a:t>Query</a:t>
-            </a:r>
-            <a:r>
-              <a:rPr lang="ko-KR" altLang="en-US" sz="800" dirty="0" smtClean="0"/>
-              <a:t>문이 다른 파일 </a:t>
-            </a:r>
-            <a:r>
-              <a:rPr lang="en-US" altLang="ko-KR" sz="800" dirty="0" smtClean="0"/>
-              <a:t>or </a:t>
-            </a:r>
-            <a:r>
-              <a:rPr lang="ko-KR" altLang="en-US" sz="800" dirty="0" smtClean="0"/>
-              <a:t>다른 변수 </a:t>
-            </a:r>
-            <a:r>
-              <a:rPr lang="en-US" altLang="ko-KR" sz="800" dirty="0" smtClean="0"/>
-              <a:t/>
-            </a:r>
-            <a:br>
-              <a:rPr lang="en-US" altLang="ko-KR" sz="800" dirty="0" smtClean="0"/>
-            </a:br>
-            <a:r>
-              <a:rPr lang="ko-KR" altLang="en-US" sz="800" dirty="0" smtClean="0"/>
-              <a:t>분리된 경우 어려움</a:t>
-            </a:r>
-            <a:endParaRPr lang="ko-KR" altLang="en-US" sz="800" dirty="0"/>
-          </a:p>
-        </p:txBody>
-      </p:sp>
-    </p:spTree>
-    <p:extLst>
-      <p:ext uri="{BB962C8B-B14F-4D97-AF65-F5344CB8AC3E}">
-        <p14:creationId xmlns:p14="http://schemas.microsoft.com/office/powerpoint/2010/main" val="1454596280"/>
-      </p:ext>
-    </p:extLst>
-  </p:cSld>
-  <p:clrMapOvr>
-    <a:masterClrMapping/>
-  </p:clrMapOvr>
-  <p:timing>
-    <p:tnLst>
-      <p:par>
-        <p:cTn id="1" dur="indefinite" restart="never" nodeType="tmRoot"/>
-      </p:par>
-    </p:tnLst>
-  </p:timing>
-</p:sld>
-</file>
-
-<file path=ppt/slides/slide18.xml><?xml version="1.0" encoding="utf-8"?>
-<p:sld xmlns:a="http://schemas.openxmlformats.org/drawingml/2006/main" xmlns:r="http://schemas.openxmlformats.org/officeDocument/2006/relationships" xmlns:p="http://schemas.openxmlformats.org/presentationml/2006/main">
-  <p:cSld>
-    <p:spTree>
-      <p:nvGrpSpPr>
-        <p:cNvPr id="1" name=""/>
-        <p:cNvGrpSpPr/>
-        <p:nvPr/>
-      </p:nvGrpSpPr>
-      <p:grpSpPr>
-        <a:xfrm>
-          <a:off x="0" y="0"/>
-          <a:ext cx="0" cy="0"/>
-          <a:chOff x="0" y="0"/>
-          <a:chExt cx="0" cy="0"/>
-        </a:xfrm>
-      </p:grpSpPr>
-      <p:sp>
-        <p:nvSpPr>
-          <p:cNvPr id="5" name="TextBox 4"/>
-          <p:cNvSpPr txBox="1"/>
-          <p:nvPr/>
-        </p:nvSpPr>
-        <p:spPr>
-          <a:xfrm>
-            <a:off x="345600" y="980728"/>
-            <a:ext cx="9342704" cy="1061829"/>
-          </a:xfrm>
-          <a:prstGeom prst="rect">
-            <a:avLst/>
-          </a:prstGeom>
-          <a:noFill/>
-        </p:spPr>
-        <p:txBody>
-          <a:bodyPr wrap="square" rtlCol="0">
-            <a:spAutoFit/>
-          </a:bodyPr>
-          <a:lstStyle/>
-          <a:p>
-            <a:pPr>
-              <a:lnSpc>
-                <a:spcPct val="150000"/>
-              </a:lnSpc>
-            </a:pPr>
-            <a:r>
-              <a:rPr lang="ko-KR" altLang="en-US" b="1" dirty="0" smtClean="0">
-                <a:ln>
-                  <a:solidFill>
-                    <a:schemeClr val="tx1">
-                      <a:lumMod val="50000"/>
-                      <a:lumOff val="50000"/>
-                      <a:alpha val="0"/>
-                    </a:schemeClr>
-                  </a:solidFill>
-                </a:ln>
-                <a:solidFill>
-                  <a:srgbClr val="E9520B"/>
-                </a:solidFill>
-              </a:rPr>
-              <a:t>■ 코드 리뷰 점검 기능 설계</a:t>
-            </a:r>
-            <a:endParaRPr lang="en-US" altLang="ko-KR" b="1" dirty="0" smtClean="0">
-              <a:ln>
-                <a:solidFill>
-                  <a:schemeClr val="tx1">
-                    <a:lumMod val="50000"/>
-                    <a:lumOff val="50000"/>
-                    <a:alpha val="0"/>
-                  </a:schemeClr>
-                </a:solidFill>
-              </a:ln>
-              <a:solidFill>
-                <a:srgbClr val="E9520B"/>
-              </a:solidFill>
-            </a:endParaRPr>
-          </a:p>
-          <a:p>
-            <a:pPr marL="457200" lvl="2">
-              <a:lnSpc>
-                <a:spcPct val="150000"/>
-              </a:lnSpc>
-            </a:pPr>
-            <a:r>
-              <a:rPr lang="ko-KR" altLang="en-US" sz="1200" dirty="0" smtClean="0">
-                <a:ln>
-                  <a:solidFill>
-                    <a:schemeClr val="tx1">
-                      <a:lumMod val="50000"/>
-                      <a:lumOff val="50000"/>
-                      <a:alpha val="0"/>
-                    </a:schemeClr>
-                  </a:solidFill>
-                </a:ln>
-                <a:sym typeface="Wingdings" panose="05000000000000000000" pitchFamily="2" charset="2"/>
-              </a:rPr>
               <a:t>⑥ </a:t>
             </a:r>
             <a:r>
@@ -16904,7 +16683,7 @@
 </p:sld>
 </file>
 
-<file path=ppt/slides/slide19.xml><?xml version="1.0" encoding="utf-8"?>
+<file path=ppt/slides/slide18.xml><?xml version="1.0" encoding="utf-8"?>
 <p:sld xmlns:a="http://schemas.openxmlformats.org/drawingml/2006/main" xmlns:r="http://schemas.openxmlformats.org/officeDocument/2006/relationships" xmlns:p="http://schemas.openxmlformats.org/presentationml/2006/main">
   <p:cSld>
     <p:spTree>
@@ -21255,6 +21034,214 @@
     <p:extLst>
       <p:ext uri="{BB962C8B-B14F-4D97-AF65-F5344CB8AC3E}">
         <p14:creationId xmlns:p14="http://schemas.microsoft.com/office/powerpoint/2010/main" val="3140440202"/>
+      </p:ext>
+    </p:extLst>
+  </p:cSld>
+  <p:clrMapOvr>
+    <a:masterClrMapping/>
+  </p:clrMapOvr>
+  <p:timing>
+    <p:tnLst>
+      <p:par>
+        <p:cTn id="1" dur="indefinite" restart="never" nodeType="tmRoot"/>
+      </p:par>
+    </p:tnLst>
+  </p:timing>
+</p:sld>
+</file>
+
+<file path=ppt/slides/slide19.xml><?xml version="1.0" encoding="utf-8"?>
+<p:sld xmlns:a="http://schemas.openxmlformats.org/drawingml/2006/main" xmlns:r="http://schemas.openxmlformats.org/officeDocument/2006/relationships" xmlns:p="http://schemas.openxmlformats.org/presentationml/2006/main">
+  <p:cSld>
+    <p:spTree>
+      <p:nvGrpSpPr>
+        <p:cNvPr id="1" name=""/>
+        <p:cNvGrpSpPr/>
+        <p:nvPr/>
+      </p:nvGrpSpPr>
+      <p:grpSpPr>
+        <a:xfrm>
+          <a:off x="0" y="0"/>
+          <a:ext cx="0" cy="0"/>
+          <a:chOff x="0" y="0"/>
+          <a:chExt cx="0" cy="0"/>
+        </a:xfrm>
+      </p:grpSpPr>
+      <p:sp>
+        <p:nvSpPr>
+          <p:cNvPr id="5" name="TextBox 4"/>
+          <p:cNvSpPr txBox="1"/>
+          <p:nvPr/>
+        </p:nvSpPr>
+        <p:spPr>
+          <a:xfrm>
+            <a:off x="345600" y="980728"/>
+            <a:ext cx="9342704" cy="784830"/>
+          </a:xfrm>
+          <a:prstGeom prst="rect">
+            <a:avLst/>
+          </a:prstGeom>
+          <a:noFill/>
+        </p:spPr>
+        <p:txBody>
+          <a:bodyPr wrap="square" rtlCol="0">
+            <a:spAutoFit/>
+          </a:bodyPr>
+          <a:lstStyle/>
+          <a:p>
+            <a:pPr>
+              <a:lnSpc>
+                <a:spcPct val="150000"/>
+              </a:lnSpc>
+            </a:pPr>
+            <a:r>
+              <a:rPr lang="ko-KR" altLang="en-US" b="1" dirty="0" smtClean="0">
+                <a:ln>
+                  <a:solidFill>
+                    <a:schemeClr val="tx1">
+                      <a:lumMod val="50000"/>
+                      <a:lumOff val="50000"/>
+                      <a:alpha val="0"/>
+                    </a:schemeClr>
+                  </a:solidFill>
+                </a:ln>
+                <a:solidFill>
+                  <a:srgbClr val="E9520B"/>
+                </a:solidFill>
+              </a:rPr>
+              <a:t>■ 코드 리뷰 점검 기능 설계</a:t>
+            </a:r>
+            <a:endParaRPr lang="en-US" altLang="ko-KR" b="1" dirty="0" smtClean="0">
+              <a:ln>
+                <a:solidFill>
+                  <a:schemeClr val="tx1">
+                    <a:lumMod val="50000"/>
+                    <a:lumOff val="50000"/>
+                    <a:alpha val="0"/>
+                  </a:schemeClr>
+                </a:solidFill>
+              </a:ln>
+              <a:solidFill>
+                <a:srgbClr val="E9520B"/>
+              </a:solidFill>
+            </a:endParaRPr>
+          </a:p>
+          <a:p>
+            <a:pPr lvl="1" fontAlgn="ctr">
+              <a:lnSpc>
+                <a:spcPct val="150000"/>
+              </a:lnSpc>
+            </a:pPr>
+            <a:r>
+              <a:rPr lang="en-US" altLang="ko-KR" sz="1200" dirty="0" smtClean="0">
+                <a:ln>
+                  <a:solidFill>
+                    <a:schemeClr val="tx1">
+                      <a:lumMod val="50000"/>
+                      <a:lumOff val="50000"/>
+                      <a:alpha val="0"/>
+                    </a:schemeClr>
+                  </a:solidFill>
+                </a:ln>
+                <a:latin typeface="+mn-ea"/>
+              </a:rPr>
+              <a:t>- </a:t>
+            </a:r>
+            <a:r>
+              <a:rPr lang="en-US" altLang="ko-KR" sz="1200" dirty="0" err="1">
+                <a:latin typeface="+mn-ea"/>
+              </a:rPr>
+              <a:t>Raima</a:t>
+            </a:r>
+            <a:r>
+              <a:rPr lang="en-US" altLang="ko-KR" sz="1200" dirty="0">
+                <a:latin typeface="+mn-ea"/>
+              </a:rPr>
+              <a:t> DB </a:t>
+            </a:r>
+            <a:r>
+              <a:rPr lang="ko-KR" altLang="en-US" sz="1200" dirty="0">
+                <a:latin typeface="+mn-ea"/>
+              </a:rPr>
+              <a:t>증가 확인</a:t>
+            </a:r>
+          </a:p>
+        </p:txBody>
+      </p:sp>
+      <p:sp>
+        <p:nvSpPr>
+          <p:cNvPr id="6" name="제목 1"/>
+          <p:cNvSpPr>
+            <a:spLocks noGrp="1"/>
+          </p:cNvSpPr>
+          <p:nvPr>
+            <p:ph type="title" idx="4294967295"/>
+          </p:nvPr>
+        </p:nvSpPr>
+        <p:spPr>
+          <a:xfrm>
+            <a:off x="452500" y="224644"/>
+            <a:ext cx="6858903" cy="504056"/>
+          </a:xfrm>
+          <a:ln>
+            <a:noFill/>
+          </a:ln>
+        </p:spPr>
+        <p:txBody>
+          <a:bodyPr>
+            <a:normAutofit/>
+          </a:bodyPr>
+          <a:lstStyle/>
+          <a:p>
+            <a:r>
+              <a:rPr lang="en-US" altLang="ko-KR" sz="2800" b="1" dirty="0" smtClean="0">
+                <a:ln>
+                  <a:solidFill>
+                    <a:prstClr val="white">
+                      <a:alpha val="0"/>
+                    </a:prstClr>
+                  </a:solidFill>
+                </a:ln>
+                <a:solidFill>
+                  <a:prstClr val="white">
+                    <a:lumMod val="50000"/>
+                  </a:prstClr>
+                </a:solidFill>
+                <a:latin typeface="+mn-ea"/>
+                <a:ea typeface="+mn-ea"/>
+              </a:rPr>
+              <a:t>UI</a:t>
+            </a:r>
+            <a:r>
+              <a:rPr lang="ko-KR" altLang="en-US" sz="2800" b="1" dirty="0" smtClean="0">
+                <a:ln>
+                  <a:solidFill>
+                    <a:prstClr val="white">
+                      <a:alpha val="0"/>
+                    </a:prstClr>
+                  </a:solidFill>
+                </a:ln>
+                <a:solidFill>
+                  <a:prstClr val="white">
+                    <a:lumMod val="50000"/>
+                  </a:prstClr>
+                </a:solidFill>
+                <a:latin typeface="+mn-ea"/>
+                <a:ea typeface="+mn-ea"/>
+              </a:rPr>
+              <a:t> 설계</a:t>
+            </a:r>
+            <a:endParaRPr lang="ko-KR" altLang="en-US" sz="2800" b="1" dirty="0">
+              <a:latin typeface="+mn-ea"/>
+              <a:ea typeface="+mn-ea"/>
+            </a:endParaRPr>
+          </a:p>
+        </p:txBody>
+      </p:sp>
+    </p:spTree>
+    <p:extLst>
+      <p:ext uri="{BB962C8B-B14F-4D97-AF65-F5344CB8AC3E}">
+        <p14:creationId xmlns:p14="http://schemas.microsoft.com/office/powerpoint/2010/main" val="690437176"/>
       </p:ext>
     </p:extLst>
   </p:cSld>
@@ -22714,214 +22701,6 @@
         </p:nvSpPr>
         <p:spPr>
           <a:xfrm>
-            <a:off x="345600" y="980728"/>
-            <a:ext cx="9342704" cy="784830"/>
-          </a:xfrm>
-          <a:prstGeom prst="rect">
-            <a:avLst/>
-          </a:prstGeom>
-          <a:noFill/>
-        </p:spPr>
-        <p:txBody>
-          <a:bodyPr wrap="square" rtlCol="0">
-            <a:spAutoFit/>
-          </a:bodyPr>
-          <a:lstStyle/>
-          <a:p>
-            <a:pPr>
-              <a:lnSpc>
-                <a:spcPct val="150000"/>
-              </a:lnSpc>
-            </a:pPr>
-            <a:r>
-              <a:rPr lang="ko-KR" altLang="en-US" b="1" dirty="0" smtClean="0">
-                <a:ln>
-                  <a:solidFill>
-                    <a:schemeClr val="tx1">
-                      <a:lumMod val="50000"/>
-                      <a:lumOff val="50000"/>
-                      <a:alpha val="0"/>
-                    </a:schemeClr>
-                  </a:solidFill>
-                </a:ln>
-                <a:solidFill>
-                  <a:srgbClr val="E9520B"/>
-                </a:solidFill>
-              </a:rPr>
-              <a:t>■ 코드 리뷰 점검 기능 설계</a:t>
-            </a:r>
-            <a:endParaRPr lang="en-US" altLang="ko-KR" b="1" dirty="0" smtClean="0">
-              <a:ln>
-                <a:solidFill>
-                  <a:schemeClr val="tx1">
-                    <a:lumMod val="50000"/>
-                    <a:lumOff val="50000"/>
-                    <a:alpha val="0"/>
-                  </a:schemeClr>
-                </a:solidFill>
-              </a:ln>
-              <a:solidFill>
-                <a:srgbClr val="E9520B"/>
-              </a:solidFill>
-            </a:endParaRPr>
-          </a:p>
-          <a:p>
-            <a:pPr lvl="1" fontAlgn="ctr">
-              <a:lnSpc>
-                <a:spcPct val="150000"/>
-              </a:lnSpc>
-            </a:pPr>
-            <a:r>
-              <a:rPr lang="en-US" altLang="ko-KR" sz="1200" dirty="0" smtClean="0">
-                <a:ln>
-                  <a:solidFill>
-                    <a:schemeClr val="tx1">
-                      <a:lumMod val="50000"/>
-                      <a:lumOff val="50000"/>
-                      <a:alpha val="0"/>
-                    </a:schemeClr>
-                  </a:solidFill>
-                </a:ln>
-                <a:latin typeface="+mn-ea"/>
-              </a:rPr>
-              <a:t>- </a:t>
-            </a:r>
-            <a:r>
-              <a:rPr lang="en-US" altLang="ko-KR" sz="1200" dirty="0" err="1">
-                <a:latin typeface="+mn-ea"/>
-              </a:rPr>
-              <a:t>Raima</a:t>
-            </a:r>
-            <a:r>
-              <a:rPr lang="en-US" altLang="ko-KR" sz="1200" dirty="0">
-                <a:latin typeface="+mn-ea"/>
-              </a:rPr>
-              <a:t> DB </a:t>
-            </a:r>
-            <a:r>
-              <a:rPr lang="ko-KR" altLang="en-US" sz="1200" dirty="0">
-                <a:latin typeface="+mn-ea"/>
-              </a:rPr>
-              <a:t>증가 확인</a:t>
-            </a:r>
-          </a:p>
-        </p:txBody>
-      </p:sp>
-      <p:sp>
-        <p:nvSpPr>
-          <p:cNvPr id="6" name="제목 1"/>
-          <p:cNvSpPr>
-            <a:spLocks noGrp="1"/>
-          </p:cNvSpPr>
-          <p:nvPr>
-            <p:ph type="title" idx="4294967295"/>
-          </p:nvPr>
-        </p:nvSpPr>
-        <p:spPr>
-          <a:xfrm>
-            <a:off x="452500" y="224644"/>
-            <a:ext cx="6858903" cy="504056"/>
-          </a:xfrm>
-          <a:ln>
-            <a:noFill/>
-          </a:ln>
-        </p:spPr>
-        <p:txBody>
-          <a:bodyPr>
-            <a:normAutofit/>
-          </a:bodyPr>
-          <a:lstStyle/>
-          <a:p>
-            <a:r>
-              <a:rPr lang="en-US" altLang="ko-KR" sz="2800" b="1" dirty="0" smtClean="0">
-                <a:ln>
-                  <a:solidFill>
-                    <a:prstClr val="white">
-                      <a:alpha val="0"/>
-                    </a:prstClr>
-                  </a:solidFill>
-                </a:ln>
-                <a:solidFill>
-                  <a:prstClr val="white">
-                    <a:lumMod val="50000"/>
-                  </a:prstClr>
-                </a:solidFill>
-                <a:latin typeface="+mn-ea"/>
-                <a:ea typeface="+mn-ea"/>
-              </a:rPr>
-              <a:t>UI</a:t>
-            </a:r>
-            <a:r>
-              <a:rPr lang="ko-KR" altLang="en-US" sz="2800" b="1" dirty="0" smtClean="0">
-                <a:ln>
-                  <a:solidFill>
-                    <a:prstClr val="white">
-                      <a:alpha val="0"/>
-                    </a:prstClr>
-                  </a:solidFill>
-                </a:ln>
-                <a:solidFill>
-                  <a:prstClr val="white">
-                    <a:lumMod val="50000"/>
-                  </a:prstClr>
-                </a:solidFill>
-                <a:latin typeface="+mn-ea"/>
-                <a:ea typeface="+mn-ea"/>
-              </a:rPr>
-              <a:t> 설계</a:t>
-            </a:r>
-            <a:endParaRPr lang="ko-KR" altLang="en-US" sz="2800" b="1" dirty="0">
-              <a:latin typeface="+mn-ea"/>
-              <a:ea typeface="+mn-ea"/>
-            </a:endParaRPr>
-          </a:p>
-        </p:txBody>
-      </p:sp>
-    </p:spTree>
-    <p:extLst>
-      <p:ext uri="{BB962C8B-B14F-4D97-AF65-F5344CB8AC3E}">
-        <p14:creationId xmlns:p14="http://schemas.microsoft.com/office/powerpoint/2010/main" val="690437176"/>
-      </p:ext>
-    </p:extLst>
-  </p:cSld>
-  <p:clrMapOvr>
-    <a:masterClrMapping/>
-  </p:clrMapOvr>
-  <p:timing>
-    <p:tnLst>
-      <p:par>
-        <p:cTn id="1" dur="indefinite" restart="never" nodeType="tmRoot"/>
-      </p:par>
-    </p:tnLst>
-  </p:timing>
-</p:sld>
-</file>
-
-<file path=ppt/slides/slide21.xml><?xml version="1.0" encoding="utf-8"?>
-<p:sld xmlns:a="http://schemas.openxmlformats.org/drawingml/2006/main" xmlns:r="http://schemas.openxmlformats.org/officeDocument/2006/relationships" xmlns:p="http://schemas.openxmlformats.org/presentationml/2006/main">
-  <p:cSld>
-    <p:spTree>
-      <p:nvGrpSpPr>
-        <p:cNvPr id="1" name=""/>
-        <p:cNvGrpSpPr/>
-        <p:nvPr/>
-      </p:nvGrpSpPr>
-      <p:grpSpPr>
-        <a:xfrm>
-          <a:off x="0" y="0"/>
-          <a:ext cx="0" cy="0"/>
-          <a:chOff x="0" y="0"/>
-          <a:chExt cx="0" cy="0"/>
-        </a:xfrm>
-      </p:grpSpPr>
-      <p:sp>
-        <p:nvSpPr>
-          <p:cNvPr id="5" name="TextBox 4"/>
-          <p:cNvSpPr txBox="1"/>
-          <p:nvPr/>
-        </p:nvSpPr>
-        <p:spPr>
-          <a:xfrm>
             <a:off x="345784" y="979200"/>
             <a:ext cx="9342704" cy="507831"/>
           </a:xfrm>
@@ -24442,7 +24221,7 @@
 </p:sld>
 </file>
 
-<file path=ppt/slides/slide22.xml><?xml version="1.0" encoding="utf-8"?>
+<file path=ppt/slides/slide21.xml><?xml version="1.0" encoding="utf-8"?>
 <p:sld xmlns:a="http://schemas.openxmlformats.org/drawingml/2006/main" xmlns:r="http://schemas.openxmlformats.org/officeDocument/2006/relationships" xmlns:p="http://schemas.openxmlformats.org/presentationml/2006/main">
   <p:cSld>
     <p:spTree>
@@ -28578,14 +28357,14 @@
           <p:nvPr>
             <p:extLst>
               <p:ext uri="{D42A27DB-BD31-4B8C-83A1-F6EECF244321}">
-                <p14:modId xmlns:p14="http://schemas.microsoft.com/office/powerpoint/2010/main" val="305361146"/>
+                <p14:modId xmlns:p14="http://schemas.microsoft.com/office/powerpoint/2010/main" val="3424787054"/>
               </p:ext>
             </p:extLst>
           </p:nvPr>
         </p:nvGraphicFramePr>
         <p:xfrm>
           <a:off x="812540" y="1664804"/>
-          <a:ext cx="8248392" cy="4198317"/>
+          <a:ext cx="8248392" cy="4464502"/>
         </p:xfrm>
         <a:graphic>
           <a:graphicData uri="http://schemas.openxmlformats.org/drawingml/2006/table">
@@ -28623,7 +28402,7 @@
                   </a:extLst>
                 </a:gridCol>
               </a:tblGrid>
-              <a:tr h="314589">
+              <a:tr h="334534">
                 <a:tc>
                   <a:txBody>
                     <a:bodyPr/>
@@ -28726,7 +28505,7 @@
                   </a:ext>
                 </a:extLst>
               </a:tr>
-              <a:tr h="268615">
+              <a:tr h="344164">
                 <a:tc rowSpan="5">
                   <a:txBody>
                     <a:bodyPr/>
@@ -28871,7 +28650,7 @@
                   </a:ext>
                 </a:extLst>
               </a:tr>
-              <a:tr h="268615">
+              <a:tr h="344164">
                 <a:tc vMerge="1">
                   <a:txBody>
                     <a:bodyPr/>
@@ -28992,7 +28771,7 @@
                   </a:ext>
                 </a:extLst>
               </a:tr>
-              <a:tr h="406545">
+              <a:tr h="344164">
                 <a:tc vMerge="1">
                   <a:txBody>
                     <a:bodyPr/>
@@ -29165,7 +28944,7 @@
                   </a:ext>
                 </a:extLst>
               </a:tr>
-              <a:tr h="268615">
+              <a:tr h="344164">
                 <a:tc vMerge="1">
                   <a:txBody>
                     <a:bodyPr/>
@@ -29332,7 +29111,7 @@
                   </a:ext>
                 </a:extLst>
               </a:tr>
-              <a:tr h="384148">
+              <a:tr h="344164">
                 <a:tc vMerge="1">
                   <a:txBody>
                     <a:bodyPr/>
@@ -29533,7 +29312,7 @@
                   </a:ext>
                 </a:extLst>
               </a:tr>
-              <a:tr h="573147">
+              <a:tr h="344164">
                 <a:tc>
                   <a:txBody>
                     <a:bodyPr/>
@@ -29707,7 +29486,7 @@
                   </a:ext>
                 </a:extLst>
               </a:tr>
-              <a:tr h="268615">
+              <a:tr h="344164">
                 <a:tc rowSpan="6">
                   <a:txBody>
                     <a:bodyPr/>
@@ -29828,7 +29607,7 @@
                   </a:ext>
                 </a:extLst>
               </a:tr>
-              <a:tr h="268615">
+              <a:tr h="344164">
                 <a:tc vMerge="1">
                   <a:txBody>
                     <a:bodyPr/>
@@ -29971,7 +29750,7 @@
                   </a:ext>
                 </a:extLst>
               </a:tr>
-              <a:tr h="268615">
+              <a:tr h="344164">
                 <a:tc vMerge="1">
                   <a:txBody>
                     <a:bodyPr/>
@@ -30090,7 +29869,7 @@
                   </a:ext>
                 </a:extLst>
               </a:tr>
-              <a:tr h="268615">
+              <a:tr h="344164">
                 <a:tc vMerge="1">
                   <a:txBody>
                     <a:bodyPr/>
@@ -30274,7 +30053,7 @@
                   </a:ext>
                 </a:extLst>
               </a:tr>
-              <a:tr h="310018">
+              <a:tr h="344164">
                 <a:tc vMerge="1">
                   <a:txBody>
                     <a:bodyPr/>
@@ -30440,7 +30219,7 @@
                   </a:ext>
                 </a:extLst>
               </a:tr>
-              <a:tr h="268615">
+              <a:tr h="344164">
                 <a:tc vMerge="1">
                   <a:txBody>
                     <a:bodyPr/>
@@ -30641,7 +30420,7 @@
         <p:spPr>
           <a:xfrm>
             <a:off x="345600" y="980728"/>
-            <a:ext cx="9342704" cy="507831"/>
+            <a:ext cx="9342704" cy="784830"/>
           </a:xfrm>
           <a:prstGeom prst="rect">
             <a:avLst/>
@@ -30728,6 +30507,40 @@
               <a:t>– </a:t>
             </a:r>
             <a:r>
+              <a:rPr lang="en-US" altLang="ko-KR" b="1" dirty="0">
+                <a:ln>
+                  <a:solidFill>
+                    <a:schemeClr val="tx1">
+                      <a:lumMod val="50000"/>
+                      <a:lumOff val="50000"/>
+                      <a:alpha val="0"/>
+                    </a:schemeClr>
+                  </a:solidFill>
+                </a:ln>
+                <a:solidFill>
+                  <a:srgbClr val="E9520B"/>
+                </a:solidFill>
+              </a:rPr>
+              <a:t> </a:t>
+            </a:r>
+            <a:r>
+              <a:rPr lang="en-US" altLang="ko-KR" b="1" dirty="0" smtClean="0">
+                <a:ln>
+                  <a:solidFill>
+                    <a:schemeClr val="tx1">
+                      <a:lumMod val="50000"/>
+                      <a:lumOff val="50000"/>
+                      <a:alpha val="0"/>
+                    </a:schemeClr>
+                  </a:solidFill>
+                </a:ln>
+                <a:solidFill>
+                  <a:srgbClr val="E9520B"/>
+                </a:solidFill>
+              </a:rPr>
+              <a:t>Loop</a:t>
+            </a:r>
+            <a:r>
               <a:rPr lang="ko-KR" altLang="en-US" b="1" dirty="0" smtClean="0">
                 <a:ln>
                   <a:solidFill>
@@ -30742,24 +30555,7 @@
                   <a:srgbClr val="E9520B"/>
                 </a:solidFill>
               </a:rPr>
-              <a:t>스크립트 </a:t>
-            </a:r>
-            <a:r>
-              <a:rPr lang="en-US" altLang="ko-KR" b="1" dirty="0" smtClean="0">
-                <a:ln>
-                  <a:solidFill>
-                    <a:schemeClr val="tx1">
-                      <a:lumMod val="50000"/>
-                      <a:lumOff val="50000"/>
-                      <a:alpha val="0"/>
-                    </a:schemeClr>
-                  </a:solidFill>
-                </a:ln>
-                <a:solidFill>
-                  <a:srgbClr val="E9520B"/>
-                </a:solidFill>
-              </a:rPr>
-              <a:t>Active </a:t>
+              <a:t>문내 처리 </a:t>
             </a:r>
             <a:r>
               <a:rPr lang="ko-KR" altLang="en-US" b="1" dirty="0" smtClean="0">
@@ -30776,7 +30572,7 @@
                   <a:srgbClr val="E9520B"/>
                 </a:solidFill>
               </a:rPr>
-              <a:t>동작 조건 확인</a:t>
+              <a:t>조건</a:t>
             </a:r>
             <a:endParaRPr lang="en-US" altLang="ko-KR" b="1" dirty="0" smtClean="0">
               <a:ln>
@@ -30791,6 +30587,94 @@
               <a:solidFill>
                 <a:srgbClr val="E9520B"/>
               </a:solidFill>
+            </a:endParaRPr>
+          </a:p>
+          <a:p>
+            <a:pPr lvl="1">
+              <a:lnSpc>
+                <a:spcPct val="150000"/>
+              </a:lnSpc>
+            </a:pPr>
+            <a:r>
+              <a:rPr lang="en-US" altLang="ko-KR" sz="1200" b="1" dirty="0">
+                <a:ln>
+                  <a:solidFill>
+                    <a:schemeClr val="tx1">
+                      <a:lumMod val="50000"/>
+                      <a:lumOff val="50000"/>
+                      <a:alpha val="0"/>
+                    </a:schemeClr>
+                  </a:solidFill>
+                </a:ln>
+              </a:rPr>
+              <a:t> </a:t>
+            </a:r>
+            <a:r>
+              <a:rPr lang="en-US" altLang="ko-KR" sz="1200" b="1" dirty="0" smtClean="0">
+                <a:ln>
+                  <a:solidFill>
+                    <a:schemeClr val="tx1">
+                      <a:lumMod val="50000"/>
+                      <a:lumOff val="50000"/>
+                      <a:alpha val="0"/>
+                    </a:schemeClr>
+                  </a:solidFill>
+                </a:ln>
+              </a:rPr>
+              <a:t>- Loop</a:t>
+            </a:r>
+            <a:r>
+              <a:rPr lang="ko-KR" altLang="en-US" sz="1200" b="1" dirty="0" smtClean="0">
+                <a:ln>
+                  <a:solidFill>
+                    <a:schemeClr val="tx1">
+                      <a:lumMod val="50000"/>
+                      <a:lumOff val="50000"/>
+                      <a:alpha val="0"/>
+                    </a:schemeClr>
+                  </a:solidFill>
+                </a:ln>
+              </a:rPr>
+              <a:t>문 내에 </a:t>
+            </a:r>
+            <a:r>
+              <a:rPr lang="en-US" altLang="ko-KR" sz="1200" b="1" dirty="0" smtClean="0">
+                <a:ln>
+                  <a:solidFill>
+                    <a:schemeClr val="tx1">
+                      <a:lumMod val="50000"/>
+                      <a:lumOff val="50000"/>
+                      <a:alpha val="0"/>
+                    </a:schemeClr>
+                  </a:solidFill>
+                </a:ln>
+              </a:rPr>
+              <a:t>delay </a:t>
+            </a:r>
+            <a:r>
+              <a:rPr lang="ko-KR" altLang="en-US" sz="1200" b="1" dirty="0" smtClean="0">
+                <a:ln>
+                  <a:solidFill>
+                    <a:schemeClr val="tx1">
+                      <a:lumMod val="50000"/>
+                      <a:lumOff val="50000"/>
+                      <a:alpha val="0"/>
+                    </a:schemeClr>
+                  </a:solidFill>
+                </a:ln>
+              </a:rPr>
+              <a:t>처리가 적용 확인</a:t>
+            </a:r>
+            <a:endParaRPr lang="en-US" altLang="ko-KR" sz="1200" b="1" dirty="0" smtClean="0">
+              <a:ln>
+                <a:solidFill>
+                  <a:schemeClr val="tx1">
+                    <a:lumMod val="50000"/>
+                    <a:lumOff val="50000"/>
+                    <a:alpha val="0"/>
+                  </a:schemeClr>
+                </a:solidFill>
+              </a:ln>
             </a:endParaRPr>
           </a:p>
         </p:txBody>
@@ -30846,520 +30730,284 @@
           </a:p>
         </p:txBody>
       </p:sp>
-    </p:spTree>
-    <p:extLst>
-      <p:ext uri="{BB962C8B-B14F-4D97-AF65-F5344CB8AC3E}">
-        <p14:creationId xmlns:p14="http://schemas.microsoft.com/office/powerpoint/2010/main" val="1677765723"/>
-      </p:ext>
-    </p:extLst>
-  </p:cSld>
-  <p:clrMapOvr>
-    <a:masterClrMapping/>
-  </p:clrMapOvr>
-  <p:timing>
-    <p:tnLst>
-      <p:par>
-        <p:cTn id="1" dur="indefinite" restart="never" nodeType="tmRoot"/>
-      </p:par>
-    </p:tnLst>
-  </p:timing>
-</p:sld>
-</file>
-
-<file path=ppt/slides/slide7.xml><?xml version="1.0" encoding="utf-8"?>
-<p:sld xmlns:a="http://schemas.openxmlformats.org/drawingml/2006/main" xmlns:r="http://schemas.openxmlformats.org/officeDocument/2006/relationships" xmlns:p="http://schemas.openxmlformats.org/presentationml/2006/main">
-  <p:cSld>
-    <p:spTree>
-      <p:nvGrpSpPr>
-        <p:cNvPr id="1" name=""/>
-        <p:cNvGrpSpPr/>
-        <p:nvPr/>
-      </p:nvGrpSpPr>
-      <p:grpSpPr>
-        <a:xfrm>
-          <a:off x="0" y="0"/>
-          <a:ext cx="0" cy="0"/>
-          <a:chOff x="0" y="0"/>
-          <a:chExt cx="0" cy="0"/>
-        </a:xfrm>
-      </p:grpSpPr>
-      <p:sp>
-        <p:nvSpPr>
-          <p:cNvPr id="5" name="TextBox 4"/>
-          <p:cNvSpPr txBox="1"/>
+      <p:grpSp>
+        <p:nvGrpSpPr>
+          <p:cNvPr id="2" name="그룹 1"/>
+          <p:cNvGrpSpPr/>
           <p:nvPr/>
-        </p:nvSpPr>
-        <p:spPr>
+        </p:nvGrpSpPr>
+        <p:grpSpPr>
           <a:xfrm>
-            <a:off x="345600" y="980728"/>
-            <a:ext cx="9342704" cy="462627"/>
+            <a:off x="1698681" y="2240868"/>
+            <a:ext cx="6636542" cy="3816423"/>
+            <a:chOff x="1124770" y="1674399"/>
+            <a:chExt cx="8184714" cy="4802792"/>
           </a:xfrm>
-          <a:prstGeom prst="rect">
-            <a:avLst/>
-          </a:prstGeom>
-          <a:noFill/>
-        </p:spPr>
-        <p:txBody>
-          <a:bodyPr wrap="square" rtlCol="0">
-            <a:spAutoFit/>
-          </a:bodyPr>
-          <a:lstStyle/>
-          <a:p>
-            <a:pPr>
-              <a:lnSpc>
-                <a:spcPct val="150000"/>
-              </a:lnSpc>
-            </a:pPr>
-            <a:r>
-              <a:rPr lang="ko-KR" altLang="en-US" b="1" dirty="0" smtClean="0">
-                <a:ln>
-                  <a:solidFill>
-                    <a:schemeClr val="tx1">
-                      <a:lumMod val="50000"/>
-                      <a:lumOff val="50000"/>
-                      <a:alpha val="0"/>
-                    </a:schemeClr>
-                  </a:solidFill>
-                </a:ln>
-                <a:solidFill>
-                  <a:srgbClr val="E9520B"/>
-                </a:solidFill>
-              </a:rPr>
-              <a:t>■ 코드 리뷰 점검 </a:t>
-            </a:r>
-            <a:r>
-              <a:rPr lang="en-US" altLang="ko-KR" b="1" dirty="0" smtClean="0">
-                <a:ln>
-                  <a:solidFill>
-                    <a:schemeClr val="tx1">
-                      <a:lumMod val="50000"/>
-                      <a:lumOff val="50000"/>
-                      <a:alpha val="0"/>
-                    </a:schemeClr>
-                  </a:solidFill>
-                </a:ln>
-                <a:solidFill>
-                  <a:srgbClr val="E9520B"/>
-                </a:solidFill>
-              </a:rPr>
-              <a:t>Tool</a:t>
-            </a:r>
-            <a:r>
-              <a:rPr lang="ko-KR" altLang="en-US" b="1" dirty="0" smtClean="0">
-                <a:ln>
-                  <a:solidFill>
-                    <a:schemeClr val="tx1">
-                      <a:lumMod val="50000"/>
-                      <a:lumOff val="50000"/>
-                      <a:alpha val="0"/>
-                    </a:schemeClr>
-                  </a:solidFill>
-                </a:ln>
-                <a:solidFill>
-                  <a:srgbClr val="E9520B"/>
-                </a:solidFill>
-              </a:rPr>
-              <a:t> 항목 </a:t>
-            </a:r>
-            <a:r>
-              <a:rPr lang="en-US" altLang="ko-KR" b="1" dirty="0" smtClean="0">
-                <a:ln>
-                  <a:solidFill>
-                    <a:schemeClr val="tx1">
-                      <a:lumMod val="50000"/>
-                      <a:lumOff val="50000"/>
-                      <a:alpha val="0"/>
-                    </a:schemeClr>
-                  </a:solidFill>
-                </a:ln>
-                <a:solidFill>
-                  <a:srgbClr val="E9520B"/>
-                </a:solidFill>
-              </a:rPr>
-              <a:t>– </a:t>
-            </a:r>
-            <a:r>
-              <a:rPr lang="en-US" altLang="ko-KR" b="1" dirty="0">
-                <a:ln>
-                  <a:solidFill>
-                    <a:schemeClr val="tx1">
-                      <a:lumMod val="50000"/>
-                      <a:lumOff val="50000"/>
-                      <a:alpha val="0"/>
-                    </a:schemeClr>
-                  </a:solidFill>
-                </a:ln>
-                <a:solidFill>
-                  <a:srgbClr val="E9520B"/>
-                </a:solidFill>
-              </a:rPr>
-              <a:t> </a:t>
-            </a:r>
-            <a:r>
-              <a:rPr lang="en-US" altLang="ko-KR" b="1" dirty="0" smtClean="0">
-                <a:ln>
-                  <a:solidFill>
-                    <a:schemeClr val="tx1">
-                      <a:lumMod val="50000"/>
-                      <a:lumOff val="50000"/>
-                      <a:alpha val="0"/>
-                    </a:schemeClr>
-                  </a:solidFill>
-                </a:ln>
-                <a:solidFill>
-                  <a:srgbClr val="E9520B"/>
-                </a:solidFill>
-              </a:rPr>
-              <a:t>Loop</a:t>
-            </a:r>
-            <a:r>
-              <a:rPr lang="ko-KR" altLang="en-US" b="1" dirty="0" smtClean="0">
-                <a:ln>
-                  <a:solidFill>
-                    <a:schemeClr val="tx1">
-                      <a:lumMod val="50000"/>
-                      <a:lumOff val="50000"/>
-                      <a:alpha val="0"/>
-                    </a:schemeClr>
-                  </a:solidFill>
-                </a:ln>
-                <a:solidFill>
-                  <a:srgbClr val="E9520B"/>
-                </a:solidFill>
-              </a:rPr>
-              <a:t>문내 처리 조건</a:t>
-            </a:r>
-            <a:endParaRPr lang="en-US" altLang="ko-KR" b="1" dirty="0" smtClean="0">
-              <a:ln>
-                <a:solidFill>
-                  <a:schemeClr val="tx1">
-                    <a:lumMod val="50000"/>
-                    <a:lumOff val="50000"/>
-                    <a:alpha val="0"/>
-                  </a:schemeClr>
-                </a:solidFill>
-              </a:ln>
+        </p:grpSpPr>
+        <p:pic>
+          <p:nvPicPr>
+            <p:cNvPr id="8" name="그림 7"/>
+            <p:cNvPicPr>
+              <a:picLocks noChangeAspect="1"/>
+            </p:cNvPicPr>
+            <p:nvPr/>
+          </p:nvPicPr>
+          <p:blipFill rotWithShape="1">
+            <a:blip r:embed="rId2"/>
+            <a:srcRect l="4380" r="9645" b="3500"/>
+            <a:stretch/>
+          </p:blipFill>
+          <p:spPr>
+            <a:xfrm>
+              <a:off x="3908883" y="1674399"/>
+              <a:ext cx="2088233" cy="4183334"/>
+            </a:xfrm>
+            <a:prstGeom prst="rect">
+              <a:avLst/>
+            </a:prstGeom>
+            <a:ln>
               <a:solidFill>
-                <a:srgbClr val="E9520B"/>
+                <a:schemeClr val="bg1">
+                  <a:lumMod val="85000"/>
+                </a:schemeClr>
               </a:solidFill>
-            </a:endParaRPr>
-          </a:p>
-        </p:txBody>
-      </p:sp>
-      <p:sp>
-        <p:nvSpPr>
-          <p:cNvPr id="6" name="제목 1"/>
-          <p:cNvSpPr>
-            <a:spLocks noGrp="1"/>
-          </p:cNvSpPr>
-          <p:nvPr>
-            <p:ph type="title" idx="4294967295"/>
-          </p:nvPr>
-        </p:nvSpPr>
-        <p:spPr>
-          <a:xfrm>
-            <a:off x="452500" y="224644"/>
-            <a:ext cx="6858903" cy="504056"/>
-          </a:xfrm>
-          <a:ln>
-            <a:noFill/>
-          </a:ln>
-        </p:spPr>
-        <p:txBody>
-          <a:bodyPr>
-            <a:normAutofit/>
-          </a:bodyPr>
-          <a:lstStyle/>
-          <a:p>
-            <a:r>
-              <a:rPr lang="ko-KR" altLang="en-US" sz="2800" b="1" dirty="0" smtClean="0">
-                <a:ln>
-                  <a:solidFill>
-                    <a:prstClr val="white">
-                      <a:alpha val="0"/>
-                    </a:prstClr>
-                  </a:solidFill>
-                </a:ln>
-                <a:solidFill>
-                  <a:prstClr val="white">
-                    <a:lumMod val="50000"/>
-                  </a:prstClr>
-                </a:solidFill>
-                <a:latin typeface="+mn-ea"/>
-                <a:ea typeface="+mn-ea"/>
-              </a:rPr>
-              <a:t>기능 정의</a:t>
-            </a:r>
-            <a:endParaRPr lang="ko-KR" altLang="en-US" sz="2800" b="1" dirty="0">
-              <a:latin typeface="+mn-ea"/>
-              <a:ea typeface="+mn-ea"/>
-            </a:endParaRPr>
-          </a:p>
-        </p:txBody>
-      </p:sp>
-      <p:pic>
-        <p:nvPicPr>
-          <p:cNvPr id="8" name="그림 7"/>
-          <p:cNvPicPr>
-            <a:picLocks noChangeAspect="1"/>
-          </p:cNvPicPr>
-          <p:nvPr/>
-        </p:nvPicPr>
-        <p:blipFill rotWithShape="1">
-          <a:blip r:embed="rId2"/>
-          <a:srcRect l="4380" r="9645" b="3500"/>
-          <a:stretch/>
-        </p:blipFill>
-        <p:spPr>
-          <a:xfrm>
-            <a:off x="3908883" y="1674399"/>
-            <a:ext cx="2088233" cy="4183334"/>
-          </a:xfrm>
-          <a:prstGeom prst="rect">
-            <a:avLst/>
-          </a:prstGeom>
-          <a:ln>
-            <a:solidFill>
-              <a:schemeClr val="bg1">
-                <a:lumMod val="85000"/>
-              </a:schemeClr>
-            </a:solidFill>
-          </a:ln>
-        </p:spPr>
-      </p:pic>
-      <p:pic>
-        <p:nvPicPr>
-          <p:cNvPr id="10" name="그림 9"/>
-          <p:cNvPicPr>
-            <a:picLocks noChangeAspect="1"/>
-          </p:cNvPicPr>
-          <p:nvPr/>
-        </p:nvPicPr>
-        <p:blipFill rotWithShape="1">
-          <a:blip r:embed="rId3"/>
-          <a:srcRect r="2059" b="4638"/>
-          <a:stretch/>
-        </p:blipFill>
-        <p:spPr>
-          <a:xfrm>
-            <a:off x="1124770" y="1688512"/>
-            <a:ext cx="2108342" cy="4169221"/>
-          </a:xfrm>
-          <a:prstGeom prst="rect">
-            <a:avLst/>
-          </a:prstGeom>
-          <a:ln>
-            <a:solidFill>
-              <a:schemeClr val="bg1">
-                <a:lumMod val="85000"/>
-              </a:schemeClr>
-            </a:solidFill>
-          </a:ln>
-        </p:spPr>
-      </p:pic>
-      <p:pic>
-        <p:nvPicPr>
-          <p:cNvPr id="11" name="그림 10"/>
-          <p:cNvPicPr>
-            <a:picLocks noChangeAspect="1"/>
-          </p:cNvPicPr>
-          <p:nvPr/>
-        </p:nvPicPr>
-        <p:blipFill rotWithShape="1">
-          <a:blip r:embed="rId4"/>
-          <a:srcRect l="4867" t="1812" b="2060"/>
-          <a:stretch/>
-        </p:blipFill>
-        <p:spPr>
-          <a:xfrm>
-            <a:off x="7005228" y="1674399"/>
-            <a:ext cx="2111313" cy="4275906"/>
-          </a:xfrm>
-          <a:prstGeom prst="rect">
-            <a:avLst/>
-          </a:prstGeom>
-          <a:ln>
-            <a:solidFill>
-              <a:schemeClr val="bg1">
-                <a:lumMod val="85000"/>
-              </a:schemeClr>
-            </a:solidFill>
-          </a:ln>
-        </p:spPr>
-      </p:pic>
-      <p:sp>
-        <p:nvSpPr>
-          <p:cNvPr id="13" name="순서도: 처리 12"/>
-          <p:cNvSpPr/>
-          <p:nvPr/>
-        </p:nvSpPr>
-        <p:spPr>
-          <a:xfrm>
-            <a:off x="1140236" y="5985285"/>
-            <a:ext cx="2108344" cy="376992"/>
-          </a:xfrm>
-          <a:prstGeom prst="flowChartProcess">
-            <a:avLst/>
-          </a:prstGeom>
-          <a:ln>
-            <a:solidFill>
-              <a:schemeClr val="tx1"/>
-            </a:solidFill>
-          </a:ln>
-        </p:spPr>
-        <p:style>
-          <a:lnRef idx="2">
-            <a:schemeClr val="accent2"/>
-          </a:lnRef>
-          <a:fillRef idx="1">
-            <a:schemeClr val="lt1"/>
-          </a:fillRef>
-          <a:effectRef idx="0">
-            <a:schemeClr val="accent2"/>
-          </a:effectRef>
-          <a:fontRef idx="minor">
-            <a:schemeClr val="dk1"/>
-          </a:fontRef>
-        </p:style>
-        <p:txBody>
-          <a:bodyPr rtlCol="0" anchor="ctr"/>
-          <a:lstStyle/>
-          <a:p>
-            <a:pPr algn="ctr"/>
-            <a:r>
-              <a:rPr lang="ko-KR" altLang="en-US" sz="1100" dirty="0" smtClean="0"/>
-              <a:t>① </a:t>
-            </a:r>
-            <a:r>
-              <a:rPr lang="en-US" altLang="ko-KR" sz="1100" dirty="0" smtClean="0"/>
-              <a:t>while</a:t>
-            </a:r>
-            <a:r>
-              <a:rPr lang="ko-KR" altLang="en-US" sz="1100" dirty="0" smtClean="0"/>
-              <a:t>문 코드 찾기</a:t>
-            </a:r>
-            <a:endParaRPr lang="en-US" altLang="ko-KR" sz="1100" dirty="0" smtClean="0"/>
-          </a:p>
-        </p:txBody>
-      </p:sp>
-      <p:sp>
-        <p:nvSpPr>
-          <p:cNvPr id="14" name="순서도: 처리 13"/>
-          <p:cNvSpPr/>
-          <p:nvPr/>
-        </p:nvSpPr>
-        <p:spPr>
-          <a:xfrm>
-            <a:off x="3881951" y="5997507"/>
-            <a:ext cx="2108344" cy="376992"/>
-          </a:xfrm>
-          <a:prstGeom prst="flowChartProcess">
-            <a:avLst/>
-          </a:prstGeom>
-          <a:ln>
-            <a:solidFill>
-              <a:schemeClr val="tx1"/>
-            </a:solidFill>
-          </a:ln>
-        </p:spPr>
-        <p:style>
-          <a:lnRef idx="2">
-            <a:schemeClr val="accent2"/>
-          </a:lnRef>
-          <a:fillRef idx="1">
-            <a:schemeClr val="lt1"/>
-          </a:fillRef>
-          <a:effectRef idx="0">
-            <a:schemeClr val="accent2"/>
-          </a:effectRef>
-          <a:fontRef idx="minor">
-            <a:schemeClr val="dk1"/>
-          </a:fontRef>
-        </p:style>
-        <p:txBody>
-          <a:bodyPr rtlCol="0" anchor="ctr"/>
-          <a:lstStyle/>
-          <a:p>
-            <a:pPr algn="ctr"/>
-            <a:r>
-              <a:rPr lang="ko-KR" altLang="en-US" sz="1100" dirty="0" smtClean="0"/>
-              <a:t>② </a:t>
-            </a:r>
-            <a:r>
-              <a:rPr lang="en-US" altLang="ko-KR" sz="1100" dirty="0" smtClean="0"/>
-              <a:t>while</a:t>
-            </a:r>
-            <a:r>
-              <a:rPr lang="ko-KR" altLang="en-US" sz="1100" dirty="0" smtClean="0"/>
-              <a:t>문 내의 블록 문은 제외</a:t>
-            </a:r>
-            <a:endParaRPr lang="en-US" altLang="ko-KR" sz="1100" dirty="0" smtClean="0"/>
-          </a:p>
-        </p:txBody>
-      </p:sp>
-      <p:sp>
-        <p:nvSpPr>
-          <p:cNvPr id="15" name="순서도: 처리 14"/>
-          <p:cNvSpPr/>
-          <p:nvPr/>
-        </p:nvSpPr>
-        <p:spPr>
-          <a:xfrm>
-            <a:off x="6809316" y="5997507"/>
-            <a:ext cx="2500168" cy="376992"/>
-          </a:xfrm>
-          <a:prstGeom prst="flowChartProcess">
-            <a:avLst/>
-          </a:prstGeom>
-          <a:ln>
-            <a:solidFill>
-              <a:schemeClr val="tx1"/>
-            </a:solidFill>
-          </a:ln>
-        </p:spPr>
-        <p:style>
-          <a:lnRef idx="2">
-            <a:schemeClr val="accent2"/>
-          </a:lnRef>
-          <a:fillRef idx="1">
-            <a:schemeClr val="lt1"/>
-          </a:fillRef>
-          <a:effectRef idx="0">
-            <a:schemeClr val="accent2"/>
-          </a:effectRef>
-          <a:fontRef idx="minor">
-            <a:schemeClr val="dk1"/>
-          </a:fontRef>
-        </p:style>
-        <p:txBody>
-          <a:bodyPr rtlCol="0" anchor="ctr"/>
-          <a:lstStyle/>
-          <a:p>
-            <a:pPr algn="ctr"/>
-            <a:r>
-              <a:rPr lang="ko-KR" altLang="en-US" sz="1100" dirty="0" smtClean="0"/>
-              <a:t>③ </a:t>
-            </a:r>
-            <a:r>
-              <a:rPr lang="en-US" altLang="ko-KR" sz="1100" dirty="0" smtClean="0"/>
-              <a:t>while</a:t>
-            </a:r>
-            <a:r>
-              <a:rPr lang="ko-KR" altLang="en-US" sz="1100" dirty="0" smtClean="0"/>
-              <a:t>문 내 </a:t>
-            </a:r>
-            <a:r>
-              <a:rPr lang="en-US" altLang="ko-KR" sz="1100" dirty="0" smtClean="0"/>
-              <a:t>delay </a:t>
-            </a:r>
-            <a:r>
-              <a:rPr lang="ko-KR" altLang="en-US" sz="1100" dirty="0" smtClean="0"/>
-              <a:t>위치 정상 확인</a:t>
-            </a:r>
-            <a:endParaRPr lang="en-US" altLang="ko-KR" sz="1100" dirty="0" smtClean="0"/>
-          </a:p>
-        </p:txBody>
-      </p:sp>
+            </a:ln>
+          </p:spPr>
+        </p:pic>
+        <p:pic>
+          <p:nvPicPr>
+            <p:cNvPr id="10" name="그림 9"/>
+            <p:cNvPicPr>
+              <a:picLocks noChangeAspect="1"/>
+            </p:cNvPicPr>
+            <p:nvPr/>
+          </p:nvPicPr>
+          <p:blipFill rotWithShape="1">
+            <a:blip r:embed="rId3"/>
+            <a:srcRect r="2059" b="4638"/>
+            <a:stretch/>
+          </p:blipFill>
+          <p:spPr>
+            <a:xfrm>
+              <a:off x="1124770" y="1688512"/>
+              <a:ext cx="2108342" cy="4169221"/>
+            </a:xfrm>
+            <a:prstGeom prst="rect">
+              <a:avLst/>
+            </a:prstGeom>
+            <a:ln>
+              <a:solidFill>
+                <a:schemeClr val="bg1">
+                  <a:lumMod val="85000"/>
+                </a:schemeClr>
+              </a:solidFill>
+            </a:ln>
+          </p:spPr>
+        </p:pic>
+        <p:pic>
+          <p:nvPicPr>
+            <p:cNvPr id="11" name="그림 10"/>
+            <p:cNvPicPr>
+              <a:picLocks noChangeAspect="1"/>
+            </p:cNvPicPr>
+            <p:nvPr/>
+          </p:nvPicPr>
+          <p:blipFill rotWithShape="1">
+            <a:blip r:embed="rId4"/>
+            <a:srcRect l="4867" t="1812" b="2060"/>
+            <a:stretch/>
+          </p:blipFill>
+          <p:spPr>
+            <a:xfrm>
+              <a:off x="7005228" y="1674399"/>
+              <a:ext cx="2111313" cy="4275906"/>
+            </a:xfrm>
+            <a:prstGeom prst="rect">
+              <a:avLst/>
+            </a:prstGeom>
+            <a:ln>
+              <a:solidFill>
+                <a:schemeClr val="bg1">
+                  <a:lumMod val="85000"/>
+                </a:schemeClr>
+              </a:solidFill>
+            </a:ln>
+          </p:spPr>
+        </p:pic>
+        <p:sp>
+          <p:nvSpPr>
+            <p:cNvPr id="13" name="순서도: 처리 12"/>
+            <p:cNvSpPr/>
+            <p:nvPr/>
+          </p:nvSpPr>
+          <p:spPr>
+            <a:xfrm>
+              <a:off x="1140237" y="5985285"/>
+              <a:ext cx="2108344" cy="491904"/>
+            </a:xfrm>
+            <a:prstGeom prst="flowChartProcess">
+              <a:avLst/>
+            </a:prstGeom>
+            <a:ln>
+              <a:solidFill>
+                <a:schemeClr val="tx1"/>
+              </a:solidFill>
+            </a:ln>
+          </p:spPr>
+          <p:style>
+            <a:lnRef idx="2">
+              <a:schemeClr val="accent2"/>
+            </a:lnRef>
+            <a:fillRef idx="1">
+              <a:schemeClr val="lt1"/>
+            </a:fillRef>
+            <a:effectRef idx="0">
+              <a:schemeClr val="accent2"/>
+            </a:effectRef>
+            <a:fontRef idx="minor">
+              <a:schemeClr val="dk1"/>
+            </a:fontRef>
+          </p:style>
+          <p:txBody>
+            <a:bodyPr rtlCol="0" anchor="ctr"/>
+            <a:lstStyle/>
+            <a:p>
+              <a:pPr algn="ctr"/>
+              <a:r>
+                <a:rPr lang="ko-KR" altLang="en-US" sz="1100" dirty="0" smtClean="0"/>
+                <a:t>① </a:t>
+              </a:r>
+              <a:r>
+                <a:rPr lang="en-US" altLang="ko-KR" sz="1100" dirty="0" smtClean="0"/>
+                <a:t>while</a:t>
+              </a:r>
+              <a:r>
+                <a:rPr lang="ko-KR" altLang="en-US" sz="1100" dirty="0" smtClean="0"/>
+                <a:t>문 코드 찾기</a:t>
+              </a:r>
+              <a:endParaRPr lang="en-US" altLang="ko-KR" sz="1100" dirty="0" smtClean="0"/>
+            </a:p>
+          </p:txBody>
+        </p:sp>
+        <p:sp>
+          <p:nvSpPr>
+            <p:cNvPr id="14" name="순서도: 처리 13"/>
+            <p:cNvSpPr/>
+            <p:nvPr/>
+          </p:nvSpPr>
+          <p:spPr>
+            <a:xfrm>
+              <a:off x="3881951" y="5997505"/>
+              <a:ext cx="2108344" cy="479686"/>
+            </a:xfrm>
+            <a:prstGeom prst="flowChartProcess">
+              <a:avLst/>
+            </a:prstGeom>
+            <a:ln>
+              <a:solidFill>
+                <a:schemeClr val="tx1"/>
+              </a:solidFill>
+            </a:ln>
+          </p:spPr>
+          <p:style>
+            <a:lnRef idx="2">
+              <a:schemeClr val="accent2"/>
+            </a:lnRef>
+            <a:fillRef idx="1">
+              <a:schemeClr val="lt1"/>
+            </a:fillRef>
+            <a:effectRef idx="0">
+              <a:schemeClr val="accent2"/>
+            </a:effectRef>
+            <a:fontRef idx="minor">
+              <a:schemeClr val="dk1"/>
+            </a:fontRef>
+          </p:style>
+          <p:txBody>
+            <a:bodyPr rtlCol="0" anchor="ctr"/>
+            <a:lstStyle/>
+            <a:p>
+              <a:pPr algn="ctr"/>
+              <a:r>
+                <a:rPr lang="ko-KR" altLang="en-US" sz="1100" dirty="0" smtClean="0"/>
+                <a:t>② </a:t>
+              </a:r>
+              <a:r>
+                <a:rPr lang="en-US" altLang="ko-KR" sz="1100" dirty="0" smtClean="0"/>
+                <a:t>while</a:t>
+              </a:r>
+              <a:r>
+                <a:rPr lang="ko-KR" altLang="en-US" sz="1100" dirty="0" smtClean="0"/>
+                <a:t>문 내의 블록 문은 제외</a:t>
+              </a:r>
+              <a:endParaRPr lang="en-US" altLang="ko-KR" sz="1100" dirty="0" smtClean="0"/>
+            </a:p>
+          </p:txBody>
+        </p:sp>
+        <p:sp>
+          <p:nvSpPr>
+            <p:cNvPr id="15" name="순서도: 처리 14"/>
+            <p:cNvSpPr/>
+            <p:nvPr/>
+          </p:nvSpPr>
+          <p:spPr>
+            <a:xfrm>
+              <a:off x="6809316" y="5997506"/>
+              <a:ext cx="2500168" cy="479684"/>
+            </a:xfrm>
+            <a:prstGeom prst="flowChartProcess">
+              <a:avLst/>
+            </a:prstGeom>
+            <a:ln>
+              <a:solidFill>
+                <a:schemeClr val="tx1"/>
+              </a:solidFill>
+            </a:ln>
+          </p:spPr>
+          <p:style>
+            <a:lnRef idx="2">
+              <a:schemeClr val="accent2"/>
+            </a:lnRef>
+            <a:fillRef idx="1">
+              <a:schemeClr val="lt1"/>
+            </a:fillRef>
+            <a:effectRef idx="0">
+              <a:schemeClr val="accent2"/>
+            </a:effectRef>
+            <a:fontRef idx="minor">
+              <a:schemeClr val="dk1"/>
+            </a:fontRef>
+          </p:style>
+          <p:txBody>
+            <a:bodyPr rtlCol="0" anchor="ctr"/>
+            <a:lstStyle/>
+            <a:p>
+              <a:pPr algn="ctr"/>
+              <a:r>
+                <a:rPr lang="ko-KR" altLang="en-US" sz="1100" dirty="0" smtClean="0"/>
+                <a:t>③ </a:t>
+              </a:r>
+              <a:r>
+                <a:rPr lang="en-US" altLang="ko-KR" sz="1100" dirty="0" smtClean="0"/>
+                <a:t>while</a:t>
+              </a:r>
+              <a:r>
+                <a:rPr lang="ko-KR" altLang="en-US" sz="1100" dirty="0" smtClean="0"/>
+                <a:t>문 내 </a:t>
+              </a:r>
+              <a:r>
+                <a:rPr lang="en-US" altLang="ko-KR" sz="1100" dirty="0" smtClean="0"/>
+                <a:t>delay </a:t>
+              </a:r>
+              <a:r>
+                <a:rPr lang="ko-KR" altLang="en-US" sz="1100" dirty="0" smtClean="0"/>
+                <a:t>위치 정상 확인</a:t>
+              </a:r>
+              <a:endParaRPr lang="en-US" altLang="ko-KR" sz="1100" dirty="0" smtClean="0"/>
+            </a:p>
+          </p:txBody>
+        </p:sp>
+      </p:grpSp>
     </p:spTree>
     <p:extLst>
       <p:ext uri="{BB962C8B-B14F-4D97-AF65-F5344CB8AC3E}">
@@ -31380,7 +31028,7 @@
 </p:sld>
 </file>
 
-<file path=ppt/slides/slide8.xml><?xml version="1.0" encoding="utf-8"?>
+<file path=ppt/slides/slide7.xml><?xml version="1.0" encoding="utf-8"?>
 <p:sld xmlns:a="http://schemas.openxmlformats.org/drawingml/2006/main" xmlns:r="http://schemas.openxmlformats.org/officeDocument/2006/relationships" xmlns:p="http://schemas.openxmlformats.org/presentationml/2006/main">
   <p:cSld>
     <p:spTree>
@@ -31800,7 +31448,7 @@
 </p:sld>
 </file>
 
-<file path=ppt/slides/slide9.xml><?xml version="1.0" encoding="utf-8"?>
+<file path=ppt/slides/slide8.xml><?xml version="1.0" encoding="utf-8"?>
 <p:sld xmlns:a="http://schemas.openxmlformats.org/drawingml/2006/main" xmlns:r="http://schemas.openxmlformats.org/officeDocument/2006/relationships" xmlns:p="http://schemas.openxmlformats.org/presentationml/2006/main">
   <p:cSld>
     <p:spTree>
@@ -32214,6 +31862,309 @@
     <p:extLst>
       <p:ext uri="{BB962C8B-B14F-4D97-AF65-F5344CB8AC3E}">
         <p14:creationId xmlns:p14="http://schemas.microsoft.com/office/powerpoint/2010/main" val="1875326720"/>
+      </p:ext>
+    </p:extLst>
+  </p:cSld>
+  <p:clrMapOvr>
+    <a:masterClrMapping/>
+  </p:clrMapOvr>
+  <p:timing>
+    <p:tnLst>
+      <p:par>
+        <p:cTn id="1" dur="indefinite" restart="never" nodeType="tmRoot"/>
+      </p:par>
+    </p:tnLst>
+  </p:timing>
+</p:sld>
+</file>
+
+<file path=ppt/slides/slide9.xml><?xml version="1.0" encoding="utf-8"?>
+<p:sld xmlns:a="http://schemas.openxmlformats.org/drawingml/2006/main" xmlns:r="http://schemas.openxmlformats.org/officeDocument/2006/relationships" xmlns:p="http://schemas.openxmlformats.org/presentationml/2006/main">
+  <p:cSld>
+    <p:spTree>
+      <p:nvGrpSpPr>
+        <p:cNvPr id="1" name=""/>
+        <p:cNvGrpSpPr/>
+        <p:nvPr/>
+      </p:nvGrpSpPr>
+      <p:grpSpPr>
+        <a:xfrm>
+          <a:off x="0" y="0"/>
+          <a:ext cx="0" cy="0"/>
+          <a:chOff x="0" y="0"/>
+          <a:chExt cx="0" cy="0"/>
+        </a:xfrm>
+      </p:grpSpPr>
+      <p:sp>
+        <p:nvSpPr>
+          <p:cNvPr id="5" name="TextBox 4"/>
+          <p:cNvSpPr txBox="1"/>
+          <p:nvPr/>
+        </p:nvSpPr>
+        <p:spPr>
+          <a:xfrm>
+            <a:off x="345600" y="980728"/>
+            <a:ext cx="9342704" cy="507831"/>
+          </a:xfrm>
+          <a:prstGeom prst="rect">
+            <a:avLst/>
+          </a:prstGeom>
+          <a:noFill/>
+        </p:spPr>
+        <p:txBody>
+          <a:bodyPr wrap="square" rtlCol="0">
+            <a:spAutoFit/>
+          </a:bodyPr>
+          <a:lstStyle/>
+          <a:p>
+            <a:pPr>
+              <a:lnSpc>
+                <a:spcPct val="150000"/>
+              </a:lnSpc>
+            </a:pPr>
+            <a:r>
+              <a:rPr lang="ko-KR" altLang="en-US" b="1" dirty="0" smtClean="0">
+                <a:ln>
+                  <a:solidFill>
+                    <a:schemeClr val="tx1">
+                      <a:lumMod val="50000"/>
+                      <a:lumOff val="50000"/>
+                      <a:alpha val="0"/>
+                    </a:schemeClr>
+                  </a:solidFill>
+                </a:ln>
+                <a:solidFill>
+                  <a:srgbClr val="E9520B"/>
+                </a:solidFill>
+              </a:rPr>
+              <a:t>■ 코드 리뷰 점검 </a:t>
+            </a:r>
+            <a:r>
+              <a:rPr lang="en-US" altLang="ko-KR" b="1" dirty="0" smtClean="0">
+                <a:ln>
+                  <a:solidFill>
+                    <a:schemeClr val="tx1">
+                      <a:lumMod val="50000"/>
+                      <a:lumOff val="50000"/>
+                      <a:alpha val="0"/>
+                    </a:schemeClr>
+                  </a:solidFill>
+                </a:ln>
+                <a:solidFill>
+                  <a:srgbClr val="E9520B"/>
+                </a:solidFill>
+              </a:rPr>
+              <a:t>Tool</a:t>
+            </a:r>
+            <a:r>
+              <a:rPr lang="ko-KR" altLang="en-US" b="1" dirty="0" smtClean="0">
+                <a:ln>
+                  <a:solidFill>
+                    <a:schemeClr val="tx1">
+                      <a:lumMod val="50000"/>
+                      <a:lumOff val="50000"/>
+                      <a:alpha val="0"/>
+                    </a:schemeClr>
+                  </a:solidFill>
+                </a:ln>
+                <a:solidFill>
+                  <a:srgbClr val="E9520B"/>
+                </a:solidFill>
+              </a:rPr>
+              <a:t> 항목 </a:t>
+            </a:r>
+            <a:r>
+              <a:rPr lang="en-US" altLang="ko-KR" b="1" dirty="0" smtClean="0">
+                <a:ln>
+                  <a:solidFill>
+                    <a:schemeClr val="tx1">
+                      <a:lumMod val="50000"/>
+                      <a:lumOff val="50000"/>
+                      <a:alpha val="0"/>
+                    </a:schemeClr>
+                  </a:solidFill>
+                </a:ln>
+                <a:solidFill>
+                  <a:srgbClr val="E9520B"/>
+                </a:solidFill>
+              </a:rPr>
+              <a:t>– DP </a:t>
+            </a:r>
+            <a:r>
+              <a:rPr lang="ko-KR" altLang="en-US" b="1" dirty="0" smtClean="0">
+                <a:ln>
+                  <a:solidFill>
+                    <a:schemeClr val="tx1">
+                      <a:lumMod val="50000"/>
+                      <a:lumOff val="50000"/>
+                      <a:alpha val="0"/>
+                    </a:schemeClr>
+                  </a:solidFill>
+                </a:ln>
+                <a:solidFill>
+                  <a:srgbClr val="E9520B"/>
+                </a:solidFill>
+              </a:rPr>
+              <a:t>함수 예외 처리</a:t>
+            </a:r>
+            <a:endParaRPr lang="en-US" altLang="ko-KR" b="1" dirty="0" smtClean="0">
+              <a:ln>
+                <a:solidFill>
+                  <a:schemeClr val="tx1">
+                    <a:lumMod val="50000"/>
+                    <a:lumOff val="50000"/>
+                    <a:alpha val="0"/>
+                  </a:schemeClr>
+                </a:solidFill>
+              </a:ln>
+              <a:solidFill>
+                <a:srgbClr val="E9520B"/>
+              </a:solidFill>
+            </a:endParaRPr>
+          </a:p>
+        </p:txBody>
+      </p:sp>
+      <p:sp>
+        <p:nvSpPr>
+          <p:cNvPr id="6" name="제목 1"/>
+          <p:cNvSpPr>
+            <a:spLocks noGrp="1"/>
+          </p:cNvSpPr>
+          <p:nvPr>
+            <p:ph type="title" idx="4294967295"/>
+          </p:nvPr>
+        </p:nvSpPr>
+        <p:spPr>
+          <a:xfrm>
+            <a:off x="452500" y="224644"/>
+            <a:ext cx="6858903" cy="504056"/>
+          </a:xfrm>
+          <a:ln>
+            <a:noFill/>
+          </a:ln>
+        </p:spPr>
+        <p:txBody>
+          <a:bodyPr>
+            <a:normAutofit/>
+          </a:bodyPr>
+          <a:lstStyle/>
+          <a:p>
+            <a:r>
+              <a:rPr lang="ko-KR" altLang="en-US" sz="2800" b="1" dirty="0" smtClean="0">
+                <a:ln>
+                  <a:solidFill>
+                    <a:prstClr val="white">
+                      <a:alpha val="0"/>
+                    </a:prstClr>
+                  </a:solidFill>
+                </a:ln>
+                <a:solidFill>
+                  <a:prstClr val="white">
+                    <a:lumMod val="50000"/>
+                  </a:prstClr>
+                </a:solidFill>
+                <a:latin typeface="+mn-ea"/>
+                <a:ea typeface="+mn-ea"/>
+              </a:rPr>
+              <a:t>기능 정의</a:t>
+            </a:r>
+            <a:endParaRPr lang="ko-KR" altLang="en-US" sz="2800" b="1" dirty="0">
+              <a:latin typeface="+mn-ea"/>
+              <a:ea typeface="+mn-ea"/>
+            </a:endParaRPr>
+          </a:p>
+        </p:txBody>
+      </p:sp>
+      <p:pic>
+        <p:nvPicPr>
+          <p:cNvPr id="3" name="그림 2"/>
+          <p:cNvPicPr>
+            <a:picLocks noChangeAspect="1"/>
+          </p:cNvPicPr>
+          <p:nvPr/>
+        </p:nvPicPr>
+        <p:blipFill>
+          <a:blip r:embed="rId2"/>
+          <a:stretch>
+            <a:fillRect/>
+          </a:stretch>
+        </p:blipFill>
+        <p:spPr>
+          <a:xfrm>
+            <a:off x="668524" y="1488559"/>
+            <a:ext cx="7223950" cy="4644516"/>
+          </a:xfrm>
+          <a:prstGeom prst="rect">
+            <a:avLst/>
+          </a:prstGeom>
+          <a:ln>
+            <a:solidFill>
+              <a:schemeClr val="bg1">
+                <a:lumMod val="85000"/>
+              </a:schemeClr>
+            </a:solidFill>
+          </a:ln>
+        </p:spPr>
+      </p:pic>
+      <p:sp>
+        <p:nvSpPr>
+          <p:cNvPr id="10" name="순서도: 처리 9"/>
+          <p:cNvSpPr/>
+          <p:nvPr/>
+        </p:nvSpPr>
+        <p:spPr>
+          <a:xfrm>
+            <a:off x="1488560" y="4440887"/>
+            <a:ext cx="2644404" cy="376992"/>
+          </a:xfrm>
+          <a:prstGeom prst="flowChartProcess">
+            <a:avLst/>
+          </a:prstGeom>
+          <a:ln>
+            <a:solidFill>
+              <a:schemeClr val="tx1"/>
+            </a:solidFill>
+          </a:ln>
+        </p:spPr>
+        <p:style>
+          <a:lnRef idx="2">
+            <a:schemeClr val="accent2"/>
+          </a:lnRef>
+          <a:fillRef idx="1">
+            <a:schemeClr val="lt1"/>
+          </a:fillRef>
+          <a:effectRef idx="0">
+            <a:schemeClr val="accent2"/>
+          </a:effectRef>
+          <a:fontRef idx="minor">
+            <a:schemeClr val="dk1"/>
+          </a:fontRef>
+        </p:style>
+        <p:txBody>
+          <a:bodyPr rtlCol="0" anchor="ctr"/>
+          <a:lstStyle/>
+          <a:p>
+            <a:pPr algn="ctr"/>
+            <a:r>
+              <a:rPr lang="ko-KR" altLang="en-US" sz="1100" dirty="0" smtClean="0"/>
+              <a:t>① </a:t>
+            </a:r>
+            <a:r>
+              <a:rPr lang="en-US" altLang="ko-KR" sz="1100" dirty="0" smtClean="0"/>
+              <a:t>Callback </a:t>
+            </a:r>
+            <a:r>
+              <a:rPr lang="ko-KR" altLang="en-US" sz="1100" dirty="0" smtClean="0"/>
+              <a:t>함수 호출 코드 확인</a:t>
+            </a:r>
+            <a:endParaRPr lang="en-US" altLang="ko-KR" sz="1100" dirty="0" smtClean="0"/>
+          </a:p>
+        </p:txBody>
+      </p:sp>
+    </p:spTree>
+    <p:extLst>
+      <p:ext uri="{BB962C8B-B14F-4D97-AF65-F5344CB8AC3E}">
+        <p14:creationId xmlns:p14="http://schemas.microsoft.com/office/powerpoint/2010/main" val="409019644"/>
       </p:ext>
     </p:extLst>
   </p:cSld>

--- a/CodeReviewTool/doc/CodeReview_점검_Tool_개발계획서_rev06.pptx
+++ b/CodeReviewTool/doc/CodeReview_점검_Tool_개발계획서_rev06.pptx
@@ -5,10 +5,10 @@
     <p:sldMasterId id="2147483660" r:id="rId1"/>
   </p:sldMasterIdLst>
   <p:notesMasterIdLst>
-    <p:notesMasterId r:id="rId18"/>
+    <p:notesMasterId r:id="rId19"/>
   </p:notesMasterIdLst>
   <p:handoutMasterIdLst>
-    <p:handoutMasterId r:id="rId19"/>
+    <p:handoutMasterId r:id="rId20"/>
   </p:handoutMasterIdLst>
   <p:sldIdLst>
     <p:sldId id="257" r:id="rId2"/>
@@ -16,37 +16,38 @@
     <p:sldId id="341" r:id="rId4"/>
     <p:sldId id="342" r:id="rId5"/>
     <p:sldId id="356" r:id="rId6"/>
-    <p:sldId id="358" r:id="rId7"/>
-    <p:sldId id="359" r:id="rId8"/>
-    <p:sldId id="360" r:id="rId9"/>
-    <p:sldId id="361" r:id="rId10"/>
-    <p:sldId id="363" r:id="rId11"/>
-    <p:sldId id="365" r:id="rId12"/>
-    <p:sldId id="364" r:id="rId13"/>
-    <p:sldId id="367" r:id="rId14"/>
-    <p:sldId id="368" r:id="rId15"/>
-    <p:sldId id="362" r:id="rId16"/>
-    <p:sldId id="335" r:id="rId17"/>
+    <p:sldId id="369" r:id="rId7"/>
+    <p:sldId id="358" r:id="rId8"/>
+    <p:sldId id="359" r:id="rId9"/>
+    <p:sldId id="360" r:id="rId10"/>
+    <p:sldId id="361" r:id="rId11"/>
+    <p:sldId id="363" r:id="rId12"/>
+    <p:sldId id="365" r:id="rId13"/>
+    <p:sldId id="364" r:id="rId14"/>
+    <p:sldId id="367" r:id="rId15"/>
+    <p:sldId id="368" r:id="rId16"/>
+    <p:sldId id="362" r:id="rId17"/>
+    <p:sldId id="335" r:id="rId18"/>
   </p:sldIdLst>
   <p:sldSz cx="9906000" cy="6858000" type="A4"/>
   <p:notesSz cx="6858000" cy="9144000"/>
   <p:embeddedFontLst>
     <p:embeddedFont>
       <p:font typeface="Calibri Light" panose="020F0302020204030204" pitchFamily="34" charset="0"/>
-      <p:regular r:id="rId20"/>
-      <p:italic r:id="rId21"/>
+      <p:regular r:id="rId21"/>
+      <p:italic r:id="rId22"/>
     </p:embeddedFont>
     <p:embeddedFont>
       <p:font typeface="Calibri" panose="020F0502020204030204" pitchFamily="34" charset="0"/>
-      <p:regular r:id="rId22"/>
-      <p:bold r:id="rId23"/>
-      <p:italic r:id="rId24"/>
-      <p:boldItalic r:id="rId25"/>
+      <p:regular r:id="rId23"/>
+      <p:bold r:id="rId24"/>
+      <p:italic r:id="rId25"/>
+      <p:boldItalic r:id="rId26"/>
     </p:embeddedFont>
     <p:embeddedFont>
       <p:font typeface="맑은 고딕" panose="020B0503020000020004" pitchFamily="50" charset="-127"/>
-      <p:regular r:id="rId26"/>
-      <p:bold r:id="rId27"/>
+      <p:regular r:id="rId27"/>
+      <p:bold r:id="rId28"/>
     </p:embeddedFont>
   </p:embeddedFontLst>
   <p:defaultTextStyle>
@@ -154,6 +155,7 @@
             <p14:sldId id="341"/>
             <p14:sldId id="342"/>
             <p14:sldId id="356"/>
+            <p14:sldId id="369"/>
             <p14:sldId id="358"/>
             <p14:sldId id="359"/>
             <p14:sldId id="360"/>
@@ -272,7 +274,7 @@
           <a:p>
             <a:fld id="{036B6B10-1B09-480E-9EAC-7453F6B2BC47}" type="datetimeFigureOut">
               <a:rPr lang="ko-KR" altLang="en-US" smtClean="0"/>
-              <a:t>2024-09-03</a:t>
+              <a:t>2024-09-04</a:t>
             </a:fld>
             <a:endParaRPr lang="ko-KR" altLang="en-US"/>
           </a:p>
@@ -437,7 +439,7 @@
           <a:p>
             <a:fld id="{FE749B7C-4794-4872-A925-753F194DD9F3}" type="datetimeFigureOut">
               <a:rPr lang="ko-KR" altLang="en-US" smtClean="0"/>
-              <a:t>2024-09-03</a:t>
+              <a:t>2024-09-04</a:t>
             </a:fld>
             <a:endParaRPr lang="ko-KR" altLang="en-US"/>
           </a:p>
@@ -1778,7 +1780,7 @@
           <a:p>
             <a:fld id="{805658A3-C337-411C-A39B-D6A40476A7DB}" type="datetimeFigureOut">
               <a:rPr lang="ko-KR" altLang="en-US" smtClean="0"/>
-              <a:t>2024-09-03</a:t>
+              <a:t>2024-09-04</a:t>
             </a:fld>
             <a:endParaRPr lang="ko-KR" altLang="en-US"/>
           </a:p>
@@ -2659,6 +2661,481 @@
               </a:lnSpc>
             </a:pPr>
             <a:r>
+              <a:rPr lang="ko-KR" altLang="en-US" b="1" dirty="0">
+                <a:ln>
+                  <a:solidFill>
+                    <a:schemeClr val="tx1">
+                      <a:lumMod val="50000"/>
+                      <a:lumOff val="50000"/>
+                      <a:alpha val="0"/>
+                    </a:schemeClr>
+                  </a:solidFill>
+                </a:ln>
+                <a:solidFill>
+                  <a:srgbClr val="E9520B"/>
+                </a:solidFill>
+              </a:rPr>
+              <a:t>■ </a:t>
+            </a:r>
+            <a:r>
+              <a:rPr lang="en-US" altLang="ko-KR" b="1" dirty="0" smtClean="0">
+                <a:ln>
+                  <a:solidFill>
+                    <a:schemeClr val="tx1">
+                      <a:lumMod val="50000"/>
+                      <a:lumOff val="50000"/>
+                      <a:alpha val="0"/>
+                    </a:schemeClr>
+                  </a:solidFill>
+                </a:ln>
+                <a:solidFill>
+                  <a:srgbClr val="E9520B"/>
+                </a:solidFill>
+              </a:rPr>
+              <a:t>[</a:t>
+            </a:r>
+            <a:r>
+              <a:rPr lang="ko-KR" altLang="en-US" b="1" dirty="0" smtClean="0">
+                <a:ln>
+                  <a:solidFill>
+                    <a:schemeClr val="tx1">
+                      <a:lumMod val="50000"/>
+                      <a:lumOff val="50000"/>
+                      <a:alpha val="0"/>
+                    </a:schemeClr>
+                  </a:solidFill>
+                </a:ln>
+                <a:solidFill>
+                  <a:srgbClr val="E9520B"/>
+                </a:solidFill>
+              </a:rPr>
+              <a:t>코드 표준</a:t>
+            </a:r>
+            <a:r>
+              <a:rPr lang="en-US" altLang="ko-KR" b="1" dirty="0" smtClean="0">
+                <a:ln>
+                  <a:solidFill>
+                    <a:schemeClr val="tx1">
+                      <a:lumMod val="50000"/>
+                      <a:lumOff val="50000"/>
+                      <a:alpha val="0"/>
+                    </a:schemeClr>
+                  </a:solidFill>
+                </a:ln>
+                <a:solidFill>
+                  <a:srgbClr val="E9520B"/>
+                </a:solidFill>
+              </a:rPr>
+              <a:t>]</a:t>
+            </a:r>
+            <a:r>
+              <a:rPr lang="ko-KR" altLang="en-US" b="1" dirty="0" smtClean="0">
+                <a:ln>
+                  <a:solidFill>
+                    <a:schemeClr val="tx1">
+                      <a:lumMod val="50000"/>
+                      <a:lumOff val="50000"/>
+                      <a:alpha val="0"/>
+                    </a:schemeClr>
+                  </a:solidFill>
+                </a:ln>
+                <a:solidFill>
+                  <a:srgbClr val="E9520B"/>
+                </a:solidFill>
+              </a:rPr>
+              <a:t> 코드 리뷰 점검 </a:t>
+            </a:r>
+            <a:r>
+              <a:rPr lang="en-US" altLang="ko-KR" b="1" dirty="0" smtClean="0">
+                <a:ln>
+                  <a:solidFill>
+                    <a:schemeClr val="tx1">
+                      <a:lumMod val="50000"/>
+                      <a:lumOff val="50000"/>
+                      <a:alpha val="0"/>
+                    </a:schemeClr>
+                  </a:solidFill>
+                </a:ln>
+                <a:solidFill>
+                  <a:srgbClr val="E9520B"/>
+                </a:solidFill>
+              </a:rPr>
+              <a:t>Tool</a:t>
+            </a:r>
+            <a:r>
+              <a:rPr lang="ko-KR" altLang="en-US" b="1" dirty="0" smtClean="0">
+                <a:ln>
+                  <a:solidFill>
+                    <a:schemeClr val="tx1">
+                      <a:lumMod val="50000"/>
+                      <a:lumOff val="50000"/>
+                      <a:alpha val="0"/>
+                    </a:schemeClr>
+                  </a:solidFill>
+                </a:ln>
+                <a:solidFill>
+                  <a:srgbClr val="E9520B"/>
+                </a:solidFill>
+              </a:rPr>
+              <a:t> 항목 </a:t>
+            </a:r>
+            <a:r>
+              <a:rPr lang="en-US" altLang="ko-KR" b="1" dirty="0" smtClean="0">
+                <a:ln>
+                  <a:solidFill>
+                    <a:schemeClr val="tx1">
+                      <a:lumMod val="50000"/>
+                      <a:lumOff val="50000"/>
+                      <a:alpha val="0"/>
+                    </a:schemeClr>
+                  </a:solidFill>
+                </a:ln>
+                <a:solidFill>
+                  <a:srgbClr val="E9520B"/>
+                </a:solidFill>
+              </a:rPr>
+              <a:t>– DP </a:t>
+            </a:r>
+            <a:r>
+              <a:rPr lang="ko-KR" altLang="en-US" b="1" dirty="0" smtClean="0">
+                <a:ln>
+                  <a:solidFill>
+                    <a:schemeClr val="tx1">
+                      <a:lumMod val="50000"/>
+                      <a:lumOff val="50000"/>
+                      <a:alpha val="0"/>
+                    </a:schemeClr>
+                  </a:solidFill>
+                </a:ln>
+                <a:solidFill>
+                  <a:srgbClr val="E9520B"/>
+                </a:solidFill>
+              </a:rPr>
+              <a:t>함수 예외 처리</a:t>
+            </a:r>
+            <a:endParaRPr lang="en-US" altLang="ko-KR" b="1" dirty="0">
+              <a:ln>
+                <a:solidFill>
+                  <a:schemeClr val="tx1">
+                    <a:lumMod val="50000"/>
+                    <a:lumOff val="50000"/>
+                    <a:alpha val="0"/>
+                  </a:schemeClr>
+                </a:solidFill>
+              </a:ln>
+              <a:solidFill>
+                <a:srgbClr val="E9520B"/>
+              </a:solidFill>
+            </a:endParaRPr>
+          </a:p>
+          <a:p>
+            <a:pPr marL="457200" lvl="3">
+              <a:lnSpc>
+                <a:spcPct val="150000"/>
+              </a:lnSpc>
+            </a:pPr>
+            <a:r>
+              <a:rPr lang="en-US" altLang="ko-KR" sz="1400" b="1" dirty="0">
+                <a:ln>
+                  <a:solidFill>
+                    <a:schemeClr val="tx1">
+                      <a:lumMod val="50000"/>
+                      <a:lumOff val="50000"/>
+                      <a:alpha val="0"/>
+                    </a:schemeClr>
+                  </a:solidFill>
+                </a:ln>
+              </a:rPr>
+              <a:t> - </a:t>
+            </a:r>
+            <a:r>
+              <a:rPr lang="en-US" altLang="ko-KR" sz="1400" b="1" dirty="0" smtClean="0">
+                <a:ln>
+                  <a:solidFill>
+                    <a:schemeClr val="tx1">
+                      <a:lumMod val="50000"/>
+                      <a:lumOff val="50000"/>
+                      <a:alpha val="0"/>
+                    </a:schemeClr>
+                  </a:solidFill>
+                </a:ln>
+              </a:rPr>
+              <a:t>DP </a:t>
+            </a:r>
+            <a:r>
+              <a:rPr lang="ko-KR" altLang="en-US" sz="1400" b="1" dirty="0" smtClean="0">
+                <a:ln>
+                  <a:solidFill>
+                    <a:schemeClr val="tx1">
+                      <a:lumMod val="50000"/>
+                      <a:lumOff val="50000"/>
+                      <a:alpha val="0"/>
+                    </a:schemeClr>
+                  </a:solidFill>
+                </a:ln>
+              </a:rPr>
+              <a:t>함수 예외처리 적용 확인 </a:t>
+            </a:r>
+            <a:r>
+              <a:rPr lang="en-US" altLang="ko-KR" sz="1400" b="1" dirty="0" smtClean="0">
+                <a:ln>
+                  <a:solidFill>
+                    <a:schemeClr val="tx1">
+                      <a:lumMod val="50000"/>
+                      <a:lumOff val="50000"/>
+                      <a:alpha val="0"/>
+                    </a:schemeClr>
+                  </a:solidFill>
+                </a:ln>
+              </a:rPr>
+              <a:t>(</a:t>
+            </a:r>
+            <a:r>
+              <a:rPr lang="ko-KR" altLang="en-US" sz="1400" b="1" dirty="0" smtClean="0">
+                <a:ln>
+                  <a:solidFill>
+                    <a:schemeClr val="tx1">
+                      <a:lumMod val="50000"/>
+                      <a:lumOff val="50000"/>
+                      <a:alpha val="0"/>
+                    </a:schemeClr>
+                  </a:solidFill>
+                </a:ln>
+              </a:rPr>
+              <a:t>함수 처리 실패 확인</a:t>
+            </a:r>
+            <a:r>
+              <a:rPr lang="en-US" altLang="ko-KR" sz="1400" b="1" dirty="0" smtClean="0">
+                <a:ln>
+                  <a:solidFill>
+                    <a:schemeClr val="tx1">
+                      <a:lumMod val="50000"/>
+                      <a:lumOff val="50000"/>
+                      <a:alpha val="0"/>
+                    </a:schemeClr>
+                  </a:solidFill>
+                </a:ln>
+              </a:rPr>
+              <a:t>)</a:t>
+            </a:r>
+            <a:endParaRPr lang="en-US" altLang="ko-KR" sz="2000" b="1" dirty="0" smtClean="0">
+              <a:ln>
+                <a:solidFill>
+                  <a:schemeClr val="tx1">
+                    <a:lumMod val="50000"/>
+                    <a:lumOff val="50000"/>
+                    <a:alpha val="0"/>
+                  </a:schemeClr>
+                </a:solidFill>
+              </a:ln>
+              <a:solidFill>
+                <a:srgbClr val="E9520B"/>
+              </a:solidFill>
+            </a:endParaRPr>
+          </a:p>
+        </p:txBody>
+      </p:sp>
+      <p:sp>
+        <p:nvSpPr>
+          <p:cNvPr id="6" name="제목 1"/>
+          <p:cNvSpPr>
+            <a:spLocks noGrp="1"/>
+          </p:cNvSpPr>
+          <p:nvPr>
+            <p:ph type="title" idx="4294967295"/>
+          </p:nvPr>
+        </p:nvSpPr>
+        <p:spPr>
+          <a:xfrm>
+            <a:off x="452500" y="224644"/>
+            <a:ext cx="6858903" cy="504056"/>
+          </a:xfrm>
+          <a:ln>
+            <a:noFill/>
+          </a:ln>
+        </p:spPr>
+        <p:txBody>
+          <a:bodyPr>
+            <a:normAutofit/>
+          </a:bodyPr>
+          <a:lstStyle/>
+          <a:p>
+            <a:r>
+              <a:rPr lang="ko-KR" altLang="en-US" sz="2800" b="1" dirty="0" smtClean="0">
+                <a:ln>
+                  <a:solidFill>
+                    <a:prstClr val="white">
+                      <a:alpha val="0"/>
+                    </a:prstClr>
+                  </a:solidFill>
+                </a:ln>
+                <a:solidFill>
+                  <a:prstClr val="white">
+                    <a:lumMod val="50000"/>
+                  </a:prstClr>
+                </a:solidFill>
+                <a:latin typeface="+mn-ea"/>
+                <a:ea typeface="+mn-ea"/>
+              </a:rPr>
+              <a:t>기능 정의</a:t>
+            </a:r>
+            <a:endParaRPr lang="ko-KR" altLang="en-US" sz="2800" b="1" dirty="0">
+              <a:latin typeface="+mn-ea"/>
+              <a:ea typeface="+mn-ea"/>
+            </a:endParaRPr>
+          </a:p>
+        </p:txBody>
+      </p:sp>
+      <p:pic>
+        <p:nvPicPr>
+          <p:cNvPr id="3" name="그림 2"/>
+          <p:cNvPicPr>
+            <a:picLocks noChangeAspect="1"/>
+          </p:cNvPicPr>
+          <p:nvPr/>
+        </p:nvPicPr>
+        <p:blipFill rotWithShape="1">
+          <a:blip r:embed="rId2"/>
+          <a:srcRect l="1711" t="5322"/>
+          <a:stretch/>
+        </p:blipFill>
+        <p:spPr>
+          <a:xfrm>
+            <a:off x="1892660" y="2096852"/>
+            <a:ext cx="6205426" cy="3843093"/>
+          </a:xfrm>
+          <a:prstGeom prst="rect">
+            <a:avLst/>
+          </a:prstGeom>
+          <a:ln>
+            <a:solidFill>
+              <a:schemeClr val="bg1">
+                <a:lumMod val="85000"/>
+              </a:schemeClr>
+            </a:solidFill>
+          </a:ln>
+        </p:spPr>
+      </p:pic>
+      <p:sp>
+        <p:nvSpPr>
+          <p:cNvPr id="7" name="순서도: 처리 6"/>
+          <p:cNvSpPr/>
+          <p:nvPr/>
+        </p:nvSpPr>
+        <p:spPr>
+          <a:xfrm>
+            <a:off x="3619165" y="6057939"/>
+            <a:ext cx="2644404" cy="376992"/>
+          </a:xfrm>
+          <a:prstGeom prst="flowChartProcess">
+            <a:avLst/>
+          </a:prstGeom>
+          <a:ln>
+            <a:solidFill>
+              <a:schemeClr val="tx1"/>
+            </a:solidFill>
+          </a:ln>
+        </p:spPr>
+        <p:style>
+          <a:lnRef idx="2">
+            <a:schemeClr val="accent2"/>
+          </a:lnRef>
+          <a:fillRef idx="1">
+            <a:schemeClr val="lt1"/>
+          </a:fillRef>
+          <a:effectRef idx="0">
+            <a:schemeClr val="accent2"/>
+          </a:effectRef>
+          <a:fontRef idx="minor">
+            <a:schemeClr val="dk1"/>
+          </a:fontRef>
+        </p:style>
+        <p:txBody>
+          <a:bodyPr rtlCol="0" anchor="ctr"/>
+          <a:lstStyle/>
+          <a:p>
+            <a:pPr algn="ctr"/>
+            <a:r>
+              <a:rPr lang="ko-KR" altLang="en-US" sz="1100" dirty="0" smtClean="0"/>
+              <a:t>①  </a:t>
+            </a:r>
+            <a:r>
+              <a:rPr lang="en-US" altLang="ko-KR" sz="1100" dirty="0" smtClean="0"/>
+              <a:t>DP </a:t>
+            </a:r>
+            <a:r>
+              <a:rPr lang="ko-KR" altLang="en-US" sz="1100" dirty="0" smtClean="0"/>
+              <a:t>함수 실패에 대한 예외 처리 확인</a:t>
+            </a:r>
+            <a:endParaRPr lang="en-US" altLang="ko-KR" sz="1100" dirty="0" smtClean="0"/>
+          </a:p>
+        </p:txBody>
+      </p:sp>
+    </p:spTree>
+    <p:extLst>
+      <p:ext uri="{BB962C8B-B14F-4D97-AF65-F5344CB8AC3E}">
+        <p14:creationId xmlns:p14="http://schemas.microsoft.com/office/powerpoint/2010/main" val="409019644"/>
+      </p:ext>
+    </p:extLst>
+  </p:cSld>
+  <p:clrMapOvr>
+    <a:masterClrMapping/>
+  </p:clrMapOvr>
+  <p:timing>
+    <p:tnLst>
+      <p:par>
+        <p:cTn id="1" dur="indefinite" restart="never" nodeType="tmRoot"/>
+      </p:par>
+    </p:tnLst>
+  </p:timing>
+</p:sld>
+</file>
+
+<file path=ppt/slides/slide11.xml><?xml version="1.0" encoding="utf-8"?>
+<p:sld xmlns:a="http://schemas.openxmlformats.org/drawingml/2006/main" xmlns:r="http://schemas.openxmlformats.org/officeDocument/2006/relationships" xmlns:p="http://schemas.openxmlformats.org/presentationml/2006/main">
+  <p:cSld>
+    <p:spTree>
+      <p:nvGrpSpPr>
+        <p:cNvPr id="1" name=""/>
+        <p:cNvGrpSpPr/>
+        <p:nvPr/>
+      </p:nvGrpSpPr>
+      <p:grpSpPr>
+        <a:xfrm>
+          <a:off x="0" y="0"/>
+          <a:ext cx="0" cy="0"/>
+          <a:chOff x="0" y="0"/>
+          <a:chExt cx="0" cy="0"/>
+        </a:xfrm>
+      </p:grpSpPr>
+      <p:sp>
+        <p:nvSpPr>
+          <p:cNvPr id="5" name="TextBox 4"/>
+          <p:cNvSpPr txBox="1"/>
+          <p:nvPr/>
+        </p:nvSpPr>
+        <p:spPr>
+          <a:xfrm>
+            <a:off x="345600" y="980728"/>
+            <a:ext cx="9342704" cy="830997"/>
+          </a:xfrm>
+          <a:prstGeom prst="rect">
+            <a:avLst/>
+          </a:prstGeom>
+          <a:noFill/>
+        </p:spPr>
+        <p:txBody>
+          <a:bodyPr wrap="square" rtlCol="0">
+            <a:spAutoFit/>
+          </a:bodyPr>
+          <a:lstStyle/>
+          <a:p>
+            <a:pPr>
+              <a:lnSpc>
+                <a:spcPct val="150000"/>
+              </a:lnSpc>
+            </a:pPr>
+            <a:r>
               <a:rPr lang="ko-KR" altLang="en-US" b="1" dirty="0" smtClean="0">
                 <a:ln>
                   <a:solidFill>
@@ -3107,7 +3584,7 @@
 </p:sld>
 </file>
 
-<file path=ppt/slides/slide11.xml><?xml version="1.0" encoding="utf-8"?>
+<file path=ppt/slides/slide12.xml><?xml version="1.0" encoding="utf-8"?>
 <p:sld xmlns:a="http://schemas.openxmlformats.org/drawingml/2006/main" xmlns:r="http://schemas.openxmlformats.org/officeDocument/2006/relationships" xmlns:p="http://schemas.openxmlformats.org/presentationml/2006/main">
   <p:cSld>
     <p:spTree>
@@ -3542,7 +4019,7 @@
 </p:sld>
 </file>
 
-<file path=ppt/slides/slide12.xml><?xml version="1.0" encoding="utf-8"?>
+<file path=ppt/slides/slide13.xml><?xml version="1.0" encoding="utf-8"?>
 <p:sld xmlns:a="http://schemas.openxmlformats.org/drawingml/2006/main" xmlns:r="http://schemas.openxmlformats.org/officeDocument/2006/relationships" xmlns:p="http://schemas.openxmlformats.org/presentationml/2006/main">
   <p:cSld>
     <p:spTree>
@@ -3986,7 +4463,7 @@
 </p:sld>
 </file>
 
-<file path=ppt/slides/slide13.xml><?xml version="1.0" encoding="utf-8"?>
+<file path=ppt/slides/slide14.xml><?xml version="1.0" encoding="utf-8"?>
 <p:sld xmlns:a="http://schemas.openxmlformats.org/drawingml/2006/main" xmlns:r="http://schemas.openxmlformats.org/officeDocument/2006/relationships" xmlns:p="http://schemas.openxmlformats.org/presentationml/2006/main">
   <p:cSld>
     <p:spTree>
@@ -4458,7 +4935,7 @@
 </p:sld>
 </file>
 
-<file path=ppt/slides/slide14.xml><?xml version="1.0" encoding="utf-8"?>
+<file path=ppt/slides/slide15.xml><?xml version="1.0" encoding="utf-8"?>
 <p:sld xmlns:a="http://schemas.openxmlformats.org/drawingml/2006/main" xmlns:r="http://schemas.openxmlformats.org/officeDocument/2006/relationships" xmlns:p="http://schemas.openxmlformats.org/presentationml/2006/main">
   <p:cSld>
     <p:spTree>
@@ -5284,7 +5761,7 @@
 </p:sld>
 </file>
 
-<file path=ppt/slides/slide15.xml><?xml version="1.0" encoding="utf-8"?>
+<file path=ppt/slides/slide16.xml><?xml version="1.0" encoding="utf-8"?>
 <p:sld xmlns:a="http://schemas.openxmlformats.org/drawingml/2006/main" xmlns:r="http://schemas.openxmlformats.org/officeDocument/2006/relationships" xmlns:p="http://schemas.openxmlformats.org/presentationml/2006/main">
   <p:cSld>
     <p:spTree>
@@ -5459,14 +5936,14 @@
           <p:nvPr>
             <p:extLst>
               <p:ext uri="{D42A27DB-BD31-4B8C-83A1-F6EECF244321}">
-                <p14:modId xmlns:p14="http://schemas.microsoft.com/office/powerpoint/2010/main" val="3399867568"/>
+                <p14:modId xmlns:p14="http://schemas.microsoft.com/office/powerpoint/2010/main" val="3534676422"/>
               </p:ext>
             </p:extLst>
           </p:nvPr>
         </p:nvGraphicFramePr>
         <p:xfrm>
           <a:off x="596516" y="1628800"/>
-          <a:ext cx="8652538" cy="3812154"/>
+          <a:ext cx="8652538" cy="3482589"/>
         </p:xfrm>
         <a:graphic>
           <a:graphicData uri="http://schemas.openxmlformats.org/drawingml/2006/table">
@@ -5665,7 +6142,7 @@
                     <a:bodyPr/>
                     <a:lstStyle/>
                     <a:p>
-                      <a:pPr marL="0" marR="0" indent="0" algn="ctr" defTabSz="914400" rtl="0" eaLnBrk="1" fontAlgn="ctr" latinLnBrk="1" hangingPunct="1">
+                      <a:pPr marL="457200" marR="0" lvl="1" indent="0" algn="l" defTabSz="914400" rtl="0" eaLnBrk="1" fontAlgn="ctr" latinLnBrk="1" hangingPunct="1">
                         <a:lnSpc>
                           <a:spcPct val="100000"/>
                         </a:lnSpc>
@@ -5683,11 +6160,38 @@
                         <a:defRPr/>
                       </a:pPr>
                       <a:r>
+                        <a:rPr lang="ko-KR" altLang="en-US" sz="1050" u="none" strike="noStrike" dirty="0" smtClean="0">
+                          <a:effectLst/>
+                        </a:rPr>
+                        <a:t>서버 </a:t>
+                      </a:r>
+                      <a:r>
                         <a:rPr lang="en-US" altLang="ko-KR" sz="1050" u="none" strike="noStrike" dirty="0" smtClean="0">
                           <a:effectLst/>
                         </a:rPr>
-                        <a:t>-</a:t>
-                      </a:r>
+                        <a:t>Active </a:t>
+                      </a:r>
+                      <a:r>
+                        <a:rPr lang="ko-KR" altLang="en-US" sz="1050" u="none" strike="noStrike" dirty="0" smtClean="0">
+                          <a:effectLst/>
+                        </a:rPr>
+                        <a:t>동작 조건이 누</a:t>
+                      </a:r>
+                      <a:r>
+                        <a:rPr lang="ko-KR" altLang="en-US" sz="1050" u="none" strike="noStrike" baseline="0" dirty="0" smtClean="0">
+                          <a:effectLst/>
+                        </a:rPr>
+                        <a:t>락 되었습니다</a:t>
+                      </a:r>
+                      <a:r>
+                        <a:rPr lang="en-US" altLang="ko-KR" sz="1050" u="none" strike="noStrike" baseline="0" dirty="0" smtClean="0">
+                          <a:effectLst/>
+                        </a:rPr>
+                        <a:t>.</a:t>
+                      </a:r>
+                      <a:endParaRPr lang="en-US" altLang="ko-KR" sz="1050" u="none" strike="noStrike" dirty="0" smtClean="0">
+                        <a:effectLst/>
+                      </a:endParaRPr>
                     </a:p>
                   </a:txBody>
                   <a:tcPr marL="9525" marR="9525" marT="9525" marB="0" anchor="ctr"/>
@@ -5799,7 +6303,19 @@
                           <a:ea typeface="+mn-ea"/>
                           <a:cs typeface="+mn-cs"/>
                         </a:rPr>
-                        <a:t>코드가 작성되지 않았습니다</a:t>
+                        <a:t>코드가</a:t>
+                      </a:r>
+                      <a:r>
+                        <a:rPr lang="ko-KR" altLang="en-US" sz="1000" kern="1200" baseline="0" dirty="0" smtClean="0">
+                          <a:solidFill>
+                            <a:schemeClr val="dk1"/>
+                          </a:solidFill>
+                          <a:effectLst/>
+                          <a:latin typeface="+mn-lt"/>
+                          <a:ea typeface="+mn-ea"/>
+                          <a:cs typeface="+mn-cs"/>
+                        </a:rPr>
+                        <a:t> 확인이 필요합니다</a:t>
                       </a:r>
                       <a:r>
                         <a:rPr lang="en-US" altLang="ko-KR" sz="1000" kern="1200" dirty="0" smtClean="0">
@@ -5857,16 +6373,16 @@
                     <a:p>
                       <a:pPr lvl="1" algn="l" fontAlgn="ctr"/>
                       <a:r>
-                        <a:rPr lang="en-US" altLang="ko-KR" sz="1050" u="none" strike="noStrike" dirty="0">
-                          <a:effectLst/>
-                        </a:rPr>
-                        <a:t>Event, Ctrl Manager </a:t>
+                        <a:rPr lang="ko-KR" altLang="en-US" sz="1050" u="none" strike="noStrike" dirty="0" smtClean="0">
+                          <a:effectLst/>
+                        </a:rPr>
+                        <a:t>이벤트 </a:t>
                       </a:r>
                       <a:r>
                         <a:rPr lang="ko-KR" altLang="en-US" sz="1050" u="none" strike="noStrike" dirty="0">
                           <a:effectLst/>
                         </a:rPr>
-                        <a:t>이벤트 교환 횟수 최소화</a:t>
+                        <a:t>교환 횟수 최소화</a:t>
                       </a:r>
                       <a:endParaRPr lang="ko-KR" altLang="en-US" sz="1050" b="1" i="0" u="none" strike="noStrike" dirty="0">
                         <a:solidFill>
@@ -6023,19 +6539,23 @@
                       </a:r>
                       <a:r>
                         <a:rPr lang="ko-KR" altLang="en-US" sz="1000" dirty="0" smtClean="0"/>
-                        <a:t>함수에서 </a:t>
+                        <a:t>함수 내에서 </a:t>
                       </a:r>
                       <a:r>
                         <a:rPr lang="en-US" altLang="ko-KR" sz="1000" dirty="0" smtClean="0"/>
-                        <a:t>delay </a:t>
+                        <a:t>Delay </a:t>
                       </a:r>
                       <a:r>
                         <a:rPr lang="ko-KR" altLang="en-US" sz="1000" dirty="0" smtClean="0"/>
-                        <a:t>코드가 존재합니다</a:t>
-                      </a:r>
-                      <a:r>
-                        <a:rPr lang="en-US" altLang="ko-KR" sz="1000" dirty="0" smtClean="0"/>
-                        <a:t>. </a:t>
+                        <a:t>코드가</a:t>
+                      </a:r>
+                      <a:r>
+                        <a:rPr lang="ko-KR" altLang="en-US" sz="1000" baseline="0" dirty="0" smtClean="0"/>
+                        <a:t> 확인되었습니다</a:t>
+                      </a:r>
+                      <a:r>
+                        <a:rPr lang="en-US" altLang="ko-KR" sz="1000" baseline="0" dirty="0" smtClean="0"/>
+                        <a:t>.</a:t>
                       </a:r>
                       <a:endParaRPr lang="ko-KR" altLang="en-US" sz="1000" b="1" i="0" u="none" strike="noStrike" dirty="0" smtClean="0">
                         <a:solidFill>
@@ -6299,7 +6819,7 @@
                 </a:extLst>
               </a:tr>
               <a:tr h="288000">
-                <a:tc rowSpan="6">
+                <a:tc rowSpan="5">
                   <a:txBody>
                     <a:bodyPr/>
                     <a:lstStyle/>
@@ -6631,7 +7151,7 @@
                           <a:ea typeface="+mn-ea"/>
                           <a:cs typeface="+mn-cs"/>
                         </a:rPr>
-                        <a:t>이력 정보가 누락되었습니다</a:t>
+                        <a:t>서버 스크립트의 버전 정보가 누락되었습니다</a:t>
                       </a:r>
                       <a:r>
                         <a:rPr lang="en-US" altLang="ko-KR" sz="1000" kern="1200" dirty="0" smtClean="0">
@@ -6643,7 +7163,7 @@
                           <a:ea typeface="+mn-ea"/>
                           <a:cs typeface="+mn-cs"/>
                         </a:rPr>
-                        <a:t>.</a:t>
+                        <a:t>. </a:t>
                       </a:r>
                       <a:endParaRPr lang="ko-KR" altLang="en-US" sz="1000" b="0" i="0" u="none" strike="noStrike" dirty="0" smtClean="0">
                         <a:solidFill>
@@ -6692,140 +7212,6 @@
                         <a:rPr lang="ko-KR" altLang="en-US" sz="1050" u="none" strike="noStrike" dirty="0" smtClean="0">
                           <a:effectLst/>
                         </a:rPr>
-                        <a:t>예상하지 못한 </a:t>
-                      </a:r>
-                      <a:r>
-                        <a:rPr lang="en-US" altLang="ko-KR" sz="1050" u="none" strike="noStrike" dirty="0" smtClean="0">
-                          <a:effectLst/>
-                        </a:rPr>
-                        <a:t>Logic </a:t>
-                      </a:r>
-                      <a:r>
-                        <a:rPr lang="ko-KR" altLang="en-US" sz="1050" u="none" strike="noStrike" dirty="0" smtClean="0">
-                          <a:effectLst/>
-                        </a:rPr>
-                        <a:t>동작 확인</a:t>
-                      </a:r>
-                      <a:r>
-                        <a:rPr lang="en-US" altLang="ko-KR" sz="1050" u="none" strike="noStrike" dirty="0" smtClean="0">
-                          <a:effectLst/>
-                        </a:rPr>
-                        <a:t/>
-                      </a:r>
-                      <a:br>
-                        <a:rPr lang="en-US" altLang="ko-KR" sz="1050" u="none" strike="noStrike" dirty="0" smtClean="0">
-                          <a:effectLst/>
-                        </a:rPr>
-                      </a:br>
-                      <a:r>
-                        <a:rPr lang="en-US" altLang="ko-KR" sz="1050" u="none" strike="noStrike" dirty="0" smtClean="0">
-                          <a:effectLst/>
-                        </a:rPr>
-                        <a:t>(Logic </a:t>
-                      </a:r>
-                      <a:r>
-                        <a:rPr lang="ko-KR" altLang="en-US" sz="1050" u="none" strike="noStrike" dirty="0" smtClean="0">
-                          <a:effectLst/>
-                        </a:rPr>
-                        <a:t>요구사항 동작 체크</a:t>
-                      </a:r>
-                      <a:r>
-                        <a:rPr lang="en-US" altLang="ko-KR" sz="1050" u="none" strike="noStrike" dirty="0" smtClean="0">
-                          <a:effectLst/>
-                        </a:rPr>
-                        <a:t>)</a:t>
-                      </a:r>
-                      <a:endParaRPr lang="ko-KR" altLang="en-US" sz="1050" b="0" i="0" u="none" strike="noStrike" dirty="0">
-                        <a:solidFill>
-                          <a:schemeClr val="bg1">
-                            <a:lumMod val="50000"/>
-                          </a:schemeClr>
-                        </a:solidFill>
-                        <a:effectLst/>
-                        <a:latin typeface="맑은 고딕" panose="020B0503020000020004" pitchFamily="50" charset="-127"/>
-                        <a:ea typeface="맑은 고딕" panose="020B0503020000020004" pitchFamily="50" charset="-127"/>
-                      </a:endParaRPr>
-                    </a:p>
-                  </a:txBody>
-                  <a:tcPr marL="9525" marR="9525" marT="9525" marB="0" anchor="ctr"/>
-                </a:tc>
-                <a:tc>
-                  <a:txBody>
-                    <a:bodyPr/>
-                    <a:lstStyle/>
-                    <a:p>
-                      <a:pPr marL="457200" marR="0" lvl="1" indent="0" algn="ctr" defTabSz="914400" rtl="0" eaLnBrk="1" fontAlgn="ctr" latinLnBrk="1" hangingPunct="1">
-                        <a:lnSpc>
-                          <a:spcPct val="100000"/>
-                        </a:lnSpc>
-                        <a:spcBef>
-                          <a:spcPts val="0"/>
-                        </a:spcBef>
-                        <a:spcAft>
-                          <a:spcPts val="0"/>
-                        </a:spcAft>
-                        <a:buClrTx/>
-                        <a:buSzTx/>
-                        <a:buFontTx/>
-                        <a:buNone/>
-                        <a:tabLst/>
-                        <a:defRPr/>
-                      </a:pPr>
-                      <a:r>
-                        <a:rPr lang="en-US" altLang="ko-KR" sz="1000" u="none" strike="noStrike" dirty="0" smtClean="0">
-                          <a:effectLst/>
-                        </a:rPr>
-                        <a:t>-</a:t>
-                      </a:r>
-                      <a:endParaRPr lang="ko-KR" altLang="en-US" sz="1000" b="0" i="0" u="none" strike="noStrike" dirty="0" smtClean="0">
-                        <a:solidFill>
-                          <a:schemeClr val="bg1">
-                            <a:lumMod val="50000"/>
-                          </a:schemeClr>
-                        </a:solidFill>
-                        <a:effectLst/>
-                        <a:latin typeface="맑은 고딕" panose="020B0503020000020004" pitchFamily="50" charset="-127"/>
-                        <a:ea typeface="+mn-ea"/>
-                      </a:endParaRPr>
-                    </a:p>
-                  </a:txBody>
-                  <a:tcPr marL="9525" marR="9525" marT="9525" marB="0" anchor="ctr"/>
-                </a:tc>
-                <a:extLst>
-                  <a:ext uri="{0D108BD9-81ED-4DB2-BD59-A6C34878D82A}">
-                    <a16:rowId xmlns:a16="http://schemas.microsoft.com/office/drawing/2014/main" val="720252962"/>
-                  </a:ext>
-                </a:extLst>
-              </a:tr>
-              <a:tr h="288000">
-                <a:tc vMerge="1">
-                  <a:txBody>
-                    <a:bodyPr/>
-                    <a:lstStyle/>
-                    <a:p>
-                      <a:pPr algn="ctr" fontAlgn="ctr"/>
-                      <a:endParaRPr lang="ko-KR" altLang="en-US" sz="1100" b="0" i="0" u="none" strike="noStrike" dirty="0">
-                        <a:solidFill>
-                          <a:srgbClr val="000000"/>
-                        </a:solidFill>
-                        <a:effectLst/>
-                        <a:latin typeface="맑은 고딕" panose="020B0503020000020004" pitchFamily="50" charset="-127"/>
-                        <a:ea typeface="맑은 고딕" panose="020B0503020000020004" pitchFamily="50" charset="-127"/>
-                      </a:endParaRPr>
-                    </a:p>
-                  </a:txBody>
-                  <a:tcPr marL="9525" marR="9525" marT="9525" marB="0" anchor="ctr"/>
-                </a:tc>
-                <a:tc>
-                  <a:txBody>
-                    <a:bodyPr/>
-                    <a:lstStyle/>
-                    <a:p>
-                      <a:pPr lvl="1" algn="l" fontAlgn="ctr"/>
-                      <a:r>
-                        <a:rPr lang="ko-KR" altLang="en-US" sz="1050" u="none" strike="noStrike" dirty="0" smtClean="0">
-                          <a:effectLst/>
-                        </a:rPr>
                         <a:t>하드 코딩 금지</a:t>
                       </a:r>
                       <a:endParaRPr lang="ko-KR" altLang="en-US" sz="1050" b="0" i="0" u="none" strike="noStrike" dirty="0">
@@ -6864,7 +7250,7 @@
                       </a:pPr>
                       <a:r>
                         <a:rPr lang="ko-KR" altLang="en-US" sz="1000" dirty="0" smtClean="0"/>
-                        <a:t>하드 코딩으로 작성되었습니다</a:t>
+                        <a:t>하드 코딩 구문이 포함되었습니다</a:t>
                       </a:r>
                       <a:r>
                         <a:rPr lang="en-US" altLang="ko-KR" sz="1000" dirty="0" smtClean="0"/>
@@ -6945,7 +7331,7 @@
                       <a:pPr lvl="1" algn="l" fontAlgn="ctr"/>
                       <a:r>
                         <a:rPr lang="ko-KR" altLang="en-US" sz="1000" dirty="0" smtClean="0"/>
-                        <a:t>변수가 사용 이력이 없습니다</a:t>
+                        <a:t>미사용 변수가 존재합니다</a:t>
                       </a:r>
                       <a:r>
                         <a:rPr lang="en-US" altLang="ko-KR" sz="1000" dirty="0" smtClean="0"/>
@@ -6993,7 +7379,7 @@
 </p:sld>
 </file>
 
-<file path=ppt/slides/slide16.xml><?xml version="1.0" encoding="utf-8"?>
+<file path=ppt/slides/slide17.xml><?xml version="1.0" encoding="utf-8"?>
 <p:sld xmlns:a="http://schemas.openxmlformats.org/drawingml/2006/main" xmlns:r="http://schemas.openxmlformats.org/officeDocument/2006/relationships" xmlns:p="http://schemas.openxmlformats.org/presentationml/2006/main">
   <p:cSld>
     <p:spTree>
@@ -11606,7 +11992,7 @@
           <p:nvPr>
             <p:extLst>
               <p:ext uri="{D42A27DB-BD31-4B8C-83A1-F6EECF244321}">
-                <p14:modId xmlns:p14="http://schemas.microsoft.com/office/powerpoint/2010/main" val="2017751314"/>
+                <p14:modId xmlns:p14="http://schemas.microsoft.com/office/powerpoint/2010/main" val="1092193360"/>
               </p:ext>
             </p:extLst>
           </p:nvPr>
@@ -11840,11 +12226,19 @@
                         <a:defRPr/>
                       </a:pPr>
                       <a:r>
-                        <a:rPr lang="en-US" altLang="ko-KR" sz="1050" u="none" strike="noStrike" dirty="0" smtClean="0">
-                          <a:effectLst/>
-                        </a:rPr>
-                        <a:t>X</a:t>
-                      </a:r>
+                        <a:rPr lang="ko-KR" altLang="en-US" sz="1050" u="none" strike="noStrike" dirty="0" smtClean="0">
+                          <a:effectLst/>
+                        </a:rPr>
+                        <a:t>○</a:t>
+                      </a:r>
+                      <a:endParaRPr lang="ko-KR" altLang="en-US" sz="1050" b="1" i="0" u="none" strike="noStrike" dirty="0" smtClean="0">
+                        <a:solidFill>
+                          <a:srgbClr val="000000"/>
+                        </a:solidFill>
+                        <a:effectLst/>
+                        <a:latin typeface="맑은 고딕" panose="020B0503020000020004" pitchFamily="50" charset="-127"/>
+                        <a:ea typeface="+mn-ea"/>
+                      </a:endParaRPr>
                     </a:p>
                   </a:txBody>
                   <a:tcPr marL="9525" marR="9525" marT="9525" marB="0" anchor="ctr"/>
@@ -11865,7 +12259,7 @@
                         <a:rPr lang="ko-KR" altLang="en-US" sz="900" u="none" strike="noStrike" dirty="0" smtClean="0">
                           <a:effectLst/>
                         </a:rPr>
-                        <a:t>코드 구현에 따른 </a:t>
+                        <a:t>스크립트 </a:t>
                       </a:r>
                       <a:r>
                         <a:rPr lang="en-US" altLang="ko-KR" sz="900" u="none" strike="noStrike" dirty="0" smtClean="0">
@@ -11877,7 +12271,7 @@
                         <a:rPr lang="ko-KR" altLang="en-US" sz="900" u="none" strike="noStrike" dirty="0" smtClean="0">
                           <a:effectLst/>
                         </a:rPr>
-                        <a:t>조건 패턴 확인 불가능</a:t>
+                        <a:t>적용 여부 확인</a:t>
                       </a:r>
                       <a:endParaRPr lang="ko-KR" altLang="en-US" sz="900" b="0" i="0" u="none" strike="noStrike" dirty="0">
                         <a:solidFill>
@@ -13498,6 +13892,491 @@
           </a:bodyPr>
           <a:lstStyle/>
           <a:p>
+            <a:pPr marL="0" lvl="1">
+              <a:lnSpc>
+                <a:spcPct val="150000"/>
+              </a:lnSpc>
+            </a:pPr>
+            <a:r>
+              <a:rPr lang="ko-KR" altLang="en-US" b="1" dirty="0" smtClean="0">
+                <a:ln>
+                  <a:solidFill>
+                    <a:schemeClr val="tx1">
+                      <a:lumMod val="50000"/>
+                      <a:lumOff val="50000"/>
+                      <a:alpha val="0"/>
+                    </a:schemeClr>
+                  </a:solidFill>
+                </a:ln>
+                <a:solidFill>
+                  <a:srgbClr val="E9520B"/>
+                </a:solidFill>
+              </a:rPr>
+              <a:t>■ </a:t>
+            </a:r>
+            <a:r>
+              <a:rPr lang="en-US" altLang="ko-KR" b="1" dirty="0" smtClean="0">
+                <a:ln>
+                  <a:solidFill>
+                    <a:schemeClr val="tx1">
+                      <a:lumMod val="50000"/>
+                      <a:lumOff val="50000"/>
+                      <a:alpha val="0"/>
+                    </a:schemeClr>
+                  </a:solidFill>
+                </a:ln>
+                <a:solidFill>
+                  <a:srgbClr val="E9520B"/>
+                </a:solidFill>
+              </a:rPr>
+              <a:t>[</a:t>
+            </a:r>
+            <a:r>
+              <a:rPr lang="ko-KR" altLang="en-US" b="1" dirty="0" smtClean="0">
+                <a:ln>
+                  <a:solidFill>
+                    <a:schemeClr val="tx1">
+                      <a:lumMod val="50000"/>
+                      <a:lumOff val="50000"/>
+                      <a:alpha val="0"/>
+                    </a:schemeClr>
+                  </a:solidFill>
+                </a:ln>
+                <a:solidFill>
+                  <a:srgbClr val="E9520B"/>
+                </a:solidFill>
+              </a:rPr>
+              <a:t>성능</a:t>
+            </a:r>
+            <a:r>
+              <a:rPr lang="en-US" altLang="ko-KR" b="1" dirty="0" smtClean="0">
+                <a:ln>
+                  <a:solidFill>
+                    <a:schemeClr val="tx1">
+                      <a:lumMod val="50000"/>
+                      <a:lumOff val="50000"/>
+                      <a:alpha val="0"/>
+                    </a:schemeClr>
+                  </a:solidFill>
+                </a:ln>
+                <a:solidFill>
+                  <a:srgbClr val="E9520B"/>
+                </a:solidFill>
+              </a:rPr>
+              <a:t>] </a:t>
+            </a:r>
+            <a:r>
+              <a:rPr lang="ko-KR" altLang="en-US" b="1" dirty="0" smtClean="0">
+                <a:ln>
+                  <a:solidFill>
+                    <a:schemeClr val="tx1">
+                      <a:lumMod val="50000"/>
+                      <a:lumOff val="50000"/>
+                      <a:alpha val="0"/>
+                    </a:schemeClr>
+                  </a:solidFill>
+                </a:ln>
+                <a:solidFill>
+                  <a:srgbClr val="E9520B"/>
+                </a:solidFill>
+              </a:rPr>
+              <a:t>코드 리뷰 점검 </a:t>
+            </a:r>
+            <a:r>
+              <a:rPr lang="en-US" altLang="ko-KR" b="1" dirty="0" smtClean="0">
+                <a:ln>
+                  <a:solidFill>
+                    <a:schemeClr val="tx1">
+                      <a:lumMod val="50000"/>
+                      <a:lumOff val="50000"/>
+                      <a:alpha val="0"/>
+                    </a:schemeClr>
+                  </a:solidFill>
+                </a:ln>
+                <a:solidFill>
+                  <a:srgbClr val="E9520B"/>
+                </a:solidFill>
+              </a:rPr>
+              <a:t>Tool</a:t>
+            </a:r>
+            <a:r>
+              <a:rPr lang="ko-KR" altLang="en-US" b="1" dirty="0" smtClean="0">
+                <a:ln>
+                  <a:solidFill>
+                    <a:schemeClr val="tx1">
+                      <a:lumMod val="50000"/>
+                      <a:lumOff val="50000"/>
+                      <a:alpha val="0"/>
+                    </a:schemeClr>
+                  </a:solidFill>
+                </a:ln>
+                <a:solidFill>
+                  <a:srgbClr val="E9520B"/>
+                </a:solidFill>
+              </a:rPr>
+              <a:t> 항목 </a:t>
+            </a:r>
+            <a:r>
+              <a:rPr lang="en-US" altLang="ko-KR" b="1" dirty="0" smtClean="0">
+                <a:ln>
+                  <a:solidFill>
+                    <a:schemeClr val="tx1">
+                      <a:lumMod val="50000"/>
+                      <a:lumOff val="50000"/>
+                      <a:alpha val="0"/>
+                    </a:schemeClr>
+                  </a:solidFill>
+                </a:ln>
+                <a:solidFill>
+                  <a:srgbClr val="E9520B"/>
+                </a:solidFill>
+              </a:rPr>
+              <a:t>– </a:t>
+            </a:r>
+            <a:r>
+              <a:rPr lang="en-US" altLang="ko-KR" b="1" dirty="0">
+                <a:ln>
+                  <a:solidFill>
+                    <a:schemeClr val="tx1">
+                      <a:lumMod val="50000"/>
+                      <a:lumOff val="50000"/>
+                      <a:alpha val="0"/>
+                    </a:schemeClr>
+                  </a:solidFill>
+                </a:ln>
+                <a:solidFill>
+                  <a:srgbClr val="E9520B"/>
+                </a:solidFill>
+              </a:rPr>
+              <a:t> </a:t>
+            </a:r>
+            <a:r>
+              <a:rPr lang="ko-KR" altLang="en-US" b="1" dirty="0">
+                <a:ln>
+                  <a:solidFill>
+                    <a:schemeClr val="tx1">
+                      <a:lumMod val="50000"/>
+                      <a:lumOff val="50000"/>
+                      <a:alpha val="0"/>
+                    </a:schemeClr>
+                  </a:solidFill>
+                </a:ln>
+                <a:solidFill>
+                  <a:srgbClr val="E9520B"/>
+                </a:solidFill>
+              </a:rPr>
+              <a:t>스크립트 </a:t>
+            </a:r>
+            <a:r>
+              <a:rPr lang="en-US" altLang="ko-KR" b="1" dirty="0">
+                <a:ln>
+                  <a:solidFill>
+                    <a:schemeClr val="tx1">
+                      <a:lumMod val="50000"/>
+                      <a:lumOff val="50000"/>
+                      <a:alpha val="0"/>
+                    </a:schemeClr>
+                  </a:solidFill>
+                </a:ln>
+                <a:solidFill>
+                  <a:srgbClr val="E9520B"/>
+                </a:solidFill>
+              </a:rPr>
+              <a:t>Active </a:t>
+            </a:r>
+            <a:r>
+              <a:rPr lang="ko-KR" altLang="en-US" b="1" dirty="0">
+                <a:ln>
+                  <a:solidFill>
+                    <a:schemeClr val="tx1">
+                      <a:lumMod val="50000"/>
+                      <a:lumOff val="50000"/>
+                      <a:alpha val="0"/>
+                    </a:schemeClr>
+                  </a:solidFill>
+                </a:ln>
+                <a:solidFill>
+                  <a:srgbClr val="E9520B"/>
+                </a:solidFill>
+              </a:rPr>
+              <a:t> 동작 조건 </a:t>
+            </a:r>
+            <a:r>
+              <a:rPr lang="ko-KR" altLang="en-US" b="1" dirty="0" smtClean="0">
+                <a:ln>
+                  <a:solidFill>
+                    <a:schemeClr val="tx1">
+                      <a:lumMod val="50000"/>
+                      <a:lumOff val="50000"/>
+                      <a:alpha val="0"/>
+                    </a:schemeClr>
+                  </a:solidFill>
+                </a:ln>
+                <a:solidFill>
+                  <a:srgbClr val="E9520B"/>
+                </a:solidFill>
+              </a:rPr>
+              <a:t>확인</a:t>
+            </a:r>
+            <a:endParaRPr lang="en-US" altLang="ko-KR" b="1" dirty="0">
+              <a:ln>
+                <a:solidFill>
+                  <a:schemeClr val="tx1">
+                    <a:lumMod val="50000"/>
+                    <a:lumOff val="50000"/>
+                    <a:alpha val="0"/>
+                  </a:schemeClr>
+                </a:solidFill>
+              </a:ln>
+              <a:solidFill>
+                <a:srgbClr val="E9520B"/>
+              </a:solidFill>
+            </a:endParaRPr>
+          </a:p>
+          <a:p>
+            <a:pPr marL="457200" lvl="2">
+              <a:lnSpc>
+                <a:spcPct val="150000"/>
+              </a:lnSpc>
+            </a:pPr>
+            <a:r>
+              <a:rPr lang="en-US" altLang="ko-KR" sz="1400" b="1" dirty="0" smtClean="0">
+                <a:ln>
+                  <a:solidFill>
+                    <a:schemeClr val="tx1">
+                      <a:lumMod val="50000"/>
+                      <a:lumOff val="50000"/>
+                      <a:alpha val="0"/>
+                    </a:schemeClr>
+                  </a:solidFill>
+                </a:ln>
+              </a:rPr>
+              <a:t>- </a:t>
+            </a:r>
+            <a:r>
+              <a:rPr lang="ko-KR" altLang="en-US" sz="1400" b="1" dirty="0" smtClean="0">
+                <a:ln>
+                  <a:solidFill>
+                    <a:schemeClr val="tx1">
+                      <a:lumMod val="50000"/>
+                      <a:lumOff val="50000"/>
+                      <a:alpha val="0"/>
+                    </a:schemeClr>
+                  </a:solidFill>
+                </a:ln>
+              </a:rPr>
+              <a:t>스크립트 </a:t>
+            </a:r>
+            <a:r>
+              <a:rPr lang="en-US" altLang="ko-KR" sz="1400" b="1" dirty="0" smtClean="0">
+                <a:ln>
+                  <a:solidFill>
+                    <a:schemeClr val="tx1">
+                      <a:lumMod val="50000"/>
+                      <a:lumOff val="50000"/>
+                      <a:alpha val="0"/>
+                    </a:schemeClr>
+                  </a:solidFill>
+                </a:ln>
+              </a:rPr>
+              <a:t>Active </a:t>
+            </a:r>
+            <a:r>
+              <a:rPr lang="ko-KR" altLang="en-US" sz="1400" b="1" dirty="0" smtClean="0">
+                <a:ln>
+                  <a:solidFill>
+                    <a:schemeClr val="tx1">
+                      <a:lumMod val="50000"/>
+                      <a:lumOff val="50000"/>
+                      <a:alpha val="0"/>
+                    </a:schemeClr>
+                  </a:solidFill>
+                </a:ln>
+              </a:rPr>
+              <a:t>동작 조건 코드의 사용 유</a:t>
+            </a:r>
+            <a:r>
+              <a:rPr lang="en-US" altLang="ko-KR" sz="1400" b="1" dirty="0" smtClean="0">
+                <a:ln>
+                  <a:solidFill>
+                    <a:schemeClr val="tx1">
+                      <a:lumMod val="50000"/>
+                      <a:lumOff val="50000"/>
+                      <a:alpha val="0"/>
+                    </a:schemeClr>
+                  </a:solidFill>
+                </a:ln>
+              </a:rPr>
+              <a:t>/</a:t>
+            </a:r>
+            <a:r>
+              <a:rPr lang="ko-KR" altLang="en-US" sz="1400" b="1" dirty="0" smtClean="0">
+                <a:ln>
+                  <a:solidFill>
+                    <a:schemeClr val="tx1">
+                      <a:lumMod val="50000"/>
+                      <a:lumOff val="50000"/>
+                      <a:alpha val="0"/>
+                    </a:schemeClr>
+                  </a:solidFill>
+                </a:ln>
+              </a:rPr>
+              <a:t>무 확인</a:t>
+            </a:r>
+            <a:endParaRPr lang="en-US" altLang="ko-KR" sz="1400" b="1" dirty="0" smtClean="0">
+              <a:ln>
+                <a:solidFill>
+                  <a:schemeClr val="tx1">
+                    <a:lumMod val="50000"/>
+                    <a:lumOff val="50000"/>
+                    <a:alpha val="0"/>
+                  </a:schemeClr>
+                </a:solidFill>
+              </a:ln>
+            </a:endParaRPr>
+          </a:p>
+        </p:txBody>
+      </p:sp>
+      <p:sp>
+        <p:nvSpPr>
+          <p:cNvPr id="6" name="제목 1"/>
+          <p:cNvSpPr>
+            <a:spLocks noGrp="1"/>
+          </p:cNvSpPr>
+          <p:nvPr>
+            <p:ph type="title" idx="4294967295"/>
+          </p:nvPr>
+        </p:nvSpPr>
+        <p:spPr>
+          <a:xfrm>
+            <a:off x="452500" y="224644"/>
+            <a:ext cx="6858903" cy="504056"/>
+          </a:xfrm>
+          <a:ln>
+            <a:noFill/>
+          </a:ln>
+        </p:spPr>
+        <p:txBody>
+          <a:bodyPr>
+            <a:normAutofit/>
+          </a:bodyPr>
+          <a:lstStyle/>
+          <a:p>
+            <a:r>
+              <a:rPr lang="ko-KR" altLang="en-US" sz="2800" b="1" dirty="0" smtClean="0">
+                <a:ln>
+                  <a:solidFill>
+                    <a:prstClr val="white">
+                      <a:alpha val="0"/>
+                    </a:prstClr>
+                  </a:solidFill>
+                </a:ln>
+                <a:solidFill>
+                  <a:prstClr val="white">
+                    <a:lumMod val="50000"/>
+                  </a:prstClr>
+                </a:solidFill>
+                <a:latin typeface="+mn-ea"/>
+                <a:ea typeface="+mn-ea"/>
+              </a:rPr>
+              <a:t>기능 정의</a:t>
+            </a:r>
+            <a:endParaRPr lang="ko-KR" altLang="en-US" sz="2800" b="1" dirty="0">
+              <a:latin typeface="+mn-ea"/>
+              <a:ea typeface="+mn-ea"/>
+            </a:endParaRPr>
+          </a:p>
+        </p:txBody>
+      </p:sp>
+      <p:pic>
+        <p:nvPicPr>
+          <p:cNvPr id="3" name="그림 2"/>
+          <p:cNvPicPr>
+            <a:picLocks noChangeAspect="1"/>
+          </p:cNvPicPr>
+          <p:nvPr/>
+        </p:nvPicPr>
+        <p:blipFill rotWithShape="1">
+          <a:blip r:embed="rId2"/>
+          <a:srcRect l="548" t="1332" r="546" b="1332"/>
+          <a:stretch/>
+        </p:blipFill>
+        <p:spPr>
+          <a:xfrm>
+            <a:off x="1884604" y="2054700"/>
+            <a:ext cx="6264696" cy="2160240"/>
+          </a:xfrm>
+          <a:prstGeom prst="rect">
+            <a:avLst/>
+          </a:prstGeom>
+          <a:ln>
+            <a:solidFill>
+              <a:schemeClr val="bg1">
+                <a:lumMod val="85000"/>
+              </a:schemeClr>
+            </a:solidFill>
+          </a:ln>
+        </p:spPr>
+      </p:pic>
+    </p:spTree>
+    <p:extLst>
+      <p:ext uri="{BB962C8B-B14F-4D97-AF65-F5344CB8AC3E}">
+        <p14:creationId xmlns:p14="http://schemas.microsoft.com/office/powerpoint/2010/main" val="1939307326"/>
+      </p:ext>
+    </p:extLst>
+  </p:cSld>
+  <p:clrMapOvr>
+    <a:masterClrMapping/>
+  </p:clrMapOvr>
+  <p:timing>
+    <p:tnLst>
+      <p:par>
+        <p:cTn id="1" dur="indefinite" restart="never" nodeType="tmRoot"/>
+      </p:par>
+    </p:tnLst>
+  </p:timing>
+</p:sld>
+</file>
+
+<file path=ppt/slides/slide7.xml><?xml version="1.0" encoding="utf-8"?>
+<p:sld xmlns:a="http://schemas.openxmlformats.org/drawingml/2006/main" xmlns:r="http://schemas.openxmlformats.org/officeDocument/2006/relationships" xmlns:p="http://schemas.openxmlformats.org/presentationml/2006/main">
+  <p:cSld>
+    <p:spTree>
+      <p:nvGrpSpPr>
+        <p:cNvPr id="1" name=""/>
+        <p:cNvGrpSpPr/>
+        <p:nvPr/>
+      </p:nvGrpSpPr>
+      <p:grpSpPr>
+        <a:xfrm>
+          <a:off x="0" y="0"/>
+          <a:ext cx="0" cy="0"/>
+          <a:chOff x="0" y="0"/>
+          <a:chExt cx="0" cy="0"/>
+        </a:xfrm>
+      </p:grpSpPr>
+      <p:sp>
+        <p:nvSpPr>
+          <p:cNvPr id="5" name="TextBox 4"/>
+          <p:cNvSpPr txBox="1"/>
+          <p:nvPr/>
+        </p:nvSpPr>
+        <p:spPr>
+          <a:xfrm>
+            <a:off x="345600" y="980728"/>
+            <a:ext cx="9342704" cy="830997"/>
+          </a:xfrm>
+          <a:prstGeom prst="rect">
+            <a:avLst/>
+          </a:prstGeom>
+          <a:noFill/>
+        </p:spPr>
+        <p:txBody>
+          <a:bodyPr wrap="square" rtlCol="0">
+            <a:spAutoFit/>
+          </a:bodyPr>
+          <a:lstStyle/>
+          <a:p>
             <a:pPr>
               <a:lnSpc>
                 <a:spcPct val="150000"/>
@@ -13586,24 +14465,7 @@
                   <a:srgbClr val="E9520B"/>
                 </a:solidFill>
               </a:rPr>
-              <a:t>코드 </a:t>
-            </a:r>
-            <a:r>
-              <a:rPr lang="ko-KR" altLang="en-US" b="1" dirty="0" smtClean="0">
-                <a:ln>
-                  <a:solidFill>
-                    <a:schemeClr val="tx1">
-                      <a:lumMod val="50000"/>
-                      <a:lumOff val="50000"/>
-                      <a:alpha val="0"/>
-                    </a:schemeClr>
-                  </a:solidFill>
-                </a:ln>
-                <a:solidFill>
-                  <a:srgbClr val="E9520B"/>
-                </a:solidFill>
-              </a:rPr>
-              <a:t>리뷰 점검 </a:t>
+              <a:t>코드 리뷰 점검 </a:t>
             </a:r>
             <a:r>
               <a:rPr lang="en-US" altLang="ko-KR" b="1" dirty="0" smtClean="0">
@@ -13796,21 +14658,7 @@
                   </a:solidFill>
                 </a:ln>
               </a:rPr>
-              <a:t>코드 적용 </a:t>
-            </a:r>
-            <a:r>
-              <a:rPr lang="ko-KR" altLang="en-US" sz="1400" b="1" dirty="0" smtClean="0">
-                <a:ln>
-                  <a:solidFill>
-                    <a:schemeClr val="tx1">
-                      <a:lumMod val="50000"/>
-                      <a:lumOff val="50000"/>
-                      <a:alpha val="0"/>
-                    </a:schemeClr>
-                  </a:solidFill>
-                </a:ln>
-              </a:rPr>
-              <a:t>확인</a:t>
+              <a:t>코드 적용 확인</a:t>
             </a:r>
             <a:endParaRPr lang="en-US" altLang="ko-KR" sz="1400" b="1" dirty="0" smtClean="0">
               <a:ln>
@@ -14175,7 +15023,7 @@
 </p:sld>
 </file>
 
-<file path=ppt/slides/slide7.xml><?xml version="1.0" encoding="utf-8"?>
+<file path=ppt/slides/slide8.xml><?xml version="1.0" encoding="utf-8"?>
 <p:sld xmlns:a="http://schemas.openxmlformats.org/drawingml/2006/main" xmlns:r="http://schemas.openxmlformats.org/officeDocument/2006/relationships" xmlns:p="http://schemas.openxmlformats.org/presentationml/2006/main">
   <p:cSld>
     <p:spTree>
@@ -14302,7 +15150,24 @@
                   <a:srgbClr val="E9520B"/>
                 </a:solidFill>
               </a:rPr>
-              <a:t> </a:t>
+              <a:t> 코드 리뷰 점검 </a:t>
+            </a:r>
+            <a:r>
+              <a:rPr lang="en-US" altLang="ko-KR" b="1" dirty="0" smtClean="0">
+                <a:ln>
+                  <a:solidFill>
+                    <a:schemeClr val="tx1">
+                      <a:lumMod val="50000"/>
+                      <a:lumOff val="50000"/>
+                      <a:alpha val="0"/>
+                    </a:schemeClr>
+                  </a:solidFill>
+                </a:ln>
+                <a:solidFill>
+                  <a:srgbClr val="E9520B"/>
+                </a:solidFill>
+              </a:rPr>
+              <a:t>Tool</a:t>
             </a:r>
             <a:r>
               <a:rPr lang="ko-KR" altLang="en-US" b="1" dirty="0" smtClean="0">
@@ -14319,7 +15184,7 @@
                   <a:srgbClr val="E9520B"/>
                 </a:solidFill>
               </a:rPr>
-              <a:t>코드 리뷰 점검 </a:t>
+              <a:t> 항목 </a:t>
             </a:r>
             <a:r>
               <a:rPr lang="en-US" altLang="ko-KR" b="1" dirty="0" smtClean="0">
@@ -14336,7 +15201,7 @@
                   <a:srgbClr val="E9520B"/>
                 </a:solidFill>
               </a:rPr>
-              <a:t>Tool</a:t>
+              <a:t>– </a:t>
             </a:r>
             <a:r>
               <a:rPr lang="ko-KR" altLang="en-US" b="1" dirty="0" smtClean="0">
@@ -14353,58 +15218,7 @@
                   <a:srgbClr val="E9520B"/>
                 </a:solidFill>
               </a:rPr>
-              <a:t> 항목 </a:t>
-            </a:r>
-            <a:r>
-              <a:rPr lang="en-US" altLang="ko-KR" b="1" dirty="0" smtClean="0">
-                <a:ln>
-                  <a:solidFill>
-                    <a:schemeClr val="tx1">
-                      <a:lumMod val="50000"/>
-                      <a:lumOff val="50000"/>
-                      <a:alpha val="0"/>
-                    </a:schemeClr>
-                  </a:solidFill>
-                </a:ln>
-                <a:solidFill>
-                  <a:srgbClr val="E9520B"/>
-                </a:solidFill>
-              </a:rPr>
-              <a:t>– </a:t>
-            </a:r>
-            <a:r>
-              <a:rPr lang="ko-KR" altLang="en-US" b="1" dirty="0" smtClean="0">
-                <a:ln>
-                  <a:solidFill>
-                    <a:schemeClr val="tx1">
-                      <a:lumMod val="50000"/>
-                      <a:lumOff val="50000"/>
-                      <a:alpha val="0"/>
-                    </a:schemeClr>
-                  </a:solidFill>
-                </a:ln>
-                <a:solidFill>
-                  <a:srgbClr val="E9520B"/>
-                </a:solidFill>
-              </a:rPr>
-              <a:t>이벤트 교환 횟수 </a:t>
-            </a:r>
-            <a:r>
-              <a:rPr lang="ko-KR" altLang="en-US" b="1" dirty="0" smtClean="0">
-                <a:ln>
-                  <a:solidFill>
-                    <a:schemeClr val="tx1">
-                      <a:lumMod val="50000"/>
-                      <a:lumOff val="50000"/>
-                      <a:alpha val="0"/>
-                    </a:schemeClr>
-                  </a:solidFill>
-                </a:ln>
-                <a:solidFill>
-                  <a:srgbClr val="E9520B"/>
-                </a:solidFill>
-              </a:rPr>
-              <a:t>최소화</a:t>
+              <a:t>이벤트 교환 횟수 최소화</a:t>
             </a:r>
             <a:endParaRPr lang="en-US" altLang="ko-KR" b="1" dirty="0" smtClean="0">
               <a:ln>
@@ -14798,7 +15612,7 @@
 </p:sld>
 </file>
 
-<file path=ppt/slides/slide8.xml><?xml version="1.0" encoding="utf-8"?>
+<file path=ppt/slides/slide9.xml><?xml version="1.0" encoding="utf-8"?>
 <p:sld xmlns:a="http://schemas.openxmlformats.org/drawingml/2006/main" xmlns:r="http://schemas.openxmlformats.org/officeDocument/2006/relationships" xmlns:p="http://schemas.openxmlformats.org/presentationml/2006/main">
   <p:cSld>
     <p:spTree>
@@ -14925,7 +15739,24 @@
                   <a:srgbClr val="E9520B"/>
                 </a:solidFill>
               </a:rPr>
-              <a:t> </a:t>
+              <a:t> 코드 리뷰 점검 </a:t>
+            </a:r>
+            <a:r>
+              <a:rPr lang="en-US" altLang="ko-KR" b="1" dirty="0" smtClean="0">
+                <a:ln>
+                  <a:solidFill>
+                    <a:schemeClr val="tx1">
+                      <a:lumMod val="50000"/>
+                      <a:lumOff val="50000"/>
+                      <a:alpha val="0"/>
+                    </a:schemeClr>
+                  </a:solidFill>
+                </a:ln>
+                <a:solidFill>
+                  <a:srgbClr val="E9520B"/>
+                </a:solidFill>
+              </a:rPr>
+              <a:t>Tool</a:t>
             </a:r>
             <a:r>
               <a:rPr lang="ko-KR" altLang="en-US" b="1" dirty="0" smtClean="0">
@@ -14942,7 +15773,7 @@
                   <a:srgbClr val="E9520B"/>
                 </a:solidFill>
               </a:rPr>
-              <a:t>코드 리뷰 점검 </a:t>
+              <a:t> 항목 </a:t>
             </a:r>
             <a:r>
               <a:rPr lang="en-US" altLang="ko-KR" b="1" dirty="0" smtClean="0">
@@ -14959,7 +15790,7 @@
                   <a:srgbClr val="E9520B"/>
                 </a:solidFill>
               </a:rPr>
-              <a:t>Tool</a:t>
+              <a:t>– </a:t>
             </a:r>
             <a:r>
               <a:rPr lang="ko-KR" altLang="en-US" b="1" dirty="0" smtClean="0">
@@ -14976,7 +15807,7 @@
                   <a:srgbClr val="E9520B"/>
                 </a:solidFill>
               </a:rPr>
-              <a:t> 항목 </a:t>
+              <a:t>적절한 </a:t>
             </a:r>
             <a:r>
               <a:rPr lang="en-US" altLang="ko-KR" b="1" dirty="0" smtClean="0">
@@ -14993,7 +15824,7 @@
                   <a:srgbClr val="E9520B"/>
                 </a:solidFill>
               </a:rPr>
-              <a:t>– </a:t>
+              <a:t>DP </a:t>
             </a:r>
             <a:r>
               <a:rPr lang="ko-KR" altLang="en-US" b="1" dirty="0" smtClean="0">
@@ -15010,58 +15841,7 @@
                   <a:srgbClr val="E9520B"/>
                 </a:solidFill>
               </a:rPr>
-              <a:t>적절한 </a:t>
-            </a:r>
-            <a:r>
-              <a:rPr lang="en-US" altLang="ko-KR" b="1" dirty="0" smtClean="0">
-                <a:ln>
-                  <a:solidFill>
-                    <a:schemeClr val="tx1">
-                      <a:lumMod val="50000"/>
-                      <a:lumOff val="50000"/>
-                      <a:alpha val="0"/>
-                    </a:schemeClr>
-                  </a:solidFill>
-                </a:ln>
-                <a:solidFill>
-                  <a:srgbClr val="E9520B"/>
-                </a:solidFill>
-              </a:rPr>
-              <a:t>DP </a:t>
-            </a:r>
-            <a:r>
-              <a:rPr lang="ko-KR" altLang="en-US" b="1" dirty="0" smtClean="0">
-                <a:ln>
-                  <a:solidFill>
-                    <a:schemeClr val="tx1">
-                      <a:lumMod val="50000"/>
-                      <a:lumOff val="50000"/>
-                      <a:alpha val="0"/>
-                    </a:schemeClr>
-                  </a:solidFill>
-                </a:ln>
-                <a:solidFill>
-                  <a:srgbClr val="E9520B"/>
-                </a:solidFill>
-              </a:rPr>
-              <a:t>처리 </a:t>
-            </a:r>
-            <a:r>
-              <a:rPr lang="ko-KR" altLang="en-US" b="1" dirty="0" smtClean="0">
-                <a:ln>
-                  <a:solidFill>
-                    <a:schemeClr val="tx1">
-                      <a:lumMod val="50000"/>
-                      <a:lumOff val="50000"/>
-                      <a:alpha val="0"/>
-                    </a:schemeClr>
-                  </a:solidFill>
-                </a:ln>
-                <a:solidFill>
-                  <a:srgbClr val="E9520B"/>
-                </a:solidFill>
-              </a:rPr>
-              <a:t>함수</a:t>
+              <a:t>처리 함수</a:t>
             </a:r>
             <a:endParaRPr lang="en-US" altLang="ko-KR" b="1" dirty="0">
               <a:ln>
@@ -15415,515 +16195,6 @@
     <p:extLst>
       <p:ext uri="{BB962C8B-B14F-4D97-AF65-F5344CB8AC3E}">
         <p14:creationId xmlns:p14="http://schemas.microsoft.com/office/powerpoint/2010/main" val="1875326720"/>
-      </p:ext>
-    </p:extLst>
-  </p:cSld>
-  <p:clrMapOvr>
-    <a:masterClrMapping/>
-  </p:clrMapOvr>
-  <p:timing>
-    <p:tnLst>
-      <p:par>
-        <p:cTn id="1" dur="indefinite" restart="never" nodeType="tmRoot"/>
-      </p:par>
-    </p:tnLst>
-  </p:timing>
-</p:sld>
-</file>
-
-<file path=ppt/slides/slide9.xml><?xml version="1.0" encoding="utf-8"?>
-<p:sld xmlns:a="http://schemas.openxmlformats.org/drawingml/2006/main" xmlns:r="http://schemas.openxmlformats.org/officeDocument/2006/relationships" xmlns:p="http://schemas.openxmlformats.org/presentationml/2006/main">
-  <p:cSld>
-    <p:spTree>
-      <p:nvGrpSpPr>
-        <p:cNvPr id="1" name=""/>
-        <p:cNvGrpSpPr/>
-        <p:nvPr/>
-      </p:nvGrpSpPr>
-      <p:grpSpPr>
-        <a:xfrm>
-          <a:off x="0" y="0"/>
-          <a:ext cx="0" cy="0"/>
-          <a:chOff x="0" y="0"/>
-          <a:chExt cx="0" cy="0"/>
-        </a:xfrm>
-      </p:grpSpPr>
-      <p:sp>
-        <p:nvSpPr>
-          <p:cNvPr id="5" name="TextBox 4"/>
-          <p:cNvSpPr txBox="1"/>
-          <p:nvPr/>
-        </p:nvSpPr>
-        <p:spPr>
-          <a:xfrm>
-            <a:off x="345600" y="980728"/>
-            <a:ext cx="9342704" cy="830997"/>
-          </a:xfrm>
-          <a:prstGeom prst="rect">
-            <a:avLst/>
-          </a:prstGeom>
-          <a:noFill/>
-        </p:spPr>
-        <p:txBody>
-          <a:bodyPr wrap="square" rtlCol="0">
-            <a:spAutoFit/>
-          </a:bodyPr>
-          <a:lstStyle/>
-          <a:p>
-            <a:pPr>
-              <a:lnSpc>
-                <a:spcPct val="150000"/>
-              </a:lnSpc>
-            </a:pPr>
-            <a:r>
-              <a:rPr lang="ko-KR" altLang="en-US" b="1" dirty="0">
-                <a:ln>
-                  <a:solidFill>
-                    <a:schemeClr val="tx1">
-                      <a:lumMod val="50000"/>
-                      <a:lumOff val="50000"/>
-                      <a:alpha val="0"/>
-                    </a:schemeClr>
-                  </a:solidFill>
-                </a:ln>
-                <a:solidFill>
-                  <a:srgbClr val="E9520B"/>
-                </a:solidFill>
-              </a:rPr>
-              <a:t>■ </a:t>
-            </a:r>
-            <a:r>
-              <a:rPr lang="en-US" altLang="ko-KR" b="1" dirty="0" smtClean="0">
-                <a:ln>
-                  <a:solidFill>
-                    <a:schemeClr val="tx1">
-                      <a:lumMod val="50000"/>
-                      <a:lumOff val="50000"/>
-                      <a:alpha val="0"/>
-                    </a:schemeClr>
-                  </a:solidFill>
-                </a:ln>
-                <a:solidFill>
-                  <a:srgbClr val="E9520B"/>
-                </a:solidFill>
-              </a:rPr>
-              <a:t>[</a:t>
-            </a:r>
-            <a:r>
-              <a:rPr lang="ko-KR" altLang="en-US" b="1" dirty="0" smtClean="0">
-                <a:ln>
-                  <a:solidFill>
-                    <a:schemeClr val="tx1">
-                      <a:lumMod val="50000"/>
-                      <a:lumOff val="50000"/>
-                      <a:alpha val="0"/>
-                    </a:schemeClr>
-                  </a:solidFill>
-                </a:ln>
-                <a:solidFill>
-                  <a:srgbClr val="E9520B"/>
-                </a:solidFill>
-              </a:rPr>
-              <a:t>코드 표준</a:t>
-            </a:r>
-            <a:r>
-              <a:rPr lang="en-US" altLang="ko-KR" b="1" dirty="0" smtClean="0">
-                <a:ln>
-                  <a:solidFill>
-                    <a:schemeClr val="tx1">
-                      <a:lumMod val="50000"/>
-                      <a:lumOff val="50000"/>
-                      <a:alpha val="0"/>
-                    </a:schemeClr>
-                  </a:solidFill>
-                </a:ln>
-                <a:solidFill>
-                  <a:srgbClr val="E9520B"/>
-                </a:solidFill>
-              </a:rPr>
-              <a:t>]</a:t>
-            </a:r>
-            <a:r>
-              <a:rPr lang="ko-KR" altLang="en-US" b="1" dirty="0" smtClean="0">
-                <a:ln>
-                  <a:solidFill>
-                    <a:schemeClr val="tx1">
-                      <a:lumMod val="50000"/>
-                      <a:lumOff val="50000"/>
-                      <a:alpha val="0"/>
-                    </a:schemeClr>
-                  </a:solidFill>
-                </a:ln>
-                <a:solidFill>
-                  <a:srgbClr val="E9520B"/>
-                </a:solidFill>
-              </a:rPr>
-              <a:t> </a:t>
-            </a:r>
-            <a:r>
-              <a:rPr lang="ko-KR" altLang="en-US" b="1" dirty="0" smtClean="0">
-                <a:ln>
-                  <a:solidFill>
-                    <a:schemeClr val="tx1">
-                      <a:lumMod val="50000"/>
-                      <a:lumOff val="50000"/>
-                      <a:alpha val="0"/>
-                    </a:schemeClr>
-                  </a:solidFill>
-                </a:ln>
-                <a:solidFill>
-                  <a:srgbClr val="E9520B"/>
-                </a:solidFill>
-              </a:rPr>
-              <a:t>코드 리뷰 점검 </a:t>
-            </a:r>
-            <a:r>
-              <a:rPr lang="en-US" altLang="ko-KR" b="1" dirty="0" smtClean="0">
-                <a:ln>
-                  <a:solidFill>
-                    <a:schemeClr val="tx1">
-                      <a:lumMod val="50000"/>
-                      <a:lumOff val="50000"/>
-                      <a:alpha val="0"/>
-                    </a:schemeClr>
-                  </a:solidFill>
-                </a:ln>
-                <a:solidFill>
-                  <a:srgbClr val="E9520B"/>
-                </a:solidFill>
-              </a:rPr>
-              <a:t>Tool</a:t>
-            </a:r>
-            <a:r>
-              <a:rPr lang="ko-KR" altLang="en-US" b="1" dirty="0" smtClean="0">
-                <a:ln>
-                  <a:solidFill>
-                    <a:schemeClr val="tx1">
-                      <a:lumMod val="50000"/>
-                      <a:lumOff val="50000"/>
-                      <a:alpha val="0"/>
-                    </a:schemeClr>
-                  </a:solidFill>
-                </a:ln>
-                <a:solidFill>
-                  <a:srgbClr val="E9520B"/>
-                </a:solidFill>
-              </a:rPr>
-              <a:t> 항목 </a:t>
-            </a:r>
-            <a:r>
-              <a:rPr lang="en-US" altLang="ko-KR" b="1" dirty="0" smtClean="0">
-                <a:ln>
-                  <a:solidFill>
-                    <a:schemeClr val="tx1">
-                      <a:lumMod val="50000"/>
-                      <a:lumOff val="50000"/>
-                      <a:alpha val="0"/>
-                    </a:schemeClr>
-                  </a:solidFill>
-                </a:ln>
-                <a:solidFill>
-                  <a:srgbClr val="E9520B"/>
-                </a:solidFill>
-              </a:rPr>
-              <a:t>– DP </a:t>
-            </a:r>
-            <a:r>
-              <a:rPr lang="ko-KR" altLang="en-US" b="1" dirty="0" smtClean="0">
-                <a:ln>
-                  <a:solidFill>
-                    <a:schemeClr val="tx1">
-                      <a:lumMod val="50000"/>
-                      <a:lumOff val="50000"/>
-                      <a:alpha val="0"/>
-                    </a:schemeClr>
-                  </a:solidFill>
-                </a:ln>
-                <a:solidFill>
-                  <a:srgbClr val="E9520B"/>
-                </a:solidFill>
-              </a:rPr>
-              <a:t>함수 예외 </a:t>
-            </a:r>
-            <a:r>
-              <a:rPr lang="ko-KR" altLang="en-US" b="1" dirty="0" smtClean="0">
-                <a:ln>
-                  <a:solidFill>
-                    <a:schemeClr val="tx1">
-                      <a:lumMod val="50000"/>
-                      <a:lumOff val="50000"/>
-                      <a:alpha val="0"/>
-                    </a:schemeClr>
-                  </a:solidFill>
-                </a:ln>
-                <a:solidFill>
-                  <a:srgbClr val="E9520B"/>
-                </a:solidFill>
-              </a:rPr>
-              <a:t>처리</a:t>
-            </a:r>
-            <a:endParaRPr lang="en-US" altLang="ko-KR" b="1" dirty="0">
-              <a:ln>
-                <a:solidFill>
-                  <a:schemeClr val="tx1">
-                    <a:lumMod val="50000"/>
-                    <a:lumOff val="50000"/>
-                    <a:alpha val="0"/>
-                  </a:schemeClr>
-                </a:solidFill>
-              </a:ln>
-              <a:solidFill>
-                <a:srgbClr val="E9520B"/>
-              </a:solidFill>
-            </a:endParaRPr>
-          </a:p>
-          <a:p>
-            <a:pPr marL="457200" lvl="3">
-              <a:lnSpc>
-                <a:spcPct val="150000"/>
-              </a:lnSpc>
-            </a:pPr>
-            <a:r>
-              <a:rPr lang="en-US" altLang="ko-KR" sz="1400" b="1" dirty="0">
-                <a:ln>
-                  <a:solidFill>
-                    <a:schemeClr val="tx1">
-                      <a:lumMod val="50000"/>
-                      <a:lumOff val="50000"/>
-                      <a:alpha val="0"/>
-                    </a:schemeClr>
-                  </a:solidFill>
-                </a:ln>
-              </a:rPr>
-              <a:t> - </a:t>
-            </a:r>
-            <a:r>
-              <a:rPr lang="en-US" altLang="ko-KR" sz="1400" b="1" dirty="0" smtClean="0">
-                <a:ln>
-                  <a:solidFill>
-                    <a:schemeClr val="tx1">
-                      <a:lumMod val="50000"/>
-                      <a:lumOff val="50000"/>
-                      <a:alpha val="0"/>
-                    </a:schemeClr>
-                  </a:solidFill>
-                </a:ln>
-              </a:rPr>
-              <a:t>DP </a:t>
-            </a:r>
-            <a:r>
-              <a:rPr lang="ko-KR" altLang="en-US" sz="1400" b="1" dirty="0" smtClean="0">
-                <a:ln>
-                  <a:solidFill>
-                    <a:schemeClr val="tx1">
-                      <a:lumMod val="50000"/>
-                      <a:lumOff val="50000"/>
-                      <a:alpha val="0"/>
-                    </a:schemeClr>
-                  </a:solidFill>
-                </a:ln>
-              </a:rPr>
-              <a:t>함수 예외처리 적용 확인 </a:t>
-            </a:r>
-            <a:r>
-              <a:rPr lang="en-US" altLang="ko-KR" sz="1400" b="1" dirty="0" smtClean="0">
-                <a:ln>
-                  <a:solidFill>
-                    <a:schemeClr val="tx1">
-                      <a:lumMod val="50000"/>
-                      <a:lumOff val="50000"/>
-                      <a:alpha val="0"/>
-                    </a:schemeClr>
-                  </a:solidFill>
-                </a:ln>
-              </a:rPr>
-              <a:t>(</a:t>
-            </a:r>
-            <a:r>
-              <a:rPr lang="ko-KR" altLang="en-US" sz="1400" b="1" dirty="0" smtClean="0">
-                <a:ln>
-                  <a:solidFill>
-                    <a:schemeClr val="tx1">
-                      <a:lumMod val="50000"/>
-                      <a:lumOff val="50000"/>
-                      <a:alpha val="0"/>
-                    </a:schemeClr>
-                  </a:solidFill>
-                </a:ln>
-              </a:rPr>
-              <a:t>함수 처리 실패 확인</a:t>
-            </a:r>
-            <a:r>
-              <a:rPr lang="en-US" altLang="ko-KR" sz="1400" b="1" dirty="0" smtClean="0">
-                <a:ln>
-                  <a:solidFill>
-                    <a:schemeClr val="tx1">
-                      <a:lumMod val="50000"/>
-                      <a:lumOff val="50000"/>
-                      <a:alpha val="0"/>
-                    </a:schemeClr>
-                  </a:solidFill>
-                </a:ln>
-              </a:rPr>
-              <a:t>)</a:t>
-            </a:r>
-            <a:endParaRPr lang="en-US" altLang="ko-KR" sz="2000" b="1" dirty="0" smtClean="0">
-              <a:ln>
-                <a:solidFill>
-                  <a:schemeClr val="tx1">
-                    <a:lumMod val="50000"/>
-                    <a:lumOff val="50000"/>
-                    <a:alpha val="0"/>
-                  </a:schemeClr>
-                </a:solidFill>
-              </a:ln>
-              <a:solidFill>
-                <a:srgbClr val="E9520B"/>
-              </a:solidFill>
-            </a:endParaRPr>
-          </a:p>
-        </p:txBody>
-      </p:sp>
-      <p:sp>
-        <p:nvSpPr>
-          <p:cNvPr id="6" name="제목 1"/>
-          <p:cNvSpPr>
-            <a:spLocks noGrp="1"/>
-          </p:cNvSpPr>
-          <p:nvPr>
-            <p:ph type="title" idx="4294967295"/>
-          </p:nvPr>
-        </p:nvSpPr>
-        <p:spPr>
-          <a:xfrm>
-            <a:off x="452500" y="224644"/>
-            <a:ext cx="6858903" cy="504056"/>
-          </a:xfrm>
-          <a:ln>
-            <a:noFill/>
-          </a:ln>
-        </p:spPr>
-        <p:txBody>
-          <a:bodyPr>
-            <a:normAutofit/>
-          </a:bodyPr>
-          <a:lstStyle/>
-          <a:p>
-            <a:r>
-              <a:rPr lang="ko-KR" altLang="en-US" sz="2800" b="1" dirty="0" smtClean="0">
-                <a:ln>
-                  <a:solidFill>
-                    <a:prstClr val="white">
-                      <a:alpha val="0"/>
-                    </a:prstClr>
-                  </a:solidFill>
-                </a:ln>
-                <a:solidFill>
-                  <a:prstClr val="white">
-                    <a:lumMod val="50000"/>
-                  </a:prstClr>
-                </a:solidFill>
-                <a:latin typeface="+mn-ea"/>
-                <a:ea typeface="+mn-ea"/>
-              </a:rPr>
-              <a:t>기능 정의</a:t>
-            </a:r>
-            <a:endParaRPr lang="ko-KR" altLang="en-US" sz="2800" b="1" dirty="0">
-              <a:latin typeface="+mn-ea"/>
-              <a:ea typeface="+mn-ea"/>
-            </a:endParaRPr>
-          </a:p>
-        </p:txBody>
-      </p:sp>
-      <p:pic>
-        <p:nvPicPr>
-          <p:cNvPr id="3" name="그림 2"/>
-          <p:cNvPicPr>
-            <a:picLocks noChangeAspect="1"/>
-          </p:cNvPicPr>
-          <p:nvPr/>
-        </p:nvPicPr>
-        <p:blipFill rotWithShape="1">
-          <a:blip r:embed="rId2"/>
-          <a:srcRect l="1711" t="5322"/>
-          <a:stretch/>
-        </p:blipFill>
-        <p:spPr>
-          <a:xfrm>
-            <a:off x="1892660" y="2096852"/>
-            <a:ext cx="6205426" cy="3843093"/>
-          </a:xfrm>
-          <a:prstGeom prst="rect">
-            <a:avLst/>
-          </a:prstGeom>
-          <a:ln>
-            <a:solidFill>
-              <a:schemeClr val="bg1">
-                <a:lumMod val="85000"/>
-              </a:schemeClr>
-            </a:solidFill>
-          </a:ln>
-        </p:spPr>
-      </p:pic>
-      <p:sp>
-        <p:nvSpPr>
-          <p:cNvPr id="7" name="순서도: 처리 6"/>
-          <p:cNvSpPr/>
-          <p:nvPr/>
-        </p:nvSpPr>
-        <p:spPr>
-          <a:xfrm>
-            <a:off x="3619165" y="6057939"/>
-            <a:ext cx="2644404" cy="376992"/>
-          </a:xfrm>
-          <a:prstGeom prst="flowChartProcess">
-            <a:avLst/>
-          </a:prstGeom>
-          <a:ln>
-            <a:solidFill>
-              <a:schemeClr val="tx1"/>
-            </a:solidFill>
-          </a:ln>
-        </p:spPr>
-        <p:style>
-          <a:lnRef idx="2">
-            <a:schemeClr val="accent2"/>
-          </a:lnRef>
-          <a:fillRef idx="1">
-            <a:schemeClr val="lt1"/>
-          </a:fillRef>
-          <a:effectRef idx="0">
-            <a:schemeClr val="accent2"/>
-          </a:effectRef>
-          <a:fontRef idx="minor">
-            <a:schemeClr val="dk1"/>
-          </a:fontRef>
-        </p:style>
-        <p:txBody>
-          <a:bodyPr rtlCol="0" anchor="ctr"/>
-          <a:lstStyle/>
-          <a:p>
-            <a:pPr algn="ctr"/>
-            <a:r>
-              <a:rPr lang="ko-KR" altLang="en-US" sz="1100" dirty="0" smtClean="0"/>
-              <a:t>①  </a:t>
-            </a:r>
-            <a:r>
-              <a:rPr lang="en-US" altLang="ko-KR" sz="1100" dirty="0" smtClean="0"/>
-              <a:t>DP </a:t>
-            </a:r>
-            <a:r>
-              <a:rPr lang="ko-KR" altLang="en-US" sz="1100" dirty="0" smtClean="0"/>
-              <a:t>함수 실패에 대한 예외 처리 확인</a:t>
-            </a:r>
-            <a:endParaRPr lang="en-US" altLang="ko-KR" sz="1100" dirty="0" smtClean="0"/>
-          </a:p>
-        </p:txBody>
-      </p:sp>
-    </p:spTree>
-    <p:extLst>
-      <p:ext uri="{BB962C8B-B14F-4D97-AF65-F5344CB8AC3E}">
-        <p14:creationId xmlns:p14="http://schemas.microsoft.com/office/powerpoint/2010/main" val="409019644"/>
       </p:ext>
     </p:extLst>
   </p:cSld>
